--- a/Presentation/Performance K6 Meetup.pptx
+++ b/Presentation/Performance K6 Meetup.pptx
@@ -24,14 +24,15 @@
     <p:sldId id="275" r:id="rId18"/>
     <p:sldId id="276" r:id="rId19"/>
     <p:sldId id="277" r:id="rId20"/>
-    <p:sldId id="278" r:id="rId21"/>
-    <p:sldId id="279" r:id="rId22"/>
-    <p:sldId id="280" r:id="rId23"/>
-    <p:sldId id="281" r:id="rId24"/>
-    <p:sldId id="283" r:id="rId25"/>
-    <p:sldId id="285" r:id="rId26"/>
-    <p:sldId id="286" r:id="rId27"/>
-    <p:sldId id="284" r:id="rId28"/>
+    <p:sldId id="287" r:id="rId21"/>
+    <p:sldId id="278" r:id="rId22"/>
+    <p:sldId id="279" r:id="rId23"/>
+    <p:sldId id="280" r:id="rId24"/>
+    <p:sldId id="281" r:id="rId25"/>
+    <p:sldId id="283" r:id="rId26"/>
+    <p:sldId id="285" r:id="rId27"/>
+    <p:sldId id="286" r:id="rId28"/>
+    <p:sldId id="284" r:id="rId29"/>
   </p:sldIdLst>
   <p:sldSz cx="12192000" cy="6858000"/>
   <p:notesSz cx="6858000" cy="9144000"/>
@@ -141,7 +142,7 @@
 <file path=ppt/charts/chart1.xml><?xml version="1.0" encoding="utf-8"?>
 <c:chartSpace xmlns:c="http://schemas.openxmlformats.org/drawingml/2006/chart" xmlns:a="http://schemas.openxmlformats.org/drawingml/2006/main" xmlns:r="http://schemas.openxmlformats.org/officeDocument/2006/relationships" xmlns:c16r2="http://schemas.microsoft.com/office/drawing/2015/06/chart">
   <c:date1904 val="0"/>
-  <c:lang val="en-US"/>
+  <c:lang val="es-ES"/>
   <c:roundedCorners val="0"/>
   <mc:AlternateContent xmlns:mc="http://schemas.openxmlformats.org/markup-compatibility/2006">
     <mc:Choice xmlns:c14="http://schemas.microsoft.com/office/drawing/2007/8/2/chart" Requires="c14">
@@ -324,7 +325,7 @@
                 <a:cs typeface="+mn-cs"/>
               </a:defRPr>
             </a:pPr>
-            <a:endParaRPr lang="en-US"/>
+            <a:endParaRPr lang="es-ES"/>
           </a:p>
         </c:txPr>
         <c:crossAx val="626618560"/>
@@ -369,7 +370,7 @@
                 <a:cs typeface="+mn-cs"/>
               </a:defRPr>
             </a:pPr>
-            <a:endParaRPr lang="en-US"/>
+            <a:endParaRPr lang="es-ES"/>
           </a:p>
         </c:txPr>
         <c:crossAx val="626619808"/>
@@ -423,7 +424,7 @@
       <a:pPr>
         <a:defRPr/>
       </a:pPr>
-      <a:endParaRPr lang="en-US"/>
+      <a:endParaRPr lang="es-ES"/>
     </a:p>
   </c:txPr>
   <c:externalData r:id="rId3">
@@ -435,7 +436,7 @@
 <file path=ppt/charts/chart2.xml><?xml version="1.0" encoding="utf-8"?>
 <c:chartSpace xmlns:c="http://schemas.openxmlformats.org/drawingml/2006/chart" xmlns:a="http://schemas.openxmlformats.org/drawingml/2006/main" xmlns:r="http://schemas.openxmlformats.org/officeDocument/2006/relationships" xmlns:c16r2="http://schemas.microsoft.com/office/drawing/2015/06/chart">
   <c:date1904 val="0"/>
-  <c:lang val="en-US"/>
+  <c:lang val="es-ES"/>
   <c:roundedCorners val="0"/>
   <mc:AlternateContent xmlns:mc="http://schemas.openxmlformats.org/markup-compatibility/2006">
     <mc:Choice xmlns:c14="http://schemas.microsoft.com/office/drawing/2007/8/2/chart" Requires="c14">
@@ -618,7 +619,7 @@
                 <a:cs typeface="+mn-cs"/>
               </a:defRPr>
             </a:pPr>
-            <a:endParaRPr lang="en-US"/>
+            <a:endParaRPr lang="es-ES"/>
           </a:p>
         </c:txPr>
         <c:crossAx val="626618560"/>
@@ -663,7 +664,7 @@
                 <a:cs typeface="+mn-cs"/>
               </a:defRPr>
             </a:pPr>
-            <a:endParaRPr lang="en-US"/>
+            <a:endParaRPr lang="es-ES"/>
           </a:p>
         </c:txPr>
         <c:crossAx val="626619808"/>
@@ -717,7 +718,7 @@
       <a:pPr>
         <a:defRPr/>
       </a:pPr>
-      <a:endParaRPr lang="en-US"/>
+      <a:endParaRPr lang="es-ES"/>
     </a:p>
   </c:txPr>
   <c:externalData r:id="rId3">
@@ -729,7 +730,7 @@
 <file path=ppt/charts/chart3.xml><?xml version="1.0" encoding="utf-8"?>
 <c:chartSpace xmlns:c="http://schemas.openxmlformats.org/drawingml/2006/chart" xmlns:a="http://schemas.openxmlformats.org/drawingml/2006/main" xmlns:r="http://schemas.openxmlformats.org/officeDocument/2006/relationships" xmlns:c16r2="http://schemas.microsoft.com/office/drawing/2015/06/chart">
   <c:date1904 val="0"/>
-  <c:lang val="en-US"/>
+  <c:lang val="es-ES"/>
   <c:roundedCorners val="0"/>
   <mc:AlternateContent xmlns:mc="http://schemas.openxmlformats.org/markup-compatibility/2006">
     <mc:Choice xmlns:c14="http://schemas.microsoft.com/office/drawing/2007/8/2/chart" Requires="c14">
@@ -912,7 +913,7 @@
                 <a:cs typeface="+mn-cs"/>
               </a:defRPr>
             </a:pPr>
-            <a:endParaRPr lang="en-US"/>
+            <a:endParaRPr lang="es-ES"/>
           </a:p>
         </c:txPr>
         <c:crossAx val="626618560"/>
@@ -957,7 +958,7 @@
                 <a:cs typeface="+mn-cs"/>
               </a:defRPr>
             </a:pPr>
-            <a:endParaRPr lang="en-US"/>
+            <a:endParaRPr lang="es-ES"/>
           </a:p>
         </c:txPr>
         <c:crossAx val="626619808"/>
@@ -1011,7 +1012,7 @@
       <a:pPr>
         <a:defRPr/>
       </a:pPr>
-      <a:endParaRPr lang="en-US"/>
+      <a:endParaRPr lang="es-ES"/>
     </a:p>
   </c:txPr>
   <c:externalData r:id="rId3">
@@ -1023,7 +1024,7 @@
 <file path=ppt/charts/chart4.xml><?xml version="1.0" encoding="utf-8"?>
 <c:chartSpace xmlns:c="http://schemas.openxmlformats.org/drawingml/2006/chart" xmlns:a="http://schemas.openxmlformats.org/drawingml/2006/main" xmlns:r="http://schemas.openxmlformats.org/officeDocument/2006/relationships" xmlns:c16r2="http://schemas.microsoft.com/office/drawing/2015/06/chart">
   <c:date1904 val="0"/>
-  <c:lang val="en-US"/>
+  <c:lang val="es-ES"/>
   <c:roundedCorners val="0"/>
   <mc:AlternateContent xmlns:mc="http://schemas.openxmlformats.org/markup-compatibility/2006">
     <mc:Choice xmlns:c14="http://schemas.microsoft.com/office/drawing/2007/8/2/chart" Requires="c14">
@@ -1278,7 +1279,7 @@
                 <a:cs typeface="+mn-cs"/>
               </a:defRPr>
             </a:pPr>
-            <a:endParaRPr lang="en-US"/>
+            <a:endParaRPr lang="es-ES"/>
           </a:p>
         </c:txPr>
         <c:crossAx val="626618560"/>
@@ -1323,7 +1324,7 @@
                 <a:cs typeface="+mn-cs"/>
               </a:defRPr>
             </a:pPr>
-            <a:endParaRPr lang="en-US"/>
+            <a:endParaRPr lang="es-ES"/>
           </a:p>
         </c:txPr>
         <c:crossAx val="626619808"/>
@@ -1377,7 +1378,7 @@
       <a:pPr>
         <a:defRPr/>
       </a:pPr>
-      <a:endParaRPr lang="en-US"/>
+      <a:endParaRPr lang="es-ES"/>
     </a:p>
   </c:txPr>
   <c:externalData r:id="rId3">
@@ -1389,7 +1390,7 @@
 <file path=ppt/charts/chart5.xml><?xml version="1.0" encoding="utf-8"?>
 <c:chartSpace xmlns:c="http://schemas.openxmlformats.org/drawingml/2006/chart" xmlns:a="http://schemas.openxmlformats.org/drawingml/2006/main" xmlns:r="http://schemas.openxmlformats.org/officeDocument/2006/relationships" xmlns:c16r2="http://schemas.microsoft.com/office/drawing/2015/06/chart">
   <c:date1904 val="0"/>
-  <c:lang val="en-US"/>
+  <c:lang val="es-ES"/>
   <c:roundedCorners val="0"/>
   <mc:AlternateContent xmlns:mc="http://schemas.openxmlformats.org/markup-compatibility/2006">
     <mc:Choice xmlns:c14="http://schemas.microsoft.com/office/drawing/2007/8/2/chart" Requires="c14">
@@ -1583,7 +1584,7 @@
                 <a:cs typeface="+mn-cs"/>
               </a:defRPr>
             </a:pPr>
-            <a:endParaRPr lang="en-US"/>
+            <a:endParaRPr lang="es-ES"/>
           </a:p>
         </c:txPr>
         <c:crossAx val="626618560"/>
@@ -1628,7 +1629,7 @@
                 <a:cs typeface="+mn-cs"/>
               </a:defRPr>
             </a:pPr>
-            <a:endParaRPr lang="en-US"/>
+            <a:endParaRPr lang="es-ES"/>
           </a:p>
         </c:txPr>
         <c:crossAx val="626619808"/>
@@ -1682,7 +1683,7 @@
       <a:pPr>
         <a:defRPr/>
       </a:pPr>
-      <a:endParaRPr lang="en-US"/>
+      <a:endParaRPr lang="es-ES"/>
     </a:p>
   </c:txPr>
   <c:externalData r:id="rId3">
@@ -11476,7 +11477,7 @@
           <a:p>
             <a:fld id="{F2FF85B4-C8B2-4E9D-B99C-E1B70C36DC67}" type="datetimeFigureOut">
               <a:rPr lang="en-US" smtClean="0"/>
-              <a:t>6/4/2021</a:t>
+              <a:t>6/8/2021</a:t>
             </a:fld>
             <a:endParaRPr lang="en-US"/>
           </a:p>
@@ -11530,7 +11531,7 @@
           <a:p>
             <a:fld id="{0C15E091-211C-49BC-934E-1310738BB674}" type="slidenum">
               <a:rPr lang="en-US" smtClean="0"/>
-              <a:t>‹#›</a:t>
+              <a:t>‹Nº›</a:t>
             </a:fld>
             <a:endParaRPr lang="en-US"/>
           </a:p>
@@ -11674,7 +11675,7 @@
           <a:p>
             <a:fld id="{F2FF85B4-C8B2-4E9D-B99C-E1B70C36DC67}" type="datetimeFigureOut">
               <a:rPr lang="en-US" smtClean="0"/>
-              <a:t>6/4/2021</a:t>
+              <a:t>6/8/2021</a:t>
             </a:fld>
             <a:endParaRPr lang="en-US"/>
           </a:p>
@@ -11728,7 +11729,7 @@
           <a:p>
             <a:fld id="{0C15E091-211C-49BC-934E-1310738BB674}" type="slidenum">
               <a:rPr lang="en-US" smtClean="0"/>
-              <a:t>‹#›</a:t>
+              <a:t>‹Nº›</a:t>
             </a:fld>
             <a:endParaRPr lang="en-US"/>
           </a:p>
@@ -11882,7 +11883,7 @@
           <a:p>
             <a:fld id="{F2FF85B4-C8B2-4E9D-B99C-E1B70C36DC67}" type="datetimeFigureOut">
               <a:rPr lang="en-US" smtClean="0"/>
-              <a:t>6/4/2021</a:t>
+              <a:t>6/8/2021</a:t>
             </a:fld>
             <a:endParaRPr lang="en-US"/>
           </a:p>
@@ -11936,7 +11937,7 @@
           <a:p>
             <a:fld id="{0C15E091-211C-49BC-934E-1310738BB674}" type="slidenum">
               <a:rPr lang="en-US" smtClean="0"/>
-              <a:t>‹#›</a:t>
+              <a:t>‹Nº›</a:t>
             </a:fld>
             <a:endParaRPr lang="en-US"/>
           </a:p>
@@ -12080,7 +12081,7 @@
           <a:p>
             <a:fld id="{F2FF85B4-C8B2-4E9D-B99C-E1B70C36DC67}" type="datetimeFigureOut">
               <a:rPr lang="en-US" smtClean="0"/>
-              <a:t>6/4/2021</a:t>
+              <a:t>6/8/2021</a:t>
             </a:fld>
             <a:endParaRPr lang="en-US"/>
           </a:p>
@@ -12134,7 +12135,7 @@
           <a:p>
             <a:fld id="{0C15E091-211C-49BC-934E-1310738BB674}" type="slidenum">
               <a:rPr lang="en-US" smtClean="0"/>
-              <a:t>‹#›</a:t>
+              <a:t>‹Nº›</a:t>
             </a:fld>
             <a:endParaRPr lang="en-US"/>
           </a:p>
@@ -12355,7 +12356,7 @@
           <a:p>
             <a:fld id="{F2FF85B4-C8B2-4E9D-B99C-E1B70C36DC67}" type="datetimeFigureOut">
               <a:rPr lang="en-US" smtClean="0"/>
-              <a:t>6/4/2021</a:t>
+              <a:t>6/8/2021</a:t>
             </a:fld>
             <a:endParaRPr lang="en-US"/>
           </a:p>
@@ -12409,7 +12410,7 @@
           <a:p>
             <a:fld id="{0C15E091-211C-49BC-934E-1310738BB674}" type="slidenum">
               <a:rPr lang="en-US" smtClean="0"/>
-              <a:t>‹#›</a:t>
+              <a:t>‹Nº›</a:t>
             </a:fld>
             <a:endParaRPr lang="en-US"/>
           </a:p>
@@ -12620,7 +12621,7 @@
           <a:p>
             <a:fld id="{F2FF85B4-C8B2-4E9D-B99C-E1B70C36DC67}" type="datetimeFigureOut">
               <a:rPr lang="en-US" smtClean="0"/>
-              <a:t>6/4/2021</a:t>
+              <a:t>6/8/2021</a:t>
             </a:fld>
             <a:endParaRPr lang="en-US"/>
           </a:p>
@@ -12674,7 +12675,7 @@
           <a:p>
             <a:fld id="{0C15E091-211C-49BC-934E-1310738BB674}" type="slidenum">
               <a:rPr lang="en-US" smtClean="0"/>
-              <a:t>‹#›</a:t>
+              <a:t>‹Nº›</a:t>
             </a:fld>
             <a:endParaRPr lang="en-US"/>
           </a:p>
@@ -13032,7 +13033,7 @@
           <a:p>
             <a:fld id="{F2FF85B4-C8B2-4E9D-B99C-E1B70C36DC67}" type="datetimeFigureOut">
               <a:rPr lang="en-US" smtClean="0"/>
-              <a:t>6/4/2021</a:t>
+              <a:t>6/8/2021</a:t>
             </a:fld>
             <a:endParaRPr lang="en-US"/>
           </a:p>
@@ -13086,7 +13087,7 @@
           <a:p>
             <a:fld id="{0C15E091-211C-49BC-934E-1310738BB674}" type="slidenum">
               <a:rPr lang="en-US" smtClean="0"/>
-              <a:t>‹#›</a:t>
+              <a:t>‹Nº›</a:t>
             </a:fld>
             <a:endParaRPr lang="en-US"/>
           </a:p>
@@ -13173,7 +13174,7 @@
           <a:p>
             <a:fld id="{F2FF85B4-C8B2-4E9D-B99C-E1B70C36DC67}" type="datetimeFigureOut">
               <a:rPr lang="en-US" smtClean="0"/>
-              <a:t>6/4/2021</a:t>
+              <a:t>6/8/2021</a:t>
             </a:fld>
             <a:endParaRPr lang="en-US"/>
           </a:p>
@@ -13227,7 +13228,7 @@
           <a:p>
             <a:fld id="{0C15E091-211C-49BC-934E-1310738BB674}" type="slidenum">
               <a:rPr lang="en-US" smtClean="0"/>
-              <a:t>‹#›</a:t>
+              <a:t>‹Nº›</a:t>
             </a:fld>
             <a:endParaRPr lang="en-US"/>
           </a:p>
@@ -13286,7 +13287,7 @@
           <a:p>
             <a:fld id="{F2FF85B4-C8B2-4E9D-B99C-E1B70C36DC67}" type="datetimeFigureOut">
               <a:rPr lang="en-US" smtClean="0"/>
-              <a:t>6/4/2021</a:t>
+              <a:t>6/8/2021</a:t>
             </a:fld>
             <a:endParaRPr lang="en-US"/>
           </a:p>
@@ -13340,7 +13341,7 @@
           <a:p>
             <a:fld id="{0C15E091-211C-49BC-934E-1310738BB674}" type="slidenum">
               <a:rPr lang="en-US" smtClean="0"/>
-              <a:t>‹#›</a:t>
+              <a:t>‹Nº›</a:t>
             </a:fld>
             <a:endParaRPr lang="en-US"/>
           </a:p>
@@ -13597,7 +13598,7 @@
           <a:p>
             <a:fld id="{F2FF85B4-C8B2-4E9D-B99C-E1B70C36DC67}" type="datetimeFigureOut">
               <a:rPr lang="en-US" smtClean="0"/>
-              <a:t>6/4/2021</a:t>
+              <a:t>6/8/2021</a:t>
             </a:fld>
             <a:endParaRPr lang="en-US"/>
           </a:p>
@@ -13651,7 +13652,7 @@
           <a:p>
             <a:fld id="{0C15E091-211C-49BC-934E-1310738BB674}" type="slidenum">
               <a:rPr lang="en-US" smtClean="0"/>
-              <a:t>‹#›</a:t>
+              <a:t>‹Nº›</a:t>
             </a:fld>
             <a:endParaRPr lang="en-US"/>
           </a:p>
@@ -13885,7 +13886,7 @@
           <a:p>
             <a:fld id="{F2FF85B4-C8B2-4E9D-B99C-E1B70C36DC67}" type="datetimeFigureOut">
               <a:rPr lang="en-US" smtClean="0"/>
-              <a:t>6/4/2021</a:t>
+              <a:t>6/8/2021</a:t>
             </a:fld>
             <a:endParaRPr lang="en-US"/>
           </a:p>
@@ -13939,7 +13940,7 @@
           <a:p>
             <a:fld id="{0C15E091-211C-49BC-934E-1310738BB674}" type="slidenum">
               <a:rPr lang="en-US" smtClean="0"/>
-              <a:t>‹#›</a:t>
+              <a:t>‹Nº›</a:t>
             </a:fld>
             <a:endParaRPr lang="en-US"/>
           </a:p>
@@ -14126,7 +14127,7 @@
           <a:p>
             <a:fld id="{F2FF85B4-C8B2-4E9D-B99C-E1B70C36DC67}" type="datetimeFigureOut">
               <a:rPr lang="en-US" smtClean="0"/>
-              <a:t>6/4/2021</a:t>
+              <a:t>6/8/2021</a:t>
             </a:fld>
             <a:endParaRPr lang="en-US"/>
           </a:p>
@@ -14216,7 +14217,7 @@
           <a:p>
             <a:fld id="{0C15E091-211C-49BC-934E-1310738BB674}" type="slidenum">
               <a:rPr lang="en-US" smtClean="0"/>
-              <a:t>‹#›</a:t>
+              <a:t>‹Nº›</a:t>
             </a:fld>
             <a:endParaRPr lang="en-US"/>
           </a:p>
@@ -18170,6 +18171,205 @@
           <p:cNvPr id="2" name="Title 1">
             <a:extLst>
               <a:ext uri="{FF2B5EF4-FFF2-40B4-BE49-F238E27FC236}">
+                <a16:creationId xmlns:a16="http://schemas.microsoft.com/office/drawing/2014/main" id="{121AD423-7034-4C1A-B623-F0777EF18C46}"/>
+              </a:ext>
+            </a:extLst>
+          </p:cNvPr>
+          <p:cNvSpPr>
+            <a:spLocks noGrp="1"/>
+          </p:cNvSpPr>
+          <p:nvPr>
+            <p:ph type="title"/>
+          </p:nvPr>
+        </p:nvSpPr>
+        <p:spPr/>
+        <p:txBody>
+          <a:bodyPr/>
+          <a:lstStyle/>
+          <a:p>
+            <a:pPr algn="ctr"/>
+            <a:r>
+              <a:rPr lang="en-US" dirty="0"/>
+              <a:t>Check k6 version</a:t>
+            </a:r>
+          </a:p>
+        </p:txBody>
+      </p:sp>
+      <p:sp>
+        <p:nvSpPr>
+          <p:cNvPr id="12" name="Rectangle 11">
+            <a:extLst>
+              <a:ext uri="{FF2B5EF4-FFF2-40B4-BE49-F238E27FC236}">
+                <a16:creationId xmlns:a16="http://schemas.microsoft.com/office/drawing/2014/main" id="{5447E554-0E57-4271-8082-61283C5011C9}"/>
+              </a:ext>
+            </a:extLst>
+          </p:cNvPr>
+          <p:cNvSpPr/>
+          <p:nvPr/>
+        </p:nvSpPr>
+        <p:spPr>
+          <a:xfrm>
+            <a:off x="3142" y="0"/>
+            <a:ext cx="562466" cy="6858000"/>
+          </a:xfrm>
+          <a:prstGeom prst="rect">
+            <a:avLst/>
+          </a:prstGeom>
+          <a:solidFill>
+            <a:schemeClr val="accent1">
+              <a:lumMod val="40000"/>
+              <a:lumOff val="60000"/>
+            </a:schemeClr>
+          </a:solidFill>
+          <a:ln>
+            <a:noFill/>
+          </a:ln>
+        </p:spPr>
+        <p:style>
+          <a:lnRef idx="2">
+            <a:schemeClr val="accent1">
+              <a:shade val="50000"/>
+            </a:schemeClr>
+          </a:lnRef>
+          <a:fillRef idx="1">
+            <a:schemeClr val="accent1"/>
+          </a:fillRef>
+          <a:effectRef idx="0">
+            <a:schemeClr val="accent1"/>
+          </a:effectRef>
+          <a:fontRef idx="minor">
+            <a:schemeClr val="lt1"/>
+          </a:fontRef>
+        </p:style>
+        <p:txBody>
+          <a:bodyPr rtlCol="0" anchor="ctr"/>
+          <a:lstStyle/>
+          <a:p>
+            <a:pPr algn="ctr"/>
+            <a:endParaRPr lang="en-US"/>
+          </a:p>
+        </p:txBody>
+      </p:sp>
+      <p:sp>
+        <p:nvSpPr>
+          <p:cNvPr id="13" name="Rectangle 12">
+            <a:extLst>
+              <a:ext uri="{FF2B5EF4-FFF2-40B4-BE49-F238E27FC236}">
+                <a16:creationId xmlns:a16="http://schemas.microsoft.com/office/drawing/2014/main" id="{D000E7D5-CC36-4DDD-B7C4-FB6DAE1E326B}"/>
+              </a:ext>
+            </a:extLst>
+          </p:cNvPr>
+          <p:cNvSpPr/>
+          <p:nvPr/>
+        </p:nvSpPr>
+        <p:spPr>
+          <a:xfrm>
+            <a:off x="645734" y="0"/>
+            <a:ext cx="309515" cy="6858000"/>
+          </a:xfrm>
+          <a:prstGeom prst="rect">
+            <a:avLst/>
+          </a:prstGeom>
+          <a:solidFill>
+            <a:schemeClr val="accent1">
+              <a:lumMod val="20000"/>
+              <a:lumOff val="80000"/>
+            </a:schemeClr>
+          </a:solidFill>
+          <a:ln>
+            <a:noFill/>
+          </a:ln>
+        </p:spPr>
+        <p:style>
+          <a:lnRef idx="2">
+            <a:schemeClr val="accent1">
+              <a:shade val="50000"/>
+            </a:schemeClr>
+          </a:lnRef>
+          <a:fillRef idx="1">
+            <a:schemeClr val="accent1"/>
+          </a:fillRef>
+          <a:effectRef idx="0">
+            <a:schemeClr val="accent1"/>
+          </a:effectRef>
+          <a:fontRef idx="minor">
+            <a:schemeClr val="lt1"/>
+          </a:fontRef>
+        </p:style>
+        <p:txBody>
+          <a:bodyPr rtlCol="0" anchor="ctr"/>
+          <a:lstStyle/>
+          <a:p>
+            <a:pPr algn="ctr"/>
+            <a:endParaRPr lang="en-US"/>
+          </a:p>
+        </p:txBody>
+      </p:sp>
+      <p:pic>
+        <p:nvPicPr>
+          <p:cNvPr id="8" name="Imagen 7">
+            <a:extLst>
+              <a:ext uri="{FF2B5EF4-FFF2-40B4-BE49-F238E27FC236}">
+                <a16:creationId xmlns:a16="http://schemas.microsoft.com/office/drawing/2014/main" id="{69A97375-3109-4E25-B3CF-EA88E7B28243}"/>
+              </a:ext>
+            </a:extLst>
+          </p:cNvPr>
+          <p:cNvPicPr>
+            <a:picLocks noChangeAspect="1"/>
+          </p:cNvPicPr>
+          <p:nvPr/>
+        </p:nvPicPr>
+        <p:blipFill>
+          <a:blip r:embed="rId2"/>
+          <a:stretch>
+            <a:fillRect/>
+          </a:stretch>
+        </p:blipFill>
+        <p:spPr>
+          <a:xfrm>
+            <a:off x="1164188" y="2369344"/>
+            <a:ext cx="10572750" cy="1905000"/>
+          </a:xfrm>
+          <a:prstGeom prst="rect">
+            <a:avLst/>
+          </a:prstGeom>
+        </p:spPr>
+      </p:pic>
+    </p:spTree>
+    <p:extLst>
+      <p:ext uri="{BB962C8B-B14F-4D97-AF65-F5344CB8AC3E}">
+        <p14:creationId xmlns:p14="http://schemas.microsoft.com/office/powerpoint/2010/main" val="4030940487"/>
+      </p:ext>
+    </p:extLst>
+  </p:cSld>
+  <p:clrMapOvr>
+    <a:masterClrMapping/>
+  </p:clrMapOvr>
+</p:sld>
+</file>
+
+<file path=ppt/slides/slide21.xml><?xml version="1.0" encoding="utf-8"?>
+<p:sld xmlns:a="http://schemas.openxmlformats.org/drawingml/2006/main" xmlns:r="http://schemas.openxmlformats.org/officeDocument/2006/relationships" xmlns:p="http://schemas.openxmlformats.org/presentationml/2006/main">
+  <p:cSld>
+    <p:spTree>
+      <p:nvGrpSpPr>
+        <p:cNvPr id="1" name=""/>
+        <p:cNvGrpSpPr/>
+        <p:nvPr/>
+      </p:nvGrpSpPr>
+      <p:grpSpPr>
+        <a:xfrm>
+          <a:off x="0" y="0"/>
+          <a:ext cx="0" cy="0"/>
+          <a:chOff x="0" y="0"/>
+          <a:chExt cx="0" cy="0"/>
+        </a:xfrm>
+      </p:grpSpPr>
+      <p:sp>
+        <p:nvSpPr>
+          <p:cNvPr id="2" name="Title 1">
+            <a:extLst>
+              <a:ext uri="{FF2B5EF4-FFF2-40B4-BE49-F238E27FC236}">
                 <a16:creationId xmlns:a16="http://schemas.microsoft.com/office/drawing/2014/main" id="{CDD5D10B-B202-404B-8811-C0E5E2C1B49D}"/>
               </a:ext>
             </a:extLst>
@@ -18385,7 +18585,7 @@
 </p:sld>
 </file>
 
-<file path=ppt/slides/slide21.xml><?xml version="1.0" encoding="utf-8"?>
+<file path=ppt/slides/slide22.xml><?xml version="1.0" encoding="utf-8"?>
 <p:sld xmlns:a="http://schemas.openxmlformats.org/drawingml/2006/main" xmlns:r="http://schemas.openxmlformats.org/officeDocument/2006/relationships" xmlns:p="http://schemas.openxmlformats.org/presentationml/2006/main">
   <p:cSld>
     <p:spTree>
@@ -18559,7 +18759,7 @@
 </p:sld>
 </file>
 
-<file path=ppt/slides/slide22.xml><?xml version="1.0" encoding="utf-8"?>
+<file path=ppt/slides/slide23.xml><?xml version="1.0" encoding="utf-8"?>
 <p:sld xmlns:a="http://schemas.openxmlformats.org/drawingml/2006/main" xmlns:r="http://schemas.openxmlformats.org/officeDocument/2006/relationships" xmlns:p="http://schemas.openxmlformats.org/presentationml/2006/main">
   <p:cSld>
     <p:spTree>
@@ -18757,7 +18957,7 @@
 </p:sld>
 </file>
 
-<file path=ppt/slides/slide23.xml><?xml version="1.0" encoding="utf-8"?>
+<file path=ppt/slides/slide24.xml><?xml version="1.0" encoding="utf-8"?>
 <p:sld xmlns:a="http://schemas.openxmlformats.org/drawingml/2006/main" xmlns:r="http://schemas.openxmlformats.org/officeDocument/2006/relationships" xmlns:p="http://schemas.openxmlformats.org/presentationml/2006/main">
   <p:cSld>
     <p:spTree>
@@ -18996,7 +19196,7 @@
 </p:sld>
 </file>
 
-<file path=ppt/slides/slide24.xml><?xml version="1.0" encoding="utf-8"?>
+<file path=ppt/slides/slide25.xml><?xml version="1.0" encoding="utf-8"?>
 <p:sld xmlns:a="http://schemas.openxmlformats.org/drawingml/2006/main" xmlns:r="http://schemas.openxmlformats.org/officeDocument/2006/relationships" xmlns:p="http://schemas.openxmlformats.org/presentationml/2006/main">
   <p:cSld>
     <p:spTree>
@@ -19231,7 +19431,7 @@
 </p:sld>
 </file>
 
-<file path=ppt/slides/slide25.xml><?xml version="1.0" encoding="utf-8"?>
+<file path=ppt/slides/slide26.xml><?xml version="1.0" encoding="utf-8"?>
 <p:sld xmlns:a="http://schemas.openxmlformats.org/drawingml/2006/main" xmlns:r="http://schemas.openxmlformats.org/officeDocument/2006/relationships" xmlns:p="http://schemas.openxmlformats.org/presentationml/2006/main">
   <p:cSld>
     <p:spTree>
@@ -19466,7 +19666,7 @@
 </p:sld>
 </file>
 
-<file path=ppt/slides/slide26.xml><?xml version="1.0" encoding="utf-8"?>
+<file path=ppt/slides/slide27.xml><?xml version="1.0" encoding="utf-8"?>
 <p:sld xmlns:a="http://schemas.openxmlformats.org/drawingml/2006/main" xmlns:r="http://schemas.openxmlformats.org/officeDocument/2006/relationships" xmlns:p="http://schemas.openxmlformats.org/presentationml/2006/main">
   <p:cSld>
     <p:spTree>
@@ -19586,7 +19786,7 @@
 </p:sld>
 </file>
 
-<file path=ppt/slides/slide27.xml><?xml version="1.0" encoding="utf-8"?>
+<file path=ppt/slides/slide28.xml><?xml version="1.0" encoding="utf-8"?>
 <p:sld xmlns:a="http://schemas.openxmlformats.org/drawingml/2006/main" xmlns:r="http://schemas.openxmlformats.org/officeDocument/2006/relationships" xmlns:p="http://schemas.openxmlformats.org/presentationml/2006/main">
   <p:cSld>
     <p:spTree>

--- a/Presentation/Performance K6 Meetup.pptx
+++ b/Presentation/Performance K6 Meetup.pptx
@@ -5,34 +5,35 @@
     <p:sldMasterId id="2147483648" r:id="rId1"/>
   </p:sldMasterIdLst>
   <p:sldIdLst>
-    <p:sldId id="256" r:id="rId2"/>
-    <p:sldId id="257" r:id="rId3"/>
-    <p:sldId id="258" r:id="rId4"/>
-    <p:sldId id="259" r:id="rId5"/>
-    <p:sldId id="260" r:id="rId6"/>
-    <p:sldId id="261" r:id="rId7"/>
-    <p:sldId id="262" r:id="rId8"/>
-    <p:sldId id="263" r:id="rId9"/>
-    <p:sldId id="269" r:id="rId10"/>
-    <p:sldId id="265" r:id="rId11"/>
-    <p:sldId id="270" r:id="rId12"/>
-    <p:sldId id="273" r:id="rId13"/>
-    <p:sldId id="271" r:id="rId14"/>
-    <p:sldId id="272" r:id="rId15"/>
-    <p:sldId id="274" r:id="rId16"/>
-    <p:sldId id="268" r:id="rId17"/>
-    <p:sldId id="275" r:id="rId18"/>
-    <p:sldId id="276" r:id="rId19"/>
-    <p:sldId id="277" r:id="rId20"/>
-    <p:sldId id="287" r:id="rId21"/>
-    <p:sldId id="278" r:id="rId22"/>
-    <p:sldId id="279" r:id="rId23"/>
-    <p:sldId id="280" r:id="rId24"/>
-    <p:sldId id="281" r:id="rId25"/>
-    <p:sldId id="283" r:id="rId26"/>
-    <p:sldId id="285" r:id="rId27"/>
-    <p:sldId id="286" r:id="rId28"/>
-    <p:sldId id="284" r:id="rId29"/>
+    <p:sldId id="288" r:id="rId2"/>
+    <p:sldId id="256" r:id="rId3"/>
+    <p:sldId id="257" r:id="rId4"/>
+    <p:sldId id="258" r:id="rId5"/>
+    <p:sldId id="259" r:id="rId6"/>
+    <p:sldId id="260" r:id="rId7"/>
+    <p:sldId id="261" r:id="rId8"/>
+    <p:sldId id="262" r:id="rId9"/>
+    <p:sldId id="263" r:id="rId10"/>
+    <p:sldId id="269" r:id="rId11"/>
+    <p:sldId id="265" r:id="rId12"/>
+    <p:sldId id="270" r:id="rId13"/>
+    <p:sldId id="273" r:id="rId14"/>
+    <p:sldId id="271" r:id="rId15"/>
+    <p:sldId id="272" r:id="rId16"/>
+    <p:sldId id="274" r:id="rId17"/>
+    <p:sldId id="268" r:id="rId18"/>
+    <p:sldId id="275" r:id="rId19"/>
+    <p:sldId id="276" r:id="rId20"/>
+    <p:sldId id="277" r:id="rId21"/>
+    <p:sldId id="287" r:id="rId22"/>
+    <p:sldId id="278" r:id="rId23"/>
+    <p:sldId id="279" r:id="rId24"/>
+    <p:sldId id="280" r:id="rId25"/>
+    <p:sldId id="281" r:id="rId26"/>
+    <p:sldId id="283" r:id="rId27"/>
+    <p:sldId id="285" r:id="rId28"/>
+    <p:sldId id="286" r:id="rId29"/>
+    <p:sldId id="284" r:id="rId30"/>
   </p:sldIdLst>
   <p:sldSz cx="12192000" cy="6858000"/>
   <p:notesSz cx="6858000" cy="9144000"/>
@@ -142,7 +143,7 @@
 <file path=ppt/charts/chart1.xml><?xml version="1.0" encoding="utf-8"?>
 <c:chartSpace xmlns:c="http://schemas.openxmlformats.org/drawingml/2006/chart" xmlns:a="http://schemas.openxmlformats.org/drawingml/2006/main" xmlns:r="http://schemas.openxmlformats.org/officeDocument/2006/relationships" xmlns:c16r2="http://schemas.microsoft.com/office/drawing/2015/06/chart">
   <c:date1904 val="0"/>
-  <c:lang val="es-ES"/>
+  <c:lang val="en-US"/>
   <c:roundedCorners val="0"/>
   <mc:AlternateContent xmlns:mc="http://schemas.openxmlformats.org/markup-compatibility/2006">
     <mc:Choice xmlns:c14="http://schemas.microsoft.com/office/drawing/2007/8/2/chart" Requires="c14">
@@ -325,7 +326,7 @@
                 <a:cs typeface="+mn-cs"/>
               </a:defRPr>
             </a:pPr>
-            <a:endParaRPr lang="es-ES"/>
+            <a:endParaRPr lang="en-US"/>
           </a:p>
         </c:txPr>
         <c:crossAx val="626618560"/>
@@ -370,7 +371,7 @@
                 <a:cs typeface="+mn-cs"/>
               </a:defRPr>
             </a:pPr>
-            <a:endParaRPr lang="es-ES"/>
+            <a:endParaRPr lang="en-US"/>
           </a:p>
         </c:txPr>
         <c:crossAx val="626619808"/>
@@ -424,7 +425,7 @@
       <a:pPr>
         <a:defRPr/>
       </a:pPr>
-      <a:endParaRPr lang="es-ES"/>
+      <a:endParaRPr lang="en-US"/>
     </a:p>
   </c:txPr>
   <c:externalData r:id="rId3">
@@ -436,7 +437,7 @@
 <file path=ppt/charts/chart2.xml><?xml version="1.0" encoding="utf-8"?>
 <c:chartSpace xmlns:c="http://schemas.openxmlformats.org/drawingml/2006/chart" xmlns:a="http://schemas.openxmlformats.org/drawingml/2006/main" xmlns:r="http://schemas.openxmlformats.org/officeDocument/2006/relationships" xmlns:c16r2="http://schemas.microsoft.com/office/drawing/2015/06/chart">
   <c:date1904 val="0"/>
-  <c:lang val="es-ES"/>
+  <c:lang val="en-US"/>
   <c:roundedCorners val="0"/>
   <mc:AlternateContent xmlns:mc="http://schemas.openxmlformats.org/markup-compatibility/2006">
     <mc:Choice xmlns:c14="http://schemas.microsoft.com/office/drawing/2007/8/2/chart" Requires="c14">
@@ -619,7 +620,7 @@
                 <a:cs typeface="+mn-cs"/>
               </a:defRPr>
             </a:pPr>
-            <a:endParaRPr lang="es-ES"/>
+            <a:endParaRPr lang="en-US"/>
           </a:p>
         </c:txPr>
         <c:crossAx val="626618560"/>
@@ -664,7 +665,7 @@
                 <a:cs typeface="+mn-cs"/>
               </a:defRPr>
             </a:pPr>
-            <a:endParaRPr lang="es-ES"/>
+            <a:endParaRPr lang="en-US"/>
           </a:p>
         </c:txPr>
         <c:crossAx val="626619808"/>
@@ -718,7 +719,7 @@
       <a:pPr>
         <a:defRPr/>
       </a:pPr>
-      <a:endParaRPr lang="es-ES"/>
+      <a:endParaRPr lang="en-US"/>
     </a:p>
   </c:txPr>
   <c:externalData r:id="rId3">
@@ -730,7 +731,7 @@
 <file path=ppt/charts/chart3.xml><?xml version="1.0" encoding="utf-8"?>
 <c:chartSpace xmlns:c="http://schemas.openxmlformats.org/drawingml/2006/chart" xmlns:a="http://schemas.openxmlformats.org/drawingml/2006/main" xmlns:r="http://schemas.openxmlformats.org/officeDocument/2006/relationships" xmlns:c16r2="http://schemas.microsoft.com/office/drawing/2015/06/chart">
   <c:date1904 val="0"/>
-  <c:lang val="es-ES"/>
+  <c:lang val="en-US"/>
   <c:roundedCorners val="0"/>
   <mc:AlternateContent xmlns:mc="http://schemas.openxmlformats.org/markup-compatibility/2006">
     <mc:Choice xmlns:c14="http://schemas.microsoft.com/office/drawing/2007/8/2/chart" Requires="c14">
@@ -913,7 +914,7 @@
                 <a:cs typeface="+mn-cs"/>
               </a:defRPr>
             </a:pPr>
-            <a:endParaRPr lang="es-ES"/>
+            <a:endParaRPr lang="en-US"/>
           </a:p>
         </c:txPr>
         <c:crossAx val="626618560"/>
@@ -958,7 +959,7 @@
                 <a:cs typeface="+mn-cs"/>
               </a:defRPr>
             </a:pPr>
-            <a:endParaRPr lang="es-ES"/>
+            <a:endParaRPr lang="en-US"/>
           </a:p>
         </c:txPr>
         <c:crossAx val="626619808"/>
@@ -1012,7 +1013,7 @@
       <a:pPr>
         <a:defRPr/>
       </a:pPr>
-      <a:endParaRPr lang="es-ES"/>
+      <a:endParaRPr lang="en-US"/>
     </a:p>
   </c:txPr>
   <c:externalData r:id="rId3">
@@ -1024,7 +1025,7 @@
 <file path=ppt/charts/chart4.xml><?xml version="1.0" encoding="utf-8"?>
 <c:chartSpace xmlns:c="http://schemas.openxmlformats.org/drawingml/2006/chart" xmlns:a="http://schemas.openxmlformats.org/drawingml/2006/main" xmlns:r="http://schemas.openxmlformats.org/officeDocument/2006/relationships" xmlns:c16r2="http://schemas.microsoft.com/office/drawing/2015/06/chart">
   <c:date1904 val="0"/>
-  <c:lang val="es-ES"/>
+  <c:lang val="en-US"/>
   <c:roundedCorners val="0"/>
   <mc:AlternateContent xmlns:mc="http://schemas.openxmlformats.org/markup-compatibility/2006">
     <mc:Choice xmlns:c14="http://schemas.microsoft.com/office/drawing/2007/8/2/chart" Requires="c14">
@@ -1279,7 +1280,7 @@
                 <a:cs typeface="+mn-cs"/>
               </a:defRPr>
             </a:pPr>
-            <a:endParaRPr lang="es-ES"/>
+            <a:endParaRPr lang="en-US"/>
           </a:p>
         </c:txPr>
         <c:crossAx val="626618560"/>
@@ -1324,7 +1325,7 @@
                 <a:cs typeface="+mn-cs"/>
               </a:defRPr>
             </a:pPr>
-            <a:endParaRPr lang="es-ES"/>
+            <a:endParaRPr lang="en-US"/>
           </a:p>
         </c:txPr>
         <c:crossAx val="626619808"/>
@@ -1378,7 +1379,7 @@
       <a:pPr>
         <a:defRPr/>
       </a:pPr>
-      <a:endParaRPr lang="es-ES"/>
+      <a:endParaRPr lang="en-US"/>
     </a:p>
   </c:txPr>
   <c:externalData r:id="rId3">
@@ -1390,7 +1391,7 @@
 <file path=ppt/charts/chart5.xml><?xml version="1.0" encoding="utf-8"?>
 <c:chartSpace xmlns:c="http://schemas.openxmlformats.org/drawingml/2006/chart" xmlns:a="http://schemas.openxmlformats.org/drawingml/2006/main" xmlns:r="http://schemas.openxmlformats.org/officeDocument/2006/relationships" xmlns:c16r2="http://schemas.microsoft.com/office/drawing/2015/06/chart">
   <c:date1904 val="0"/>
-  <c:lang val="es-ES"/>
+  <c:lang val="en-US"/>
   <c:roundedCorners val="0"/>
   <mc:AlternateContent xmlns:mc="http://schemas.openxmlformats.org/markup-compatibility/2006">
     <mc:Choice xmlns:c14="http://schemas.microsoft.com/office/drawing/2007/8/2/chart" Requires="c14">
@@ -1584,7 +1585,7 @@
                 <a:cs typeface="+mn-cs"/>
               </a:defRPr>
             </a:pPr>
-            <a:endParaRPr lang="es-ES"/>
+            <a:endParaRPr lang="en-US"/>
           </a:p>
         </c:txPr>
         <c:crossAx val="626618560"/>
@@ -1629,7 +1630,7 @@
                 <a:cs typeface="+mn-cs"/>
               </a:defRPr>
             </a:pPr>
-            <a:endParaRPr lang="es-ES"/>
+            <a:endParaRPr lang="en-US"/>
           </a:p>
         </c:txPr>
         <c:crossAx val="626619808"/>
@@ -1683,7 +1684,7 @@
       <a:pPr>
         <a:defRPr/>
       </a:pPr>
-      <a:endParaRPr lang="es-ES"/>
+      <a:endParaRPr lang="en-US"/>
     </a:p>
   </c:txPr>
   <c:externalData r:id="rId3">
@@ -11477,7 +11478,7 @@
           <a:p>
             <a:fld id="{F2FF85B4-C8B2-4E9D-B99C-E1B70C36DC67}" type="datetimeFigureOut">
               <a:rPr lang="en-US" smtClean="0"/>
-              <a:t>6/8/2021</a:t>
+              <a:t>6/9/2021</a:t>
             </a:fld>
             <a:endParaRPr lang="en-US"/>
           </a:p>
@@ -11531,7 +11532,7 @@
           <a:p>
             <a:fld id="{0C15E091-211C-49BC-934E-1310738BB674}" type="slidenum">
               <a:rPr lang="en-US" smtClean="0"/>
-              <a:t>‹Nº›</a:t>
+              <a:t>‹#›</a:t>
             </a:fld>
             <a:endParaRPr lang="en-US"/>
           </a:p>
@@ -11675,7 +11676,7 @@
           <a:p>
             <a:fld id="{F2FF85B4-C8B2-4E9D-B99C-E1B70C36DC67}" type="datetimeFigureOut">
               <a:rPr lang="en-US" smtClean="0"/>
-              <a:t>6/8/2021</a:t>
+              <a:t>6/9/2021</a:t>
             </a:fld>
             <a:endParaRPr lang="en-US"/>
           </a:p>
@@ -11729,7 +11730,7 @@
           <a:p>
             <a:fld id="{0C15E091-211C-49BC-934E-1310738BB674}" type="slidenum">
               <a:rPr lang="en-US" smtClean="0"/>
-              <a:t>‹Nº›</a:t>
+              <a:t>‹#›</a:t>
             </a:fld>
             <a:endParaRPr lang="en-US"/>
           </a:p>
@@ -11883,7 +11884,7 @@
           <a:p>
             <a:fld id="{F2FF85B4-C8B2-4E9D-B99C-E1B70C36DC67}" type="datetimeFigureOut">
               <a:rPr lang="en-US" smtClean="0"/>
-              <a:t>6/8/2021</a:t>
+              <a:t>6/9/2021</a:t>
             </a:fld>
             <a:endParaRPr lang="en-US"/>
           </a:p>
@@ -11937,7 +11938,7 @@
           <a:p>
             <a:fld id="{0C15E091-211C-49BC-934E-1310738BB674}" type="slidenum">
               <a:rPr lang="en-US" smtClean="0"/>
-              <a:t>‹Nº›</a:t>
+              <a:t>‹#›</a:t>
             </a:fld>
             <a:endParaRPr lang="en-US"/>
           </a:p>
@@ -12081,7 +12082,7 @@
           <a:p>
             <a:fld id="{F2FF85B4-C8B2-4E9D-B99C-E1B70C36DC67}" type="datetimeFigureOut">
               <a:rPr lang="en-US" smtClean="0"/>
-              <a:t>6/8/2021</a:t>
+              <a:t>6/9/2021</a:t>
             </a:fld>
             <a:endParaRPr lang="en-US"/>
           </a:p>
@@ -12135,7 +12136,7 @@
           <a:p>
             <a:fld id="{0C15E091-211C-49BC-934E-1310738BB674}" type="slidenum">
               <a:rPr lang="en-US" smtClean="0"/>
-              <a:t>‹Nº›</a:t>
+              <a:t>‹#›</a:t>
             </a:fld>
             <a:endParaRPr lang="en-US"/>
           </a:p>
@@ -12356,7 +12357,7 @@
           <a:p>
             <a:fld id="{F2FF85B4-C8B2-4E9D-B99C-E1B70C36DC67}" type="datetimeFigureOut">
               <a:rPr lang="en-US" smtClean="0"/>
-              <a:t>6/8/2021</a:t>
+              <a:t>6/9/2021</a:t>
             </a:fld>
             <a:endParaRPr lang="en-US"/>
           </a:p>
@@ -12410,7 +12411,7 @@
           <a:p>
             <a:fld id="{0C15E091-211C-49BC-934E-1310738BB674}" type="slidenum">
               <a:rPr lang="en-US" smtClean="0"/>
-              <a:t>‹Nº›</a:t>
+              <a:t>‹#›</a:t>
             </a:fld>
             <a:endParaRPr lang="en-US"/>
           </a:p>
@@ -12621,7 +12622,7 @@
           <a:p>
             <a:fld id="{F2FF85B4-C8B2-4E9D-B99C-E1B70C36DC67}" type="datetimeFigureOut">
               <a:rPr lang="en-US" smtClean="0"/>
-              <a:t>6/8/2021</a:t>
+              <a:t>6/9/2021</a:t>
             </a:fld>
             <a:endParaRPr lang="en-US"/>
           </a:p>
@@ -12675,7 +12676,7 @@
           <a:p>
             <a:fld id="{0C15E091-211C-49BC-934E-1310738BB674}" type="slidenum">
               <a:rPr lang="en-US" smtClean="0"/>
-              <a:t>‹Nº›</a:t>
+              <a:t>‹#›</a:t>
             </a:fld>
             <a:endParaRPr lang="en-US"/>
           </a:p>
@@ -13033,7 +13034,7 @@
           <a:p>
             <a:fld id="{F2FF85B4-C8B2-4E9D-B99C-E1B70C36DC67}" type="datetimeFigureOut">
               <a:rPr lang="en-US" smtClean="0"/>
-              <a:t>6/8/2021</a:t>
+              <a:t>6/9/2021</a:t>
             </a:fld>
             <a:endParaRPr lang="en-US"/>
           </a:p>
@@ -13087,7 +13088,7 @@
           <a:p>
             <a:fld id="{0C15E091-211C-49BC-934E-1310738BB674}" type="slidenum">
               <a:rPr lang="en-US" smtClean="0"/>
-              <a:t>‹Nº›</a:t>
+              <a:t>‹#›</a:t>
             </a:fld>
             <a:endParaRPr lang="en-US"/>
           </a:p>
@@ -13174,7 +13175,7 @@
           <a:p>
             <a:fld id="{F2FF85B4-C8B2-4E9D-B99C-E1B70C36DC67}" type="datetimeFigureOut">
               <a:rPr lang="en-US" smtClean="0"/>
-              <a:t>6/8/2021</a:t>
+              <a:t>6/9/2021</a:t>
             </a:fld>
             <a:endParaRPr lang="en-US"/>
           </a:p>
@@ -13228,7 +13229,7 @@
           <a:p>
             <a:fld id="{0C15E091-211C-49BC-934E-1310738BB674}" type="slidenum">
               <a:rPr lang="en-US" smtClean="0"/>
-              <a:t>‹Nº›</a:t>
+              <a:t>‹#›</a:t>
             </a:fld>
             <a:endParaRPr lang="en-US"/>
           </a:p>
@@ -13287,7 +13288,7 @@
           <a:p>
             <a:fld id="{F2FF85B4-C8B2-4E9D-B99C-E1B70C36DC67}" type="datetimeFigureOut">
               <a:rPr lang="en-US" smtClean="0"/>
-              <a:t>6/8/2021</a:t>
+              <a:t>6/9/2021</a:t>
             </a:fld>
             <a:endParaRPr lang="en-US"/>
           </a:p>
@@ -13341,7 +13342,7 @@
           <a:p>
             <a:fld id="{0C15E091-211C-49BC-934E-1310738BB674}" type="slidenum">
               <a:rPr lang="en-US" smtClean="0"/>
-              <a:t>‹Nº›</a:t>
+              <a:t>‹#›</a:t>
             </a:fld>
             <a:endParaRPr lang="en-US"/>
           </a:p>
@@ -13598,7 +13599,7 @@
           <a:p>
             <a:fld id="{F2FF85B4-C8B2-4E9D-B99C-E1B70C36DC67}" type="datetimeFigureOut">
               <a:rPr lang="en-US" smtClean="0"/>
-              <a:t>6/8/2021</a:t>
+              <a:t>6/9/2021</a:t>
             </a:fld>
             <a:endParaRPr lang="en-US"/>
           </a:p>
@@ -13652,7 +13653,7 @@
           <a:p>
             <a:fld id="{0C15E091-211C-49BC-934E-1310738BB674}" type="slidenum">
               <a:rPr lang="en-US" smtClean="0"/>
-              <a:t>‹Nº›</a:t>
+              <a:t>‹#›</a:t>
             </a:fld>
             <a:endParaRPr lang="en-US"/>
           </a:p>
@@ -13886,7 +13887,7 @@
           <a:p>
             <a:fld id="{F2FF85B4-C8B2-4E9D-B99C-E1B70C36DC67}" type="datetimeFigureOut">
               <a:rPr lang="en-US" smtClean="0"/>
-              <a:t>6/8/2021</a:t>
+              <a:t>6/9/2021</a:t>
             </a:fld>
             <a:endParaRPr lang="en-US"/>
           </a:p>
@@ -13940,7 +13941,7 @@
           <a:p>
             <a:fld id="{0C15E091-211C-49BC-934E-1310738BB674}" type="slidenum">
               <a:rPr lang="en-US" smtClean="0"/>
-              <a:t>‹Nº›</a:t>
+              <a:t>‹#›</a:t>
             </a:fld>
             <a:endParaRPr lang="en-US"/>
           </a:p>
@@ -14127,7 +14128,7 @@
           <a:p>
             <a:fld id="{F2FF85B4-C8B2-4E9D-B99C-E1B70C36DC67}" type="datetimeFigureOut">
               <a:rPr lang="en-US" smtClean="0"/>
-              <a:t>6/8/2021</a:t>
+              <a:t>6/9/2021</a:t>
             </a:fld>
             <a:endParaRPr lang="en-US"/>
           </a:p>
@@ -14217,7 +14218,7 @@
           <a:p>
             <a:fld id="{0C15E091-211C-49BC-934E-1310738BB674}" type="slidenum">
               <a:rPr lang="en-US" smtClean="0"/>
-              <a:t>‹Nº›</a:t>
+              <a:t>‹#›</a:t>
             </a:fld>
             <a:endParaRPr lang="en-US"/>
           </a:p>
@@ -14560,14 +14561,19 @@
             <p:ph type="ctrTitle"/>
           </p:nvPr>
         </p:nvSpPr>
-        <p:spPr/>
+        <p:spPr>
+          <a:xfrm>
+            <a:off x="1524000" y="1426271"/>
+            <a:ext cx="9144000" cy="1060131"/>
+          </a:xfrm>
+        </p:spPr>
         <p:txBody>
           <a:bodyPr/>
           <a:lstStyle/>
           <a:p>
             <a:r>
               <a:rPr lang="en-US" dirty="0"/>
-              <a:t>Load Testing Using K6</a:t>
+              <a:t>Jerry Osorio</a:t>
             </a:r>
           </a:p>
         </p:txBody>
@@ -14588,7 +14594,12 @@
             <p:ph type="subTitle" idx="1"/>
           </p:nvPr>
         </p:nvSpPr>
-        <p:spPr/>
+        <p:spPr>
+          <a:xfrm>
+            <a:off x="1524000" y="2752409"/>
+            <a:ext cx="9144000" cy="1655762"/>
+          </a:xfrm>
+        </p:spPr>
         <p:txBody>
           <a:bodyPr/>
           <a:lstStyle/>
@@ -14732,8 +14743,38 @@
         </p:blipFill>
         <p:spPr>
           <a:xfrm>
-            <a:off x="4973092" y="4063591"/>
+            <a:off x="6481623" y="3670543"/>
             <a:ext cx="2245815" cy="2007270"/>
+          </a:xfrm>
+          <a:prstGeom prst="rect">
+            <a:avLst/>
+          </a:prstGeom>
+        </p:spPr>
+      </p:pic>
+      <p:pic>
+        <p:nvPicPr>
+          <p:cNvPr id="5" name="Picture 4">
+            <a:extLst>
+              <a:ext uri="{FF2B5EF4-FFF2-40B4-BE49-F238E27FC236}">
+                <a16:creationId xmlns:a16="http://schemas.microsoft.com/office/drawing/2014/main" id="{3F654324-001C-43E2-BEB0-6797E9EB9E3D}"/>
+              </a:ext>
+            </a:extLst>
+          </p:cNvPr>
+          <p:cNvPicPr>
+            <a:picLocks noChangeAspect="1"/>
+          </p:cNvPicPr>
+          <p:nvPr/>
+        </p:nvPicPr>
+        <p:blipFill>
+          <a:blip r:embed="rId3"/>
+          <a:stretch>
+            <a:fillRect/>
+          </a:stretch>
+        </p:blipFill>
+        <p:spPr>
+          <a:xfrm>
+            <a:off x="3648173" y="3521970"/>
+            <a:ext cx="2386341" cy="2599976"/>
           </a:xfrm>
           <a:prstGeom prst="rect">
             <a:avLst/>
@@ -14743,7 +14784,7 @@
     </p:spTree>
     <p:extLst>
       <p:ext uri="{BB962C8B-B14F-4D97-AF65-F5344CB8AC3E}">
-        <p14:creationId xmlns:p14="http://schemas.microsoft.com/office/powerpoint/2010/main" val="3139347042"/>
+        <p14:creationId xmlns:p14="http://schemas.microsoft.com/office/powerpoint/2010/main" val="2680857064"/>
       </p:ext>
     </p:extLst>
   </p:cSld>
@@ -14754,6 +14795,448 @@
 </file>
 
 <file path=ppt/slides/slide10.xml><?xml version="1.0" encoding="utf-8"?>
+<p:sld xmlns:a="http://schemas.openxmlformats.org/drawingml/2006/main" xmlns:r="http://schemas.openxmlformats.org/officeDocument/2006/relationships" xmlns:p="http://schemas.openxmlformats.org/presentationml/2006/main">
+  <p:cSld>
+    <p:spTree>
+      <p:nvGrpSpPr>
+        <p:cNvPr id="1" name=""/>
+        <p:cNvGrpSpPr/>
+        <p:nvPr/>
+      </p:nvGrpSpPr>
+      <p:grpSpPr>
+        <a:xfrm>
+          <a:off x="0" y="0"/>
+          <a:ext cx="0" cy="0"/>
+          <a:chOff x="0" y="0"/>
+          <a:chExt cx="0" cy="0"/>
+        </a:xfrm>
+      </p:grpSpPr>
+      <p:sp>
+        <p:nvSpPr>
+          <p:cNvPr id="2" name="Title 1">
+            <a:extLst>
+              <a:ext uri="{FF2B5EF4-FFF2-40B4-BE49-F238E27FC236}">
+                <a16:creationId xmlns:a16="http://schemas.microsoft.com/office/drawing/2014/main" id="{EC8218EA-B195-4A09-A386-22DE44655651}"/>
+              </a:ext>
+            </a:extLst>
+          </p:cNvPr>
+          <p:cNvSpPr>
+            <a:spLocks noGrp="1"/>
+          </p:cNvSpPr>
+          <p:nvPr>
+            <p:ph type="title"/>
+          </p:nvPr>
+        </p:nvSpPr>
+        <p:spPr>
+          <a:xfrm>
+            <a:off x="838200" y="365126"/>
+            <a:ext cx="10515600" cy="813078"/>
+          </a:xfrm>
+        </p:spPr>
+        <p:txBody>
+          <a:bodyPr/>
+          <a:lstStyle/>
+          <a:p>
+            <a:pPr algn="ctr"/>
+            <a:r>
+              <a:rPr lang="en-US" dirty="0"/>
+              <a:t>Stress Testing</a:t>
+            </a:r>
+          </a:p>
+        </p:txBody>
+      </p:sp>
+      <p:graphicFrame>
+        <p:nvGraphicFramePr>
+          <p:cNvPr id="8" name="Content Placeholder 7">
+            <a:extLst>
+              <a:ext uri="{FF2B5EF4-FFF2-40B4-BE49-F238E27FC236}">
+                <a16:creationId xmlns:a16="http://schemas.microsoft.com/office/drawing/2014/main" id="{AD086DD7-AC49-4479-8592-E04307CBE75C}"/>
+              </a:ext>
+            </a:extLst>
+          </p:cNvPr>
+          <p:cNvGraphicFramePr>
+            <a:graphicFrameLocks noGrp="1"/>
+          </p:cNvGraphicFramePr>
+          <p:nvPr>
+            <p:ph idx="1"/>
+            <p:extLst>
+              <p:ext uri="{D42A27DB-BD31-4B8C-83A1-F6EECF244321}">
+                <p14:modId xmlns:p14="http://schemas.microsoft.com/office/powerpoint/2010/main" val="1487960208"/>
+              </p:ext>
+            </p:extLst>
+          </p:nvPr>
+        </p:nvGraphicFramePr>
+        <p:xfrm>
+          <a:off x="1687842" y="1887047"/>
+          <a:ext cx="8379985" cy="3792750"/>
+        </p:xfrm>
+        <a:graphic>
+          <a:graphicData uri="http://schemas.openxmlformats.org/drawingml/2006/chart">
+            <c:chart xmlns:c="http://schemas.openxmlformats.org/drawingml/2006/chart" xmlns:r="http://schemas.openxmlformats.org/officeDocument/2006/relationships" r:id="rId2"/>
+          </a:graphicData>
+        </a:graphic>
+      </p:graphicFrame>
+      <p:sp>
+        <p:nvSpPr>
+          <p:cNvPr id="4" name="Rectangle 3">
+            <a:extLst>
+              <a:ext uri="{FF2B5EF4-FFF2-40B4-BE49-F238E27FC236}">
+                <a16:creationId xmlns:a16="http://schemas.microsoft.com/office/drawing/2014/main" id="{41401F1D-B990-44AF-AB22-2A351B3AFA3C}"/>
+              </a:ext>
+            </a:extLst>
+          </p:cNvPr>
+          <p:cNvSpPr/>
+          <p:nvPr/>
+        </p:nvSpPr>
+        <p:spPr>
+          <a:xfrm>
+            <a:off x="3142" y="0"/>
+            <a:ext cx="562466" cy="6858000"/>
+          </a:xfrm>
+          <a:prstGeom prst="rect">
+            <a:avLst/>
+          </a:prstGeom>
+          <a:solidFill>
+            <a:schemeClr val="accent1">
+              <a:lumMod val="40000"/>
+              <a:lumOff val="60000"/>
+            </a:schemeClr>
+          </a:solidFill>
+          <a:ln>
+            <a:noFill/>
+          </a:ln>
+        </p:spPr>
+        <p:style>
+          <a:lnRef idx="2">
+            <a:schemeClr val="accent1">
+              <a:shade val="50000"/>
+            </a:schemeClr>
+          </a:lnRef>
+          <a:fillRef idx="1">
+            <a:schemeClr val="accent1"/>
+          </a:fillRef>
+          <a:effectRef idx="0">
+            <a:schemeClr val="accent1"/>
+          </a:effectRef>
+          <a:fontRef idx="minor">
+            <a:schemeClr val="lt1"/>
+          </a:fontRef>
+        </p:style>
+        <p:txBody>
+          <a:bodyPr rtlCol="0" anchor="ctr"/>
+          <a:lstStyle/>
+          <a:p>
+            <a:pPr algn="ctr"/>
+            <a:endParaRPr lang="en-US"/>
+          </a:p>
+        </p:txBody>
+      </p:sp>
+      <p:sp>
+        <p:nvSpPr>
+          <p:cNvPr id="5" name="Rectangle 4">
+            <a:extLst>
+              <a:ext uri="{FF2B5EF4-FFF2-40B4-BE49-F238E27FC236}">
+                <a16:creationId xmlns:a16="http://schemas.microsoft.com/office/drawing/2014/main" id="{AF2C3D09-6980-4CEB-9556-BFD41530A16E}"/>
+              </a:ext>
+            </a:extLst>
+          </p:cNvPr>
+          <p:cNvSpPr/>
+          <p:nvPr/>
+        </p:nvSpPr>
+        <p:spPr>
+          <a:xfrm>
+            <a:off x="645734" y="0"/>
+            <a:ext cx="309515" cy="6858000"/>
+          </a:xfrm>
+          <a:prstGeom prst="rect">
+            <a:avLst/>
+          </a:prstGeom>
+          <a:solidFill>
+            <a:schemeClr val="accent1">
+              <a:lumMod val="20000"/>
+              <a:lumOff val="80000"/>
+            </a:schemeClr>
+          </a:solidFill>
+          <a:ln>
+            <a:noFill/>
+          </a:ln>
+        </p:spPr>
+        <p:style>
+          <a:lnRef idx="2">
+            <a:schemeClr val="accent1">
+              <a:shade val="50000"/>
+            </a:schemeClr>
+          </a:lnRef>
+          <a:fillRef idx="1">
+            <a:schemeClr val="accent1"/>
+          </a:fillRef>
+          <a:effectRef idx="0">
+            <a:schemeClr val="accent1"/>
+          </a:effectRef>
+          <a:fontRef idx="minor">
+            <a:schemeClr val="lt1"/>
+          </a:fontRef>
+        </p:style>
+        <p:txBody>
+          <a:bodyPr rtlCol="0" anchor="ctr"/>
+          <a:lstStyle/>
+          <a:p>
+            <a:pPr algn="ctr"/>
+            <a:endParaRPr lang="en-US"/>
+          </a:p>
+        </p:txBody>
+      </p:sp>
+      <p:cxnSp>
+        <p:nvCxnSpPr>
+          <p:cNvPr id="10" name="Straight Connector 9">
+            <a:extLst>
+              <a:ext uri="{FF2B5EF4-FFF2-40B4-BE49-F238E27FC236}">
+                <a16:creationId xmlns:a16="http://schemas.microsoft.com/office/drawing/2014/main" id="{1D23AC33-2AD7-456B-8FBE-F5BA780DDC24}"/>
+              </a:ext>
+            </a:extLst>
+          </p:cNvPr>
+          <p:cNvCxnSpPr>
+            <a:cxnSpLocks/>
+          </p:cNvCxnSpPr>
+          <p:nvPr/>
+        </p:nvCxnSpPr>
+        <p:spPr>
+          <a:xfrm>
+            <a:off x="1367331" y="3846136"/>
+            <a:ext cx="9162854" cy="0"/>
+          </a:xfrm>
+          <a:prstGeom prst="line">
+            <a:avLst/>
+          </a:prstGeom>
+          <a:ln w="38100" cap="flat" cmpd="sng" algn="ctr">
+            <a:solidFill>
+              <a:srgbClr val="FF0000"/>
+            </a:solidFill>
+            <a:prstDash val="solid"/>
+            <a:round/>
+            <a:headEnd type="none" w="med" len="med"/>
+            <a:tailEnd type="arrow" w="med" len="med"/>
+          </a:ln>
+        </p:spPr>
+        <p:style>
+          <a:lnRef idx="0">
+            <a:scrgbClr r="0" g="0" b="0"/>
+          </a:lnRef>
+          <a:fillRef idx="0">
+            <a:scrgbClr r="0" g="0" b="0"/>
+          </a:fillRef>
+          <a:effectRef idx="0">
+            <a:scrgbClr r="0" g="0" b="0"/>
+          </a:effectRef>
+          <a:fontRef idx="minor">
+            <a:schemeClr val="tx1"/>
+          </a:fontRef>
+        </p:style>
+      </p:cxnSp>
+      <p:sp>
+        <p:nvSpPr>
+          <p:cNvPr id="16" name="TextBox 15">
+            <a:extLst>
+              <a:ext uri="{FF2B5EF4-FFF2-40B4-BE49-F238E27FC236}">
+                <a16:creationId xmlns:a16="http://schemas.microsoft.com/office/drawing/2014/main" id="{9978CBF0-68A8-4F5E-A4F0-46B80AADFD25}"/>
+              </a:ext>
+            </a:extLst>
+          </p:cNvPr>
+          <p:cNvSpPr txBox="1"/>
+          <p:nvPr/>
+        </p:nvSpPr>
+        <p:spPr>
+          <a:xfrm>
+            <a:off x="1367331" y="1178203"/>
+            <a:ext cx="923382" cy="584775"/>
+          </a:xfrm>
+          <a:prstGeom prst="rect">
+            <a:avLst/>
+          </a:prstGeom>
+          <a:noFill/>
+        </p:spPr>
+        <p:txBody>
+          <a:bodyPr wrap="square" rtlCol="0">
+            <a:spAutoFit/>
+          </a:bodyPr>
+          <a:lstStyle/>
+          <a:p>
+            <a:pPr algn="ctr"/>
+            <a:r>
+              <a:rPr lang="en-US" sz="1600" b="1" dirty="0"/>
+              <a:t>Virtual users</a:t>
+            </a:r>
+          </a:p>
+        </p:txBody>
+      </p:sp>
+      <p:sp>
+        <p:nvSpPr>
+          <p:cNvPr id="17" name="TextBox 16">
+            <a:extLst>
+              <a:ext uri="{FF2B5EF4-FFF2-40B4-BE49-F238E27FC236}">
+                <a16:creationId xmlns:a16="http://schemas.microsoft.com/office/drawing/2014/main" id="{2E9D4E41-3144-4A65-9515-05E089A38B6E}"/>
+              </a:ext>
+            </a:extLst>
+          </p:cNvPr>
+          <p:cNvSpPr txBox="1"/>
+          <p:nvPr/>
+        </p:nvSpPr>
+        <p:spPr>
+          <a:xfrm>
+            <a:off x="9931582" y="5289861"/>
+            <a:ext cx="1022363" cy="338554"/>
+          </a:xfrm>
+          <a:prstGeom prst="rect">
+            <a:avLst/>
+          </a:prstGeom>
+          <a:noFill/>
+        </p:spPr>
+        <p:txBody>
+          <a:bodyPr wrap="square" rtlCol="0">
+            <a:spAutoFit/>
+          </a:bodyPr>
+          <a:lstStyle/>
+          <a:p>
+            <a:pPr algn="ctr"/>
+            <a:r>
+              <a:rPr lang="en-US" sz="1600" b="1" dirty="0"/>
+              <a:t>Timeline</a:t>
+            </a:r>
+          </a:p>
+        </p:txBody>
+      </p:sp>
+      <p:sp>
+        <p:nvSpPr>
+          <p:cNvPr id="19" name="TextBox 18">
+            <a:extLst>
+              <a:ext uri="{FF2B5EF4-FFF2-40B4-BE49-F238E27FC236}">
+                <a16:creationId xmlns:a16="http://schemas.microsoft.com/office/drawing/2014/main" id="{ACEFB6F8-5BF5-450D-98B0-7478DF10DC93}"/>
+              </a:ext>
+            </a:extLst>
+          </p:cNvPr>
+          <p:cNvSpPr txBox="1"/>
+          <p:nvPr/>
+        </p:nvSpPr>
+        <p:spPr>
+          <a:xfrm>
+            <a:off x="10442763" y="3676859"/>
+            <a:ext cx="1503249" cy="338554"/>
+          </a:xfrm>
+          <a:prstGeom prst="rect">
+            <a:avLst/>
+          </a:prstGeom>
+          <a:noFill/>
+        </p:spPr>
+        <p:txBody>
+          <a:bodyPr wrap="square" rtlCol="0">
+            <a:spAutoFit/>
+          </a:bodyPr>
+          <a:lstStyle/>
+          <a:p>
+            <a:pPr algn="ctr"/>
+            <a:r>
+              <a:rPr lang="en-US" sz="1600" b="1" dirty="0"/>
+              <a:t>Realistic Loads</a:t>
+            </a:r>
+          </a:p>
+        </p:txBody>
+      </p:sp>
+      <p:sp>
+        <p:nvSpPr>
+          <p:cNvPr id="11" name="TextBox 10">
+            <a:extLst>
+              <a:ext uri="{FF2B5EF4-FFF2-40B4-BE49-F238E27FC236}">
+                <a16:creationId xmlns:a16="http://schemas.microsoft.com/office/drawing/2014/main" id="{9824B5D2-582A-4991-A63D-42BF47D177C3}"/>
+              </a:ext>
+            </a:extLst>
+          </p:cNvPr>
+          <p:cNvSpPr txBox="1"/>
+          <p:nvPr/>
+        </p:nvSpPr>
+        <p:spPr>
+          <a:xfrm>
+            <a:off x="2089019" y="5969654"/>
+            <a:ext cx="8013962" cy="523220"/>
+          </a:xfrm>
+          <a:prstGeom prst="rect">
+            <a:avLst/>
+          </a:prstGeom>
+          <a:noFill/>
+        </p:spPr>
+        <p:txBody>
+          <a:bodyPr wrap="square" rtlCol="0">
+            <a:spAutoFit/>
+          </a:bodyPr>
+          <a:lstStyle/>
+          <a:p>
+            <a:pPr algn="ctr"/>
+            <a:r>
+              <a:rPr lang="en-US" sz="2800" b="1" dirty="0"/>
+              <a:t>MAX VU = 10, Check the system does not crash</a:t>
+            </a:r>
+          </a:p>
+        </p:txBody>
+      </p:sp>
+      <p:sp>
+        <p:nvSpPr>
+          <p:cNvPr id="12" name="Arrow: Up-Down 11">
+            <a:extLst>
+              <a:ext uri="{FF2B5EF4-FFF2-40B4-BE49-F238E27FC236}">
+                <a16:creationId xmlns:a16="http://schemas.microsoft.com/office/drawing/2014/main" id="{9CF7C792-8EDC-4990-A800-69E873C148A4}"/>
+              </a:ext>
+            </a:extLst>
+          </p:cNvPr>
+          <p:cNvSpPr/>
+          <p:nvPr/>
+        </p:nvSpPr>
+        <p:spPr>
+          <a:xfrm>
+            <a:off x="10003874" y="2649087"/>
+            <a:ext cx="468601" cy="1046219"/>
+          </a:xfrm>
+          <a:prstGeom prst="upDownArrow">
+            <a:avLst/>
+          </a:prstGeom>
+        </p:spPr>
+        <p:style>
+          <a:lnRef idx="2">
+            <a:schemeClr val="accent6">
+              <a:shade val="50000"/>
+            </a:schemeClr>
+          </a:lnRef>
+          <a:fillRef idx="1">
+            <a:schemeClr val="accent6"/>
+          </a:fillRef>
+          <a:effectRef idx="0">
+            <a:schemeClr val="accent6"/>
+          </a:effectRef>
+          <a:fontRef idx="minor">
+            <a:schemeClr val="lt1"/>
+          </a:fontRef>
+        </p:style>
+        <p:txBody>
+          <a:bodyPr rtlCol="0" anchor="ctr"/>
+          <a:lstStyle/>
+          <a:p>
+            <a:pPr algn="ctr"/>
+            <a:endParaRPr lang="en-US"/>
+          </a:p>
+        </p:txBody>
+      </p:sp>
+    </p:spTree>
+    <p:extLst>
+      <p:ext uri="{BB962C8B-B14F-4D97-AF65-F5344CB8AC3E}">
+        <p14:creationId xmlns:p14="http://schemas.microsoft.com/office/powerpoint/2010/main" val="426719048"/>
+      </p:ext>
+    </p:extLst>
+  </p:cSld>
+  <p:clrMapOvr>
+    <a:masterClrMapping/>
+  </p:clrMapOvr>
+</p:sld>
+</file>
+
+<file path=ppt/slides/slide11.xml><?xml version="1.0" encoding="utf-8"?>
 <p:sld xmlns:a="http://schemas.openxmlformats.org/drawingml/2006/main" xmlns:r="http://schemas.openxmlformats.org/officeDocument/2006/relationships" xmlns:p="http://schemas.openxmlformats.org/presentationml/2006/main">
   <p:cSld>
     <p:spTree>
@@ -14985,7 +15468,7 @@
 </p:sld>
 </file>
 
-<file path=ppt/slides/slide11.xml><?xml version="1.0" encoding="utf-8"?>
+<file path=ppt/slides/slide12.xml><?xml version="1.0" encoding="utf-8"?>
 <p:sld xmlns:a="http://schemas.openxmlformats.org/drawingml/2006/main" xmlns:r="http://schemas.openxmlformats.org/officeDocument/2006/relationships" xmlns:p="http://schemas.openxmlformats.org/presentationml/2006/main">
   <p:cSld>
     <p:spTree>
@@ -15473,7 +15956,7 @@
 </p:sld>
 </file>
 
-<file path=ppt/slides/slide12.xml><?xml version="1.0" encoding="utf-8"?>
+<file path=ppt/slides/slide13.xml><?xml version="1.0" encoding="utf-8"?>
 <p:sld xmlns:a="http://schemas.openxmlformats.org/drawingml/2006/main" xmlns:r="http://schemas.openxmlformats.org/officeDocument/2006/relationships" xmlns:p="http://schemas.openxmlformats.org/presentationml/2006/main">
   <p:cSld>
     <p:spTree>
@@ -15831,7 +16314,7 @@
 </p:sld>
 </file>
 
-<file path=ppt/slides/slide13.xml><?xml version="1.0" encoding="utf-8"?>
+<file path=ppt/slides/slide14.xml><?xml version="1.0" encoding="utf-8"?>
 <p:sld xmlns:a="http://schemas.openxmlformats.org/drawingml/2006/main" xmlns:r="http://schemas.openxmlformats.org/officeDocument/2006/relationships" xmlns:p="http://schemas.openxmlformats.org/presentationml/2006/main">
   <p:cSld>
     <p:spTree>
@@ -16281,7 +16764,7 @@
 </p:sld>
 </file>
 
-<file path=ppt/slides/slide14.xml><?xml version="1.0" encoding="utf-8"?>
+<file path=ppt/slides/slide15.xml><?xml version="1.0" encoding="utf-8"?>
 <p:sld xmlns:a="http://schemas.openxmlformats.org/drawingml/2006/main" xmlns:r="http://schemas.openxmlformats.org/officeDocument/2006/relationships" xmlns:p="http://schemas.openxmlformats.org/presentationml/2006/main">
   <p:cSld>
     <p:spTree>
@@ -16687,7 +17170,7 @@
 </p:sld>
 </file>
 
-<file path=ppt/slides/slide15.xml><?xml version="1.0" encoding="utf-8"?>
+<file path=ppt/slides/slide16.xml><?xml version="1.0" encoding="utf-8"?>
 <p:sld xmlns:a="http://schemas.openxmlformats.org/drawingml/2006/main" xmlns:r="http://schemas.openxmlformats.org/officeDocument/2006/relationships" xmlns:p="http://schemas.openxmlformats.org/presentationml/2006/main">
   <p:cSld>
     <p:spTree>
@@ -16982,7 +17465,7 @@
 </p:sld>
 </file>
 
-<file path=ppt/slides/slide16.xml><?xml version="1.0" encoding="utf-8"?>
+<file path=ppt/slides/slide17.xml><?xml version="1.0" encoding="utf-8"?>
 <p:sld xmlns:a="http://schemas.openxmlformats.org/drawingml/2006/main" xmlns:r="http://schemas.openxmlformats.org/officeDocument/2006/relationships" xmlns:p="http://schemas.openxmlformats.org/presentationml/2006/main">
   <p:cSld>
     <p:spTree>
@@ -17187,7 +17670,7 @@
 </p:sld>
 </file>
 
-<file path=ppt/slides/slide17.xml><?xml version="1.0" encoding="utf-8"?>
+<file path=ppt/slides/slide18.xml><?xml version="1.0" encoding="utf-8"?>
 <p:sld xmlns:a="http://schemas.openxmlformats.org/drawingml/2006/main" xmlns:r="http://schemas.openxmlformats.org/officeDocument/2006/relationships" xmlns:p="http://schemas.openxmlformats.org/presentationml/2006/main">
   <p:cSld>
     <p:spTree>
@@ -17386,7 +17869,7 @@
 </p:sld>
 </file>
 
-<file path=ppt/slides/slide18.xml><?xml version="1.0" encoding="utf-8"?>
+<file path=ppt/slides/slide19.xml><?xml version="1.0" encoding="utf-8"?>
 <p:sld xmlns:a="http://schemas.openxmlformats.org/drawingml/2006/main" xmlns:r="http://schemas.openxmlformats.org/officeDocument/2006/relationships" xmlns:p="http://schemas.openxmlformats.org/presentationml/2006/main">
   <p:cSld>
     <p:spTree>
@@ -17616,7 +18099,233 @@
 </p:sld>
 </file>
 
-<file path=ppt/slides/slide19.xml><?xml version="1.0" encoding="utf-8"?>
+<file path=ppt/slides/slide2.xml><?xml version="1.0" encoding="utf-8"?>
+<p:sld xmlns:a="http://schemas.openxmlformats.org/drawingml/2006/main" xmlns:r="http://schemas.openxmlformats.org/officeDocument/2006/relationships" xmlns:p="http://schemas.openxmlformats.org/presentationml/2006/main">
+  <p:cSld>
+    <p:spTree>
+      <p:nvGrpSpPr>
+        <p:cNvPr id="1" name=""/>
+        <p:cNvGrpSpPr/>
+        <p:nvPr/>
+      </p:nvGrpSpPr>
+      <p:grpSpPr>
+        <a:xfrm>
+          <a:off x="0" y="0"/>
+          <a:ext cx="0" cy="0"/>
+          <a:chOff x="0" y="0"/>
+          <a:chExt cx="0" cy="0"/>
+        </a:xfrm>
+      </p:grpSpPr>
+      <p:sp>
+        <p:nvSpPr>
+          <p:cNvPr id="2" name="Title 1">
+            <a:extLst>
+              <a:ext uri="{FF2B5EF4-FFF2-40B4-BE49-F238E27FC236}">
+                <a16:creationId xmlns:a16="http://schemas.microsoft.com/office/drawing/2014/main" id="{99DE695F-3F71-4991-9285-E26725AC515C}"/>
+              </a:ext>
+            </a:extLst>
+          </p:cNvPr>
+          <p:cNvSpPr>
+            <a:spLocks noGrp="1"/>
+          </p:cNvSpPr>
+          <p:nvPr>
+            <p:ph type="ctrTitle"/>
+          </p:nvPr>
+        </p:nvSpPr>
+        <p:spPr/>
+        <p:txBody>
+          <a:bodyPr/>
+          <a:lstStyle/>
+          <a:p>
+            <a:r>
+              <a:rPr lang="en-US" dirty="0"/>
+              <a:t>Load Testing Using K6</a:t>
+            </a:r>
+          </a:p>
+        </p:txBody>
+      </p:sp>
+      <p:sp>
+        <p:nvSpPr>
+          <p:cNvPr id="3" name="Subtitle 2">
+            <a:extLst>
+              <a:ext uri="{FF2B5EF4-FFF2-40B4-BE49-F238E27FC236}">
+                <a16:creationId xmlns:a16="http://schemas.microsoft.com/office/drawing/2014/main" id="{6B665663-4B58-464B-9D8E-B8BBB7B274B1}"/>
+              </a:ext>
+            </a:extLst>
+          </p:cNvPr>
+          <p:cNvSpPr>
+            <a:spLocks noGrp="1"/>
+          </p:cNvSpPr>
+          <p:nvPr>
+            <p:ph type="subTitle" idx="1"/>
+          </p:nvPr>
+        </p:nvSpPr>
+        <p:spPr/>
+        <p:txBody>
+          <a:bodyPr/>
+          <a:lstStyle/>
+          <a:p>
+            <a:r>
+              <a:rPr lang="en-US" dirty="0"/>
+              <a:t>June 10, 2021</a:t>
+            </a:r>
+          </a:p>
+        </p:txBody>
+      </p:sp>
+      <p:sp>
+        <p:nvSpPr>
+          <p:cNvPr id="7" name="Rectangle 6">
+            <a:extLst>
+              <a:ext uri="{FF2B5EF4-FFF2-40B4-BE49-F238E27FC236}">
+                <a16:creationId xmlns:a16="http://schemas.microsoft.com/office/drawing/2014/main" id="{17765D51-1DFC-405D-80CC-74ED415C1FB3}"/>
+              </a:ext>
+            </a:extLst>
+          </p:cNvPr>
+          <p:cNvSpPr/>
+          <p:nvPr/>
+        </p:nvSpPr>
+        <p:spPr>
+          <a:xfrm>
+            <a:off x="3142" y="0"/>
+            <a:ext cx="562466" cy="6858000"/>
+          </a:xfrm>
+          <a:prstGeom prst="rect">
+            <a:avLst/>
+          </a:prstGeom>
+          <a:solidFill>
+            <a:schemeClr val="accent1">
+              <a:lumMod val="40000"/>
+              <a:lumOff val="60000"/>
+            </a:schemeClr>
+          </a:solidFill>
+          <a:ln>
+            <a:noFill/>
+          </a:ln>
+        </p:spPr>
+        <p:style>
+          <a:lnRef idx="2">
+            <a:schemeClr val="accent1">
+              <a:shade val="50000"/>
+            </a:schemeClr>
+          </a:lnRef>
+          <a:fillRef idx="1">
+            <a:schemeClr val="accent1"/>
+          </a:fillRef>
+          <a:effectRef idx="0">
+            <a:schemeClr val="accent1"/>
+          </a:effectRef>
+          <a:fontRef idx="minor">
+            <a:schemeClr val="lt1"/>
+          </a:fontRef>
+        </p:style>
+        <p:txBody>
+          <a:bodyPr rtlCol="0" anchor="ctr"/>
+          <a:lstStyle/>
+          <a:p>
+            <a:pPr algn="ctr"/>
+            <a:endParaRPr lang="en-US"/>
+          </a:p>
+        </p:txBody>
+      </p:sp>
+      <p:sp>
+        <p:nvSpPr>
+          <p:cNvPr id="8" name="Rectangle 7">
+            <a:extLst>
+              <a:ext uri="{FF2B5EF4-FFF2-40B4-BE49-F238E27FC236}">
+                <a16:creationId xmlns:a16="http://schemas.microsoft.com/office/drawing/2014/main" id="{1BAB46FB-093C-47F3-8C90-7477779EEF8B}"/>
+              </a:ext>
+            </a:extLst>
+          </p:cNvPr>
+          <p:cNvSpPr/>
+          <p:nvPr/>
+        </p:nvSpPr>
+        <p:spPr>
+          <a:xfrm>
+            <a:off x="645734" y="0"/>
+            <a:ext cx="309515" cy="6858000"/>
+          </a:xfrm>
+          <a:prstGeom prst="rect">
+            <a:avLst/>
+          </a:prstGeom>
+          <a:solidFill>
+            <a:schemeClr val="accent1">
+              <a:lumMod val="20000"/>
+              <a:lumOff val="80000"/>
+            </a:schemeClr>
+          </a:solidFill>
+          <a:ln>
+            <a:noFill/>
+          </a:ln>
+        </p:spPr>
+        <p:style>
+          <a:lnRef idx="2">
+            <a:schemeClr val="accent1">
+              <a:shade val="50000"/>
+            </a:schemeClr>
+          </a:lnRef>
+          <a:fillRef idx="1">
+            <a:schemeClr val="accent1"/>
+          </a:fillRef>
+          <a:effectRef idx="0">
+            <a:schemeClr val="accent1"/>
+          </a:effectRef>
+          <a:fontRef idx="minor">
+            <a:schemeClr val="lt1"/>
+          </a:fontRef>
+        </p:style>
+        <p:txBody>
+          <a:bodyPr rtlCol="0" anchor="ctr"/>
+          <a:lstStyle/>
+          <a:p>
+            <a:pPr algn="ctr"/>
+            <a:endParaRPr lang="en-US"/>
+          </a:p>
+        </p:txBody>
+      </p:sp>
+      <p:pic>
+        <p:nvPicPr>
+          <p:cNvPr id="12" name="Picture 11">
+            <a:extLst>
+              <a:ext uri="{FF2B5EF4-FFF2-40B4-BE49-F238E27FC236}">
+                <a16:creationId xmlns:a16="http://schemas.microsoft.com/office/drawing/2014/main" id="{72FD876F-CDC4-4010-A0D8-AC0CFCC99C17}"/>
+              </a:ext>
+            </a:extLst>
+          </p:cNvPr>
+          <p:cNvPicPr>
+            <a:picLocks noChangeAspect="1"/>
+          </p:cNvPicPr>
+          <p:nvPr/>
+        </p:nvPicPr>
+        <p:blipFill>
+          <a:blip r:embed="rId2"/>
+          <a:stretch>
+            <a:fillRect/>
+          </a:stretch>
+        </p:blipFill>
+        <p:spPr>
+          <a:xfrm>
+            <a:off x="4973092" y="4063591"/>
+            <a:ext cx="2245815" cy="2007270"/>
+          </a:xfrm>
+          <a:prstGeom prst="rect">
+            <a:avLst/>
+          </a:prstGeom>
+        </p:spPr>
+      </p:pic>
+    </p:spTree>
+    <p:extLst>
+      <p:ext uri="{BB962C8B-B14F-4D97-AF65-F5344CB8AC3E}">
+        <p14:creationId xmlns:p14="http://schemas.microsoft.com/office/powerpoint/2010/main" val="3139347042"/>
+      </p:ext>
+    </p:extLst>
+  </p:cSld>
+  <p:clrMapOvr>
+    <a:masterClrMapping/>
+  </p:clrMapOvr>
+</p:sld>
+</file>
+
+<file path=ppt/slides/slide20.xml><?xml version="1.0" encoding="utf-8"?>
 <p:sld xmlns:a="http://schemas.openxmlformats.org/drawingml/2006/main" xmlns:r="http://schemas.openxmlformats.org/officeDocument/2006/relationships" xmlns:p="http://schemas.openxmlformats.org/presentationml/2006/main">
   <p:cSld>
     <p:spTree>
@@ -17946,7 +18655,1708 @@
 </p:sld>
 </file>
 
-<file path=ppt/slides/slide2.xml><?xml version="1.0" encoding="utf-8"?>
+<file path=ppt/slides/slide21.xml><?xml version="1.0" encoding="utf-8"?>
+<p:sld xmlns:a="http://schemas.openxmlformats.org/drawingml/2006/main" xmlns:r="http://schemas.openxmlformats.org/officeDocument/2006/relationships" xmlns:p="http://schemas.openxmlformats.org/presentationml/2006/main">
+  <p:cSld>
+    <p:spTree>
+      <p:nvGrpSpPr>
+        <p:cNvPr id="1" name=""/>
+        <p:cNvGrpSpPr/>
+        <p:nvPr/>
+      </p:nvGrpSpPr>
+      <p:grpSpPr>
+        <a:xfrm>
+          <a:off x="0" y="0"/>
+          <a:ext cx="0" cy="0"/>
+          <a:chOff x="0" y="0"/>
+          <a:chExt cx="0" cy="0"/>
+        </a:xfrm>
+      </p:grpSpPr>
+      <p:sp>
+        <p:nvSpPr>
+          <p:cNvPr id="2" name="Title 1">
+            <a:extLst>
+              <a:ext uri="{FF2B5EF4-FFF2-40B4-BE49-F238E27FC236}">
+                <a16:creationId xmlns:a16="http://schemas.microsoft.com/office/drawing/2014/main" id="{121AD423-7034-4C1A-B623-F0777EF18C46}"/>
+              </a:ext>
+            </a:extLst>
+          </p:cNvPr>
+          <p:cNvSpPr>
+            <a:spLocks noGrp="1"/>
+          </p:cNvSpPr>
+          <p:nvPr>
+            <p:ph type="title"/>
+          </p:nvPr>
+        </p:nvSpPr>
+        <p:spPr/>
+        <p:txBody>
+          <a:bodyPr/>
+          <a:lstStyle/>
+          <a:p>
+            <a:pPr algn="ctr"/>
+            <a:r>
+              <a:rPr lang="en-US" dirty="0"/>
+              <a:t>Check k6 version</a:t>
+            </a:r>
+          </a:p>
+        </p:txBody>
+      </p:sp>
+      <p:sp>
+        <p:nvSpPr>
+          <p:cNvPr id="12" name="Rectangle 11">
+            <a:extLst>
+              <a:ext uri="{FF2B5EF4-FFF2-40B4-BE49-F238E27FC236}">
+                <a16:creationId xmlns:a16="http://schemas.microsoft.com/office/drawing/2014/main" id="{5447E554-0E57-4271-8082-61283C5011C9}"/>
+              </a:ext>
+            </a:extLst>
+          </p:cNvPr>
+          <p:cNvSpPr/>
+          <p:nvPr/>
+        </p:nvSpPr>
+        <p:spPr>
+          <a:xfrm>
+            <a:off x="3142" y="0"/>
+            <a:ext cx="562466" cy="6858000"/>
+          </a:xfrm>
+          <a:prstGeom prst="rect">
+            <a:avLst/>
+          </a:prstGeom>
+          <a:solidFill>
+            <a:schemeClr val="accent1">
+              <a:lumMod val="40000"/>
+              <a:lumOff val="60000"/>
+            </a:schemeClr>
+          </a:solidFill>
+          <a:ln>
+            <a:noFill/>
+          </a:ln>
+        </p:spPr>
+        <p:style>
+          <a:lnRef idx="2">
+            <a:schemeClr val="accent1">
+              <a:shade val="50000"/>
+            </a:schemeClr>
+          </a:lnRef>
+          <a:fillRef idx="1">
+            <a:schemeClr val="accent1"/>
+          </a:fillRef>
+          <a:effectRef idx="0">
+            <a:schemeClr val="accent1"/>
+          </a:effectRef>
+          <a:fontRef idx="minor">
+            <a:schemeClr val="lt1"/>
+          </a:fontRef>
+        </p:style>
+        <p:txBody>
+          <a:bodyPr rtlCol="0" anchor="ctr"/>
+          <a:lstStyle/>
+          <a:p>
+            <a:pPr algn="ctr"/>
+            <a:endParaRPr lang="en-US"/>
+          </a:p>
+        </p:txBody>
+      </p:sp>
+      <p:sp>
+        <p:nvSpPr>
+          <p:cNvPr id="13" name="Rectangle 12">
+            <a:extLst>
+              <a:ext uri="{FF2B5EF4-FFF2-40B4-BE49-F238E27FC236}">
+                <a16:creationId xmlns:a16="http://schemas.microsoft.com/office/drawing/2014/main" id="{D000E7D5-CC36-4DDD-B7C4-FB6DAE1E326B}"/>
+              </a:ext>
+            </a:extLst>
+          </p:cNvPr>
+          <p:cNvSpPr/>
+          <p:nvPr/>
+        </p:nvSpPr>
+        <p:spPr>
+          <a:xfrm>
+            <a:off x="645734" y="0"/>
+            <a:ext cx="309515" cy="6858000"/>
+          </a:xfrm>
+          <a:prstGeom prst="rect">
+            <a:avLst/>
+          </a:prstGeom>
+          <a:solidFill>
+            <a:schemeClr val="accent1">
+              <a:lumMod val="20000"/>
+              <a:lumOff val="80000"/>
+            </a:schemeClr>
+          </a:solidFill>
+          <a:ln>
+            <a:noFill/>
+          </a:ln>
+        </p:spPr>
+        <p:style>
+          <a:lnRef idx="2">
+            <a:schemeClr val="accent1">
+              <a:shade val="50000"/>
+            </a:schemeClr>
+          </a:lnRef>
+          <a:fillRef idx="1">
+            <a:schemeClr val="accent1"/>
+          </a:fillRef>
+          <a:effectRef idx="0">
+            <a:schemeClr val="accent1"/>
+          </a:effectRef>
+          <a:fontRef idx="minor">
+            <a:schemeClr val="lt1"/>
+          </a:fontRef>
+        </p:style>
+        <p:txBody>
+          <a:bodyPr rtlCol="0" anchor="ctr"/>
+          <a:lstStyle/>
+          <a:p>
+            <a:pPr algn="ctr"/>
+            <a:endParaRPr lang="en-US"/>
+          </a:p>
+        </p:txBody>
+      </p:sp>
+      <p:pic>
+        <p:nvPicPr>
+          <p:cNvPr id="8" name="Imagen 7">
+            <a:extLst>
+              <a:ext uri="{FF2B5EF4-FFF2-40B4-BE49-F238E27FC236}">
+                <a16:creationId xmlns:a16="http://schemas.microsoft.com/office/drawing/2014/main" id="{69A97375-3109-4E25-B3CF-EA88E7B28243}"/>
+              </a:ext>
+            </a:extLst>
+          </p:cNvPr>
+          <p:cNvPicPr>
+            <a:picLocks noChangeAspect="1"/>
+          </p:cNvPicPr>
+          <p:nvPr/>
+        </p:nvPicPr>
+        <p:blipFill>
+          <a:blip r:embed="rId2"/>
+          <a:stretch>
+            <a:fillRect/>
+          </a:stretch>
+        </p:blipFill>
+        <p:spPr>
+          <a:xfrm>
+            <a:off x="1164188" y="2369344"/>
+            <a:ext cx="10572750" cy="1905000"/>
+          </a:xfrm>
+          <a:prstGeom prst="rect">
+            <a:avLst/>
+          </a:prstGeom>
+        </p:spPr>
+      </p:pic>
+    </p:spTree>
+    <p:extLst>
+      <p:ext uri="{BB962C8B-B14F-4D97-AF65-F5344CB8AC3E}">
+        <p14:creationId xmlns:p14="http://schemas.microsoft.com/office/powerpoint/2010/main" val="4030940487"/>
+      </p:ext>
+    </p:extLst>
+  </p:cSld>
+  <p:clrMapOvr>
+    <a:masterClrMapping/>
+  </p:clrMapOvr>
+</p:sld>
+</file>
+
+<file path=ppt/slides/slide22.xml><?xml version="1.0" encoding="utf-8"?>
+<p:sld xmlns:a="http://schemas.openxmlformats.org/drawingml/2006/main" xmlns:r="http://schemas.openxmlformats.org/officeDocument/2006/relationships" xmlns:p="http://schemas.openxmlformats.org/presentationml/2006/main">
+  <p:cSld>
+    <p:spTree>
+      <p:nvGrpSpPr>
+        <p:cNvPr id="1" name=""/>
+        <p:cNvGrpSpPr/>
+        <p:nvPr/>
+      </p:nvGrpSpPr>
+      <p:grpSpPr>
+        <a:xfrm>
+          <a:off x="0" y="0"/>
+          <a:ext cx="0" cy="0"/>
+          <a:chOff x="0" y="0"/>
+          <a:chExt cx="0" cy="0"/>
+        </a:xfrm>
+      </p:grpSpPr>
+      <p:sp>
+        <p:nvSpPr>
+          <p:cNvPr id="2" name="Title 1">
+            <a:extLst>
+              <a:ext uri="{FF2B5EF4-FFF2-40B4-BE49-F238E27FC236}">
+                <a16:creationId xmlns:a16="http://schemas.microsoft.com/office/drawing/2014/main" id="{CDD5D10B-B202-404B-8811-C0E5E2C1B49D}"/>
+              </a:ext>
+            </a:extLst>
+          </p:cNvPr>
+          <p:cNvSpPr>
+            <a:spLocks noGrp="1"/>
+          </p:cNvSpPr>
+          <p:nvPr>
+            <p:ph type="title"/>
+          </p:nvPr>
+        </p:nvSpPr>
+        <p:spPr/>
+        <p:txBody>
+          <a:bodyPr/>
+          <a:lstStyle/>
+          <a:p>
+            <a:pPr algn="ctr"/>
+            <a:r>
+              <a:rPr lang="en-US" dirty="0"/>
+              <a:t>Running test in K6</a:t>
+            </a:r>
+          </a:p>
+        </p:txBody>
+      </p:sp>
+      <p:sp>
+        <p:nvSpPr>
+          <p:cNvPr id="3" name="Content Placeholder 2">
+            <a:extLst>
+              <a:ext uri="{FF2B5EF4-FFF2-40B4-BE49-F238E27FC236}">
+                <a16:creationId xmlns:a16="http://schemas.microsoft.com/office/drawing/2014/main" id="{1B7B513D-9CCC-42E4-89B3-0BA0F0185E40}"/>
+              </a:ext>
+            </a:extLst>
+          </p:cNvPr>
+          <p:cNvSpPr>
+            <a:spLocks noGrp="1"/>
+          </p:cNvSpPr>
+          <p:nvPr>
+            <p:ph idx="1"/>
+          </p:nvPr>
+        </p:nvSpPr>
+        <p:spPr>
+          <a:xfrm>
+            <a:off x="1035375" y="1825625"/>
+            <a:ext cx="10515600" cy="3755043"/>
+          </a:xfrm>
+        </p:spPr>
+        <p:txBody>
+          <a:bodyPr/>
+          <a:lstStyle/>
+          <a:p>
+            <a:r>
+              <a:rPr lang="en-US" b="1" dirty="0"/>
+              <a:t>Local: </a:t>
+            </a:r>
+            <a:r>
+              <a:rPr lang="en-US" dirty="0"/>
+              <a:t>In your local machine</a:t>
+            </a:r>
+          </a:p>
+          <a:p>
+            <a:r>
+              <a:rPr lang="en-US" b="1" dirty="0"/>
+              <a:t>Cloud: </a:t>
+            </a:r>
+            <a:r>
+              <a:rPr lang="en-US" dirty="0"/>
+              <a:t>On cloud infrastructure managed by K6 Cloud</a:t>
+            </a:r>
+          </a:p>
+          <a:p>
+            <a:r>
+              <a:rPr lang="en-US" b="1" dirty="0"/>
+              <a:t>Clustered: </a:t>
+            </a:r>
+            <a:r>
+              <a:rPr lang="en-US" dirty="0"/>
+              <a:t>on more than one machine managed by you </a:t>
+            </a:r>
+            <a:r>
+              <a:rPr lang="en-US" b="1" dirty="0">
+                <a:solidFill>
+                  <a:srgbClr val="FF0000"/>
+                </a:solidFill>
+              </a:rPr>
+              <a:t>(Not supported yet)</a:t>
+            </a:r>
+          </a:p>
+          <a:p>
+            <a:endParaRPr lang="en-US" dirty="0"/>
+          </a:p>
+        </p:txBody>
+      </p:sp>
+      <p:sp>
+        <p:nvSpPr>
+          <p:cNvPr id="4" name="Rectangle 3">
+            <a:extLst>
+              <a:ext uri="{FF2B5EF4-FFF2-40B4-BE49-F238E27FC236}">
+                <a16:creationId xmlns:a16="http://schemas.microsoft.com/office/drawing/2014/main" id="{879311AE-1992-4361-8E41-F090F1BE1DD4}"/>
+              </a:ext>
+            </a:extLst>
+          </p:cNvPr>
+          <p:cNvSpPr/>
+          <p:nvPr/>
+        </p:nvSpPr>
+        <p:spPr>
+          <a:xfrm>
+            <a:off x="3142" y="0"/>
+            <a:ext cx="562466" cy="6858000"/>
+          </a:xfrm>
+          <a:prstGeom prst="rect">
+            <a:avLst/>
+          </a:prstGeom>
+          <a:solidFill>
+            <a:schemeClr val="accent1">
+              <a:lumMod val="40000"/>
+              <a:lumOff val="60000"/>
+            </a:schemeClr>
+          </a:solidFill>
+          <a:ln>
+            <a:noFill/>
+          </a:ln>
+        </p:spPr>
+        <p:style>
+          <a:lnRef idx="2">
+            <a:schemeClr val="accent1">
+              <a:shade val="50000"/>
+            </a:schemeClr>
+          </a:lnRef>
+          <a:fillRef idx="1">
+            <a:schemeClr val="accent1"/>
+          </a:fillRef>
+          <a:effectRef idx="0">
+            <a:schemeClr val="accent1"/>
+          </a:effectRef>
+          <a:fontRef idx="minor">
+            <a:schemeClr val="lt1"/>
+          </a:fontRef>
+        </p:style>
+        <p:txBody>
+          <a:bodyPr rtlCol="0" anchor="ctr"/>
+          <a:lstStyle/>
+          <a:p>
+            <a:pPr algn="ctr"/>
+            <a:endParaRPr lang="en-US"/>
+          </a:p>
+        </p:txBody>
+      </p:sp>
+      <p:sp>
+        <p:nvSpPr>
+          <p:cNvPr id="5" name="Rectangle 4">
+            <a:extLst>
+              <a:ext uri="{FF2B5EF4-FFF2-40B4-BE49-F238E27FC236}">
+                <a16:creationId xmlns:a16="http://schemas.microsoft.com/office/drawing/2014/main" id="{B6E3E6FF-2CCC-4E8F-9AF6-1F7A41A48F1D}"/>
+              </a:ext>
+            </a:extLst>
+          </p:cNvPr>
+          <p:cNvSpPr/>
+          <p:nvPr/>
+        </p:nvSpPr>
+        <p:spPr>
+          <a:xfrm>
+            <a:off x="645734" y="0"/>
+            <a:ext cx="309515" cy="6858000"/>
+          </a:xfrm>
+          <a:prstGeom prst="rect">
+            <a:avLst/>
+          </a:prstGeom>
+          <a:solidFill>
+            <a:schemeClr val="accent1">
+              <a:lumMod val="20000"/>
+              <a:lumOff val="80000"/>
+            </a:schemeClr>
+          </a:solidFill>
+          <a:ln>
+            <a:noFill/>
+          </a:ln>
+        </p:spPr>
+        <p:style>
+          <a:lnRef idx="2">
+            <a:schemeClr val="accent1">
+              <a:shade val="50000"/>
+            </a:schemeClr>
+          </a:lnRef>
+          <a:fillRef idx="1">
+            <a:schemeClr val="accent1"/>
+          </a:fillRef>
+          <a:effectRef idx="0">
+            <a:schemeClr val="accent1"/>
+          </a:effectRef>
+          <a:fontRef idx="minor">
+            <a:schemeClr val="lt1"/>
+          </a:fontRef>
+        </p:style>
+        <p:txBody>
+          <a:bodyPr rtlCol="0" anchor="ctr"/>
+          <a:lstStyle/>
+          <a:p>
+            <a:pPr algn="ctr"/>
+            <a:endParaRPr lang="en-US"/>
+          </a:p>
+        </p:txBody>
+      </p:sp>
+    </p:spTree>
+    <p:extLst>
+      <p:ext uri="{BB962C8B-B14F-4D97-AF65-F5344CB8AC3E}">
+        <p14:creationId xmlns:p14="http://schemas.microsoft.com/office/powerpoint/2010/main" val="1016747810"/>
+      </p:ext>
+    </p:extLst>
+  </p:cSld>
+  <p:clrMapOvr>
+    <a:masterClrMapping/>
+  </p:clrMapOvr>
+</p:sld>
+</file>
+
+<file path=ppt/slides/slide23.xml><?xml version="1.0" encoding="utf-8"?>
+<p:sld xmlns:a="http://schemas.openxmlformats.org/drawingml/2006/main" xmlns:r="http://schemas.openxmlformats.org/officeDocument/2006/relationships" xmlns:p="http://schemas.openxmlformats.org/presentationml/2006/main">
+  <p:cSld>
+    <p:spTree>
+      <p:nvGrpSpPr>
+        <p:cNvPr id="1" name=""/>
+        <p:cNvGrpSpPr/>
+        <p:nvPr/>
+      </p:nvGrpSpPr>
+      <p:grpSpPr>
+        <a:xfrm>
+          <a:off x="0" y="0"/>
+          <a:ext cx="0" cy="0"/>
+          <a:chOff x="0" y="0"/>
+          <a:chExt cx="0" cy="0"/>
+        </a:xfrm>
+      </p:grpSpPr>
+      <p:sp>
+        <p:nvSpPr>
+          <p:cNvPr id="2" name="Title 1">
+            <a:extLst>
+              <a:ext uri="{FF2B5EF4-FFF2-40B4-BE49-F238E27FC236}">
+                <a16:creationId xmlns:a16="http://schemas.microsoft.com/office/drawing/2014/main" id="{9617DDE0-757B-4367-80F0-80AE99F079EE}"/>
+              </a:ext>
+            </a:extLst>
+          </p:cNvPr>
+          <p:cNvSpPr>
+            <a:spLocks noGrp="1"/>
+          </p:cNvSpPr>
+          <p:nvPr>
+            <p:ph type="title"/>
+          </p:nvPr>
+        </p:nvSpPr>
+        <p:spPr>
+          <a:xfrm>
+            <a:off x="838200" y="2467302"/>
+            <a:ext cx="10515600" cy="1325563"/>
+          </a:xfrm>
+        </p:spPr>
+        <p:txBody>
+          <a:bodyPr/>
+          <a:lstStyle/>
+          <a:p>
+            <a:pPr algn="ctr"/>
+            <a:r>
+              <a:rPr lang="en-US" dirty="0"/>
+              <a:t>Example Running Local</a:t>
+            </a:r>
+          </a:p>
+        </p:txBody>
+      </p:sp>
+      <p:sp>
+        <p:nvSpPr>
+          <p:cNvPr id="4" name="Rectangle 3">
+            <a:extLst>
+              <a:ext uri="{FF2B5EF4-FFF2-40B4-BE49-F238E27FC236}">
+                <a16:creationId xmlns:a16="http://schemas.microsoft.com/office/drawing/2014/main" id="{65E181FE-F922-4DAB-BB3A-A0294F094365}"/>
+              </a:ext>
+            </a:extLst>
+          </p:cNvPr>
+          <p:cNvSpPr/>
+          <p:nvPr/>
+        </p:nvSpPr>
+        <p:spPr>
+          <a:xfrm>
+            <a:off x="3142" y="0"/>
+            <a:ext cx="562466" cy="6858000"/>
+          </a:xfrm>
+          <a:prstGeom prst="rect">
+            <a:avLst/>
+          </a:prstGeom>
+          <a:solidFill>
+            <a:schemeClr val="accent1">
+              <a:lumMod val="40000"/>
+              <a:lumOff val="60000"/>
+            </a:schemeClr>
+          </a:solidFill>
+          <a:ln>
+            <a:noFill/>
+          </a:ln>
+        </p:spPr>
+        <p:style>
+          <a:lnRef idx="2">
+            <a:schemeClr val="accent1">
+              <a:shade val="50000"/>
+            </a:schemeClr>
+          </a:lnRef>
+          <a:fillRef idx="1">
+            <a:schemeClr val="accent1"/>
+          </a:fillRef>
+          <a:effectRef idx="0">
+            <a:schemeClr val="accent1"/>
+          </a:effectRef>
+          <a:fontRef idx="minor">
+            <a:schemeClr val="lt1"/>
+          </a:fontRef>
+        </p:style>
+        <p:txBody>
+          <a:bodyPr rtlCol="0" anchor="ctr"/>
+          <a:lstStyle/>
+          <a:p>
+            <a:pPr algn="ctr"/>
+            <a:endParaRPr lang="en-US"/>
+          </a:p>
+        </p:txBody>
+      </p:sp>
+      <p:sp>
+        <p:nvSpPr>
+          <p:cNvPr id="5" name="Rectangle 4">
+            <a:extLst>
+              <a:ext uri="{FF2B5EF4-FFF2-40B4-BE49-F238E27FC236}">
+                <a16:creationId xmlns:a16="http://schemas.microsoft.com/office/drawing/2014/main" id="{9A1446AD-A9C6-42AD-954F-6A65A9479E13}"/>
+              </a:ext>
+            </a:extLst>
+          </p:cNvPr>
+          <p:cNvSpPr/>
+          <p:nvPr/>
+        </p:nvSpPr>
+        <p:spPr>
+          <a:xfrm>
+            <a:off x="645734" y="0"/>
+            <a:ext cx="309515" cy="6858000"/>
+          </a:xfrm>
+          <a:prstGeom prst="rect">
+            <a:avLst/>
+          </a:prstGeom>
+          <a:solidFill>
+            <a:schemeClr val="accent1">
+              <a:lumMod val="20000"/>
+              <a:lumOff val="80000"/>
+            </a:schemeClr>
+          </a:solidFill>
+          <a:ln>
+            <a:noFill/>
+          </a:ln>
+        </p:spPr>
+        <p:style>
+          <a:lnRef idx="2">
+            <a:schemeClr val="accent1">
+              <a:shade val="50000"/>
+            </a:schemeClr>
+          </a:lnRef>
+          <a:fillRef idx="1">
+            <a:schemeClr val="accent1"/>
+          </a:fillRef>
+          <a:effectRef idx="0">
+            <a:schemeClr val="accent1"/>
+          </a:effectRef>
+          <a:fontRef idx="minor">
+            <a:schemeClr val="lt1"/>
+          </a:fontRef>
+        </p:style>
+        <p:txBody>
+          <a:bodyPr rtlCol="0" anchor="ctr"/>
+          <a:lstStyle/>
+          <a:p>
+            <a:pPr algn="ctr"/>
+            <a:endParaRPr lang="en-US"/>
+          </a:p>
+        </p:txBody>
+      </p:sp>
+    </p:spTree>
+    <p:extLst>
+      <p:ext uri="{BB962C8B-B14F-4D97-AF65-F5344CB8AC3E}">
+        <p14:creationId xmlns:p14="http://schemas.microsoft.com/office/powerpoint/2010/main" val="621087313"/>
+      </p:ext>
+    </p:extLst>
+  </p:cSld>
+  <p:clrMapOvr>
+    <a:masterClrMapping/>
+  </p:clrMapOvr>
+</p:sld>
+</file>
+
+<file path=ppt/slides/slide24.xml><?xml version="1.0" encoding="utf-8"?>
+<p:sld xmlns:a="http://schemas.openxmlformats.org/drawingml/2006/main" xmlns:r="http://schemas.openxmlformats.org/officeDocument/2006/relationships" xmlns:p="http://schemas.openxmlformats.org/presentationml/2006/main">
+  <p:cSld>
+    <p:spTree>
+      <p:nvGrpSpPr>
+        <p:cNvPr id="1" name=""/>
+        <p:cNvGrpSpPr/>
+        <p:nvPr/>
+      </p:nvGrpSpPr>
+      <p:grpSpPr>
+        <a:xfrm>
+          <a:off x="0" y="0"/>
+          <a:ext cx="0" cy="0"/>
+          <a:chOff x="0" y="0"/>
+          <a:chExt cx="0" cy="0"/>
+        </a:xfrm>
+      </p:grpSpPr>
+      <p:sp>
+        <p:nvSpPr>
+          <p:cNvPr id="2" name="Title 1">
+            <a:extLst>
+              <a:ext uri="{FF2B5EF4-FFF2-40B4-BE49-F238E27FC236}">
+                <a16:creationId xmlns:a16="http://schemas.microsoft.com/office/drawing/2014/main" id="{1F6A2C19-1280-4CF0-9701-68386FD44862}"/>
+              </a:ext>
+            </a:extLst>
+          </p:cNvPr>
+          <p:cNvSpPr>
+            <a:spLocks noGrp="1"/>
+          </p:cNvSpPr>
+          <p:nvPr>
+            <p:ph type="title"/>
+          </p:nvPr>
+        </p:nvSpPr>
+        <p:spPr/>
+        <p:txBody>
+          <a:bodyPr/>
+          <a:lstStyle/>
+          <a:p>
+            <a:pPr algn="ctr"/>
+            <a:r>
+              <a:rPr lang="en-US" dirty="0"/>
+              <a:t>Sending Metrics</a:t>
+            </a:r>
+          </a:p>
+        </p:txBody>
+      </p:sp>
+      <p:pic>
+        <p:nvPicPr>
+          <p:cNvPr id="5" name="Content Placeholder 4">
+            <a:extLst>
+              <a:ext uri="{FF2B5EF4-FFF2-40B4-BE49-F238E27FC236}">
+                <a16:creationId xmlns:a16="http://schemas.microsoft.com/office/drawing/2014/main" id="{2C99B0FA-D4C1-40BC-8490-77688F86F709}"/>
+              </a:ext>
+            </a:extLst>
+          </p:cNvPr>
+          <p:cNvPicPr>
+            <a:picLocks noGrp="1" noChangeAspect="1"/>
+          </p:cNvPicPr>
+          <p:nvPr>
+            <p:ph idx="1"/>
+          </p:nvPr>
+        </p:nvPicPr>
+        <p:blipFill>
+          <a:blip r:embed="rId2"/>
+          <a:stretch>
+            <a:fillRect/>
+          </a:stretch>
+        </p:blipFill>
+        <p:spPr>
+          <a:xfrm>
+            <a:off x="1931309" y="2290455"/>
+            <a:ext cx="8329382" cy="3421677"/>
+          </a:xfrm>
+        </p:spPr>
+      </p:pic>
+      <p:sp>
+        <p:nvSpPr>
+          <p:cNvPr id="4" name="Rectangle 3">
+            <a:extLst>
+              <a:ext uri="{FF2B5EF4-FFF2-40B4-BE49-F238E27FC236}">
+                <a16:creationId xmlns:a16="http://schemas.microsoft.com/office/drawing/2014/main" id="{1F0715B9-B8E5-4E15-B8DB-E2534DC5CD2C}"/>
+              </a:ext>
+            </a:extLst>
+          </p:cNvPr>
+          <p:cNvSpPr/>
+          <p:nvPr/>
+        </p:nvSpPr>
+        <p:spPr>
+          <a:xfrm>
+            <a:off x="3142" y="0"/>
+            <a:ext cx="562466" cy="6858000"/>
+          </a:xfrm>
+          <a:prstGeom prst="rect">
+            <a:avLst/>
+          </a:prstGeom>
+          <a:solidFill>
+            <a:schemeClr val="accent1">
+              <a:lumMod val="40000"/>
+              <a:lumOff val="60000"/>
+            </a:schemeClr>
+          </a:solidFill>
+          <a:ln>
+            <a:noFill/>
+          </a:ln>
+        </p:spPr>
+        <p:style>
+          <a:lnRef idx="2">
+            <a:schemeClr val="accent1">
+              <a:shade val="50000"/>
+            </a:schemeClr>
+          </a:lnRef>
+          <a:fillRef idx="1">
+            <a:schemeClr val="accent1"/>
+          </a:fillRef>
+          <a:effectRef idx="0">
+            <a:schemeClr val="accent1"/>
+          </a:effectRef>
+          <a:fontRef idx="minor">
+            <a:schemeClr val="lt1"/>
+          </a:fontRef>
+        </p:style>
+        <p:txBody>
+          <a:bodyPr rtlCol="0" anchor="ctr"/>
+          <a:lstStyle/>
+          <a:p>
+            <a:pPr algn="ctr"/>
+            <a:endParaRPr lang="en-US"/>
+          </a:p>
+        </p:txBody>
+      </p:sp>
+      <p:sp>
+        <p:nvSpPr>
+          <p:cNvPr id="6" name="Rectangle 5">
+            <a:extLst>
+              <a:ext uri="{FF2B5EF4-FFF2-40B4-BE49-F238E27FC236}">
+                <a16:creationId xmlns:a16="http://schemas.microsoft.com/office/drawing/2014/main" id="{3F14F173-00F6-47AC-BAA7-394DA3C60D75}"/>
+              </a:ext>
+            </a:extLst>
+          </p:cNvPr>
+          <p:cNvSpPr/>
+          <p:nvPr/>
+        </p:nvSpPr>
+        <p:spPr>
+          <a:xfrm>
+            <a:off x="645734" y="0"/>
+            <a:ext cx="309515" cy="6858000"/>
+          </a:xfrm>
+          <a:prstGeom prst="rect">
+            <a:avLst/>
+          </a:prstGeom>
+          <a:solidFill>
+            <a:schemeClr val="accent1">
+              <a:lumMod val="20000"/>
+              <a:lumOff val="80000"/>
+            </a:schemeClr>
+          </a:solidFill>
+          <a:ln>
+            <a:noFill/>
+          </a:ln>
+        </p:spPr>
+        <p:style>
+          <a:lnRef idx="2">
+            <a:schemeClr val="accent1">
+              <a:shade val="50000"/>
+            </a:schemeClr>
+          </a:lnRef>
+          <a:fillRef idx="1">
+            <a:schemeClr val="accent1"/>
+          </a:fillRef>
+          <a:effectRef idx="0">
+            <a:schemeClr val="accent1"/>
+          </a:effectRef>
+          <a:fontRef idx="minor">
+            <a:schemeClr val="lt1"/>
+          </a:fontRef>
+        </p:style>
+        <p:txBody>
+          <a:bodyPr rtlCol="0" anchor="ctr"/>
+          <a:lstStyle/>
+          <a:p>
+            <a:pPr algn="ctr"/>
+            <a:endParaRPr lang="en-US"/>
+          </a:p>
+        </p:txBody>
+      </p:sp>
+    </p:spTree>
+    <p:extLst>
+      <p:ext uri="{BB962C8B-B14F-4D97-AF65-F5344CB8AC3E}">
+        <p14:creationId xmlns:p14="http://schemas.microsoft.com/office/powerpoint/2010/main" val="3018151718"/>
+      </p:ext>
+    </p:extLst>
+  </p:cSld>
+  <p:clrMapOvr>
+    <a:masterClrMapping/>
+  </p:clrMapOvr>
+</p:sld>
+</file>
+
+<file path=ppt/slides/slide25.xml><?xml version="1.0" encoding="utf-8"?>
+<p:sld xmlns:a="http://schemas.openxmlformats.org/drawingml/2006/main" xmlns:r="http://schemas.openxmlformats.org/officeDocument/2006/relationships" xmlns:p="http://schemas.openxmlformats.org/presentationml/2006/main">
+  <p:cSld>
+    <p:spTree>
+      <p:nvGrpSpPr>
+        <p:cNvPr id="1" name=""/>
+        <p:cNvGrpSpPr/>
+        <p:nvPr/>
+      </p:nvGrpSpPr>
+      <p:grpSpPr>
+        <a:xfrm>
+          <a:off x="0" y="0"/>
+          <a:ext cx="0" cy="0"/>
+          <a:chOff x="0" y="0"/>
+          <a:chExt cx="0" cy="0"/>
+        </a:xfrm>
+      </p:grpSpPr>
+      <p:sp>
+        <p:nvSpPr>
+          <p:cNvPr id="2" name="Title 1">
+            <a:extLst>
+              <a:ext uri="{FF2B5EF4-FFF2-40B4-BE49-F238E27FC236}">
+                <a16:creationId xmlns:a16="http://schemas.microsoft.com/office/drawing/2014/main" id="{BCFB1B95-060B-4869-A724-27139935D9DB}"/>
+              </a:ext>
+            </a:extLst>
+          </p:cNvPr>
+          <p:cNvSpPr>
+            <a:spLocks noGrp="1"/>
+          </p:cNvSpPr>
+          <p:nvPr>
+            <p:ph type="title"/>
+          </p:nvPr>
+        </p:nvSpPr>
+        <p:spPr/>
+        <p:txBody>
+          <a:bodyPr/>
+          <a:lstStyle/>
+          <a:p>
+            <a:pPr algn="ctr"/>
+            <a:r>
+              <a:rPr lang="en-US" dirty="0"/>
+              <a:t>Running Local and sending metrics to K6</a:t>
+            </a:r>
+          </a:p>
+        </p:txBody>
+      </p:sp>
+      <p:pic>
+        <p:nvPicPr>
+          <p:cNvPr id="5" name="Picture 4">
+            <a:extLst>
+              <a:ext uri="{FF2B5EF4-FFF2-40B4-BE49-F238E27FC236}">
+                <a16:creationId xmlns:a16="http://schemas.microsoft.com/office/drawing/2014/main" id="{30DCE677-7CDF-4AC8-B50A-FF7E2E876B9F}"/>
+              </a:ext>
+            </a:extLst>
+          </p:cNvPr>
+          <p:cNvPicPr>
+            <a:picLocks noChangeAspect="1"/>
+          </p:cNvPicPr>
+          <p:nvPr/>
+        </p:nvPicPr>
+        <p:blipFill>
+          <a:blip r:embed="rId2"/>
+          <a:stretch>
+            <a:fillRect/>
+          </a:stretch>
+        </p:blipFill>
+        <p:spPr>
+          <a:xfrm>
+            <a:off x="1918934" y="2744548"/>
+            <a:ext cx="8354131" cy="3273118"/>
+          </a:xfrm>
+          <a:prstGeom prst="rect">
+            <a:avLst/>
+          </a:prstGeom>
+        </p:spPr>
+      </p:pic>
+      <p:sp>
+        <p:nvSpPr>
+          <p:cNvPr id="6" name="Content Placeholder 2">
+            <a:extLst>
+              <a:ext uri="{FF2B5EF4-FFF2-40B4-BE49-F238E27FC236}">
+                <a16:creationId xmlns:a16="http://schemas.microsoft.com/office/drawing/2014/main" id="{CF9DDF06-CFC2-4A5F-9EF7-A62F743510B3}"/>
+              </a:ext>
+            </a:extLst>
+          </p:cNvPr>
+          <p:cNvSpPr>
+            <a:spLocks noGrp="1"/>
+          </p:cNvSpPr>
+          <p:nvPr>
+            <p:ph idx="1"/>
+          </p:nvPr>
+        </p:nvSpPr>
+        <p:spPr>
+          <a:xfrm>
+            <a:off x="1197204" y="1825625"/>
+            <a:ext cx="10156596" cy="4351338"/>
+          </a:xfrm>
+        </p:spPr>
+        <p:txBody>
+          <a:bodyPr/>
+          <a:lstStyle/>
+          <a:p>
+            <a:pPr marL="0" indent="0">
+              <a:buNone/>
+            </a:pPr>
+            <a:r>
+              <a:rPr lang="en-US" dirty="0" err="1"/>
+              <a:t>Api</a:t>
+            </a:r>
+            <a:r>
+              <a:rPr lang="en-US" dirty="0"/>
+              <a:t> Token</a:t>
+            </a:r>
+          </a:p>
+        </p:txBody>
+      </p:sp>
+      <p:sp>
+        <p:nvSpPr>
+          <p:cNvPr id="7" name="Rectangle 6">
+            <a:extLst>
+              <a:ext uri="{FF2B5EF4-FFF2-40B4-BE49-F238E27FC236}">
+                <a16:creationId xmlns:a16="http://schemas.microsoft.com/office/drawing/2014/main" id="{0400EB4F-FF3A-45E2-B3F4-B36EC5FE1BB1}"/>
+              </a:ext>
+            </a:extLst>
+          </p:cNvPr>
+          <p:cNvSpPr/>
+          <p:nvPr/>
+        </p:nvSpPr>
+        <p:spPr>
+          <a:xfrm>
+            <a:off x="3142" y="0"/>
+            <a:ext cx="562466" cy="6858000"/>
+          </a:xfrm>
+          <a:prstGeom prst="rect">
+            <a:avLst/>
+          </a:prstGeom>
+          <a:solidFill>
+            <a:schemeClr val="accent1">
+              <a:lumMod val="40000"/>
+              <a:lumOff val="60000"/>
+            </a:schemeClr>
+          </a:solidFill>
+          <a:ln>
+            <a:noFill/>
+          </a:ln>
+        </p:spPr>
+        <p:style>
+          <a:lnRef idx="2">
+            <a:schemeClr val="accent1">
+              <a:shade val="50000"/>
+            </a:schemeClr>
+          </a:lnRef>
+          <a:fillRef idx="1">
+            <a:schemeClr val="accent1"/>
+          </a:fillRef>
+          <a:effectRef idx="0">
+            <a:schemeClr val="accent1"/>
+          </a:effectRef>
+          <a:fontRef idx="minor">
+            <a:schemeClr val="lt1"/>
+          </a:fontRef>
+        </p:style>
+        <p:txBody>
+          <a:bodyPr rtlCol="0" anchor="ctr"/>
+          <a:lstStyle/>
+          <a:p>
+            <a:pPr algn="ctr"/>
+            <a:endParaRPr lang="en-US"/>
+          </a:p>
+        </p:txBody>
+      </p:sp>
+      <p:sp>
+        <p:nvSpPr>
+          <p:cNvPr id="8" name="Rectangle 7">
+            <a:extLst>
+              <a:ext uri="{FF2B5EF4-FFF2-40B4-BE49-F238E27FC236}">
+                <a16:creationId xmlns:a16="http://schemas.microsoft.com/office/drawing/2014/main" id="{B63DD372-DD59-4341-82F7-FFAE9830DEE9}"/>
+              </a:ext>
+            </a:extLst>
+          </p:cNvPr>
+          <p:cNvSpPr/>
+          <p:nvPr/>
+        </p:nvSpPr>
+        <p:spPr>
+          <a:xfrm>
+            <a:off x="645734" y="0"/>
+            <a:ext cx="309515" cy="6858000"/>
+          </a:xfrm>
+          <a:prstGeom prst="rect">
+            <a:avLst/>
+          </a:prstGeom>
+          <a:solidFill>
+            <a:schemeClr val="accent1">
+              <a:lumMod val="20000"/>
+              <a:lumOff val="80000"/>
+            </a:schemeClr>
+          </a:solidFill>
+          <a:ln>
+            <a:noFill/>
+          </a:ln>
+        </p:spPr>
+        <p:style>
+          <a:lnRef idx="2">
+            <a:schemeClr val="accent1">
+              <a:shade val="50000"/>
+            </a:schemeClr>
+          </a:lnRef>
+          <a:fillRef idx="1">
+            <a:schemeClr val="accent1"/>
+          </a:fillRef>
+          <a:effectRef idx="0">
+            <a:schemeClr val="accent1"/>
+          </a:effectRef>
+          <a:fontRef idx="minor">
+            <a:schemeClr val="lt1"/>
+          </a:fontRef>
+        </p:style>
+        <p:txBody>
+          <a:bodyPr rtlCol="0" anchor="ctr"/>
+          <a:lstStyle/>
+          <a:p>
+            <a:pPr algn="ctr"/>
+            <a:endParaRPr lang="en-US"/>
+          </a:p>
+        </p:txBody>
+      </p:sp>
+    </p:spTree>
+    <p:extLst>
+      <p:ext uri="{BB962C8B-B14F-4D97-AF65-F5344CB8AC3E}">
+        <p14:creationId xmlns:p14="http://schemas.microsoft.com/office/powerpoint/2010/main" val="3732386545"/>
+      </p:ext>
+    </p:extLst>
+  </p:cSld>
+  <p:clrMapOvr>
+    <a:masterClrMapping/>
+  </p:clrMapOvr>
+</p:sld>
+</file>
+
+<file path=ppt/slides/slide26.xml><?xml version="1.0" encoding="utf-8"?>
+<p:sld xmlns:a="http://schemas.openxmlformats.org/drawingml/2006/main" xmlns:r="http://schemas.openxmlformats.org/officeDocument/2006/relationships" xmlns:p="http://schemas.openxmlformats.org/presentationml/2006/main">
+  <p:cSld>
+    <p:spTree>
+      <p:nvGrpSpPr>
+        <p:cNvPr id="1" name=""/>
+        <p:cNvGrpSpPr/>
+        <p:nvPr/>
+      </p:nvGrpSpPr>
+      <p:grpSpPr>
+        <a:xfrm>
+          <a:off x="0" y="0"/>
+          <a:ext cx="0" cy="0"/>
+          <a:chOff x="0" y="0"/>
+          <a:chExt cx="0" cy="0"/>
+        </a:xfrm>
+      </p:grpSpPr>
+      <p:sp>
+        <p:nvSpPr>
+          <p:cNvPr id="2" name="Title 1">
+            <a:extLst>
+              <a:ext uri="{FF2B5EF4-FFF2-40B4-BE49-F238E27FC236}">
+                <a16:creationId xmlns:a16="http://schemas.microsoft.com/office/drawing/2014/main" id="{29BB4EF8-88A7-43B1-B766-6547D653A2FA}"/>
+              </a:ext>
+            </a:extLst>
+          </p:cNvPr>
+          <p:cNvSpPr>
+            <a:spLocks noGrp="1"/>
+          </p:cNvSpPr>
+          <p:nvPr>
+            <p:ph type="title"/>
+          </p:nvPr>
+        </p:nvSpPr>
+        <p:spPr/>
+        <p:txBody>
+          <a:bodyPr/>
+          <a:lstStyle/>
+          <a:p>
+            <a:pPr algn="ctr"/>
+            <a:r>
+              <a:rPr lang="en-US" dirty="0"/>
+              <a:t>Running Local and sending metrics to K6</a:t>
+            </a:r>
+          </a:p>
+        </p:txBody>
+      </p:sp>
+      <p:sp>
+        <p:nvSpPr>
+          <p:cNvPr id="3" name="Content Placeholder 2">
+            <a:extLst>
+              <a:ext uri="{FF2B5EF4-FFF2-40B4-BE49-F238E27FC236}">
+                <a16:creationId xmlns:a16="http://schemas.microsoft.com/office/drawing/2014/main" id="{0CF5ED84-FE4B-4855-9031-09B1F05CD801}"/>
+              </a:ext>
+            </a:extLst>
+          </p:cNvPr>
+          <p:cNvSpPr>
+            <a:spLocks noGrp="1"/>
+          </p:cNvSpPr>
+          <p:nvPr>
+            <p:ph idx="1"/>
+          </p:nvPr>
+        </p:nvSpPr>
+        <p:spPr>
+          <a:xfrm>
+            <a:off x="1131216" y="1825625"/>
+            <a:ext cx="10222584" cy="4351338"/>
+          </a:xfrm>
+        </p:spPr>
+        <p:txBody>
+          <a:bodyPr/>
+          <a:lstStyle/>
+          <a:p>
+            <a:pPr marL="0" indent="0">
+              <a:buNone/>
+            </a:pPr>
+            <a:r>
+              <a:rPr lang="en-US" dirty="0"/>
+              <a:t>Execute test and send metrics</a:t>
+            </a:r>
+          </a:p>
+        </p:txBody>
+      </p:sp>
+      <p:pic>
+        <p:nvPicPr>
+          <p:cNvPr id="7" name="Picture 6">
+            <a:extLst>
+              <a:ext uri="{FF2B5EF4-FFF2-40B4-BE49-F238E27FC236}">
+                <a16:creationId xmlns:a16="http://schemas.microsoft.com/office/drawing/2014/main" id="{A5735F8D-FF96-41C4-B7DE-81DE8F3659EC}"/>
+              </a:ext>
+            </a:extLst>
+          </p:cNvPr>
+          <p:cNvPicPr>
+            <a:picLocks noChangeAspect="1"/>
+          </p:cNvPicPr>
+          <p:nvPr/>
+        </p:nvPicPr>
+        <p:blipFill>
+          <a:blip r:embed="rId2"/>
+          <a:stretch>
+            <a:fillRect/>
+          </a:stretch>
+        </p:blipFill>
+        <p:spPr>
+          <a:xfrm>
+            <a:off x="1046541" y="2902075"/>
+            <a:ext cx="10307259" cy="1417005"/>
+          </a:xfrm>
+          <a:prstGeom prst="rect">
+            <a:avLst/>
+          </a:prstGeom>
+        </p:spPr>
+      </p:pic>
+      <p:sp>
+        <p:nvSpPr>
+          <p:cNvPr id="8" name="Rectangle 7">
+            <a:extLst>
+              <a:ext uri="{FF2B5EF4-FFF2-40B4-BE49-F238E27FC236}">
+                <a16:creationId xmlns:a16="http://schemas.microsoft.com/office/drawing/2014/main" id="{FD0E9306-0EF3-4599-956C-2753164826FF}"/>
+              </a:ext>
+            </a:extLst>
+          </p:cNvPr>
+          <p:cNvSpPr/>
+          <p:nvPr/>
+        </p:nvSpPr>
+        <p:spPr>
+          <a:xfrm>
+            <a:off x="3142" y="0"/>
+            <a:ext cx="562466" cy="6858000"/>
+          </a:xfrm>
+          <a:prstGeom prst="rect">
+            <a:avLst/>
+          </a:prstGeom>
+          <a:solidFill>
+            <a:schemeClr val="accent1">
+              <a:lumMod val="40000"/>
+              <a:lumOff val="60000"/>
+            </a:schemeClr>
+          </a:solidFill>
+          <a:ln>
+            <a:noFill/>
+          </a:ln>
+        </p:spPr>
+        <p:style>
+          <a:lnRef idx="2">
+            <a:schemeClr val="accent1">
+              <a:shade val="50000"/>
+            </a:schemeClr>
+          </a:lnRef>
+          <a:fillRef idx="1">
+            <a:schemeClr val="accent1"/>
+          </a:fillRef>
+          <a:effectRef idx="0">
+            <a:schemeClr val="accent1"/>
+          </a:effectRef>
+          <a:fontRef idx="minor">
+            <a:schemeClr val="lt1"/>
+          </a:fontRef>
+        </p:style>
+        <p:txBody>
+          <a:bodyPr rtlCol="0" anchor="ctr"/>
+          <a:lstStyle/>
+          <a:p>
+            <a:pPr algn="ctr"/>
+            <a:endParaRPr lang="en-US"/>
+          </a:p>
+        </p:txBody>
+      </p:sp>
+      <p:sp>
+        <p:nvSpPr>
+          <p:cNvPr id="9" name="Rectangle 8">
+            <a:extLst>
+              <a:ext uri="{FF2B5EF4-FFF2-40B4-BE49-F238E27FC236}">
+                <a16:creationId xmlns:a16="http://schemas.microsoft.com/office/drawing/2014/main" id="{560FD021-D7FA-4CA7-BBDB-1AD6DF11B777}"/>
+              </a:ext>
+            </a:extLst>
+          </p:cNvPr>
+          <p:cNvSpPr/>
+          <p:nvPr/>
+        </p:nvSpPr>
+        <p:spPr>
+          <a:xfrm>
+            <a:off x="645734" y="0"/>
+            <a:ext cx="309515" cy="6858000"/>
+          </a:xfrm>
+          <a:prstGeom prst="rect">
+            <a:avLst/>
+          </a:prstGeom>
+          <a:solidFill>
+            <a:schemeClr val="accent1">
+              <a:lumMod val="20000"/>
+              <a:lumOff val="80000"/>
+            </a:schemeClr>
+          </a:solidFill>
+          <a:ln>
+            <a:noFill/>
+          </a:ln>
+        </p:spPr>
+        <p:style>
+          <a:lnRef idx="2">
+            <a:schemeClr val="accent1">
+              <a:shade val="50000"/>
+            </a:schemeClr>
+          </a:lnRef>
+          <a:fillRef idx="1">
+            <a:schemeClr val="accent1"/>
+          </a:fillRef>
+          <a:effectRef idx="0">
+            <a:schemeClr val="accent1"/>
+          </a:effectRef>
+          <a:fontRef idx="minor">
+            <a:schemeClr val="lt1"/>
+          </a:fontRef>
+        </p:style>
+        <p:txBody>
+          <a:bodyPr rtlCol="0" anchor="ctr"/>
+          <a:lstStyle/>
+          <a:p>
+            <a:pPr algn="ctr"/>
+            <a:endParaRPr lang="en-US"/>
+          </a:p>
+        </p:txBody>
+      </p:sp>
+    </p:spTree>
+    <p:extLst>
+      <p:ext uri="{BB962C8B-B14F-4D97-AF65-F5344CB8AC3E}">
+        <p14:creationId xmlns:p14="http://schemas.microsoft.com/office/powerpoint/2010/main" val="2405836154"/>
+      </p:ext>
+    </p:extLst>
+  </p:cSld>
+  <p:clrMapOvr>
+    <a:masterClrMapping/>
+  </p:clrMapOvr>
+</p:sld>
+</file>
+
+<file path=ppt/slides/slide27.xml><?xml version="1.0" encoding="utf-8"?>
+<p:sld xmlns:a="http://schemas.openxmlformats.org/drawingml/2006/main" xmlns:r="http://schemas.openxmlformats.org/officeDocument/2006/relationships" xmlns:p="http://schemas.openxmlformats.org/presentationml/2006/main">
+  <p:cSld>
+    <p:spTree>
+      <p:nvGrpSpPr>
+        <p:cNvPr id="1" name=""/>
+        <p:cNvGrpSpPr/>
+        <p:nvPr/>
+      </p:nvGrpSpPr>
+      <p:grpSpPr>
+        <a:xfrm>
+          <a:off x="0" y="0"/>
+          <a:ext cx="0" cy="0"/>
+          <a:chOff x="0" y="0"/>
+          <a:chExt cx="0" cy="0"/>
+        </a:xfrm>
+      </p:grpSpPr>
+      <p:sp>
+        <p:nvSpPr>
+          <p:cNvPr id="2" name="Title 1">
+            <a:extLst>
+              <a:ext uri="{FF2B5EF4-FFF2-40B4-BE49-F238E27FC236}">
+                <a16:creationId xmlns:a16="http://schemas.microsoft.com/office/drawing/2014/main" id="{29BB4EF8-88A7-43B1-B766-6547D653A2FA}"/>
+              </a:ext>
+            </a:extLst>
+          </p:cNvPr>
+          <p:cNvSpPr>
+            <a:spLocks noGrp="1"/>
+          </p:cNvSpPr>
+          <p:nvPr>
+            <p:ph type="title"/>
+          </p:nvPr>
+        </p:nvSpPr>
+        <p:spPr/>
+        <p:txBody>
+          <a:bodyPr/>
+          <a:lstStyle/>
+          <a:p>
+            <a:pPr algn="ctr"/>
+            <a:r>
+              <a:rPr lang="en-US" dirty="0"/>
+              <a:t>Running Local and sending metrics to K6</a:t>
+            </a:r>
+          </a:p>
+        </p:txBody>
+      </p:sp>
+      <p:sp>
+        <p:nvSpPr>
+          <p:cNvPr id="3" name="Content Placeholder 2">
+            <a:extLst>
+              <a:ext uri="{FF2B5EF4-FFF2-40B4-BE49-F238E27FC236}">
+                <a16:creationId xmlns:a16="http://schemas.microsoft.com/office/drawing/2014/main" id="{0CF5ED84-FE4B-4855-9031-09B1F05CD801}"/>
+              </a:ext>
+            </a:extLst>
+          </p:cNvPr>
+          <p:cNvSpPr>
+            <a:spLocks noGrp="1"/>
+          </p:cNvSpPr>
+          <p:nvPr>
+            <p:ph idx="1"/>
+          </p:nvPr>
+        </p:nvSpPr>
+        <p:spPr>
+          <a:xfrm>
+            <a:off x="1272618" y="1825625"/>
+            <a:ext cx="10081181" cy="4351338"/>
+          </a:xfrm>
+        </p:spPr>
+        <p:txBody>
+          <a:bodyPr/>
+          <a:lstStyle/>
+          <a:p>
+            <a:pPr marL="0" indent="0">
+              <a:buNone/>
+            </a:pPr>
+            <a:r>
+              <a:rPr lang="en-US" dirty="0"/>
+              <a:t>View Metrics</a:t>
+            </a:r>
+          </a:p>
+        </p:txBody>
+      </p:sp>
+      <p:pic>
+        <p:nvPicPr>
+          <p:cNvPr id="5" name="Picture 4">
+            <a:extLst>
+              <a:ext uri="{FF2B5EF4-FFF2-40B4-BE49-F238E27FC236}">
+                <a16:creationId xmlns:a16="http://schemas.microsoft.com/office/drawing/2014/main" id="{ADEB9D3A-FEE6-48D7-9354-23EA4FA3F753}"/>
+              </a:ext>
+            </a:extLst>
+          </p:cNvPr>
+          <p:cNvPicPr>
+            <a:picLocks noChangeAspect="1"/>
+          </p:cNvPicPr>
+          <p:nvPr/>
+        </p:nvPicPr>
+        <p:blipFill>
+          <a:blip r:embed="rId2"/>
+          <a:stretch>
+            <a:fillRect/>
+          </a:stretch>
+        </p:blipFill>
+        <p:spPr>
+          <a:xfrm>
+            <a:off x="1306458" y="2599312"/>
+            <a:ext cx="9696133" cy="1659375"/>
+          </a:xfrm>
+          <a:prstGeom prst="rect">
+            <a:avLst/>
+          </a:prstGeom>
+        </p:spPr>
+      </p:pic>
+      <p:sp>
+        <p:nvSpPr>
+          <p:cNvPr id="8" name="Rectangle 7">
+            <a:extLst>
+              <a:ext uri="{FF2B5EF4-FFF2-40B4-BE49-F238E27FC236}">
+                <a16:creationId xmlns:a16="http://schemas.microsoft.com/office/drawing/2014/main" id="{D1713F57-A8F9-473D-8E99-C2B5FBDC22B3}"/>
+              </a:ext>
+            </a:extLst>
+          </p:cNvPr>
+          <p:cNvSpPr/>
+          <p:nvPr/>
+        </p:nvSpPr>
+        <p:spPr>
+          <a:xfrm>
+            <a:off x="3142" y="0"/>
+            <a:ext cx="562466" cy="6858000"/>
+          </a:xfrm>
+          <a:prstGeom prst="rect">
+            <a:avLst/>
+          </a:prstGeom>
+          <a:solidFill>
+            <a:schemeClr val="accent1">
+              <a:lumMod val="40000"/>
+              <a:lumOff val="60000"/>
+            </a:schemeClr>
+          </a:solidFill>
+          <a:ln>
+            <a:noFill/>
+          </a:ln>
+        </p:spPr>
+        <p:style>
+          <a:lnRef idx="2">
+            <a:schemeClr val="accent1">
+              <a:shade val="50000"/>
+            </a:schemeClr>
+          </a:lnRef>
+          <a:fillRef idx="1">
+            <a:schemeClr val="accent1"/>
+          </a:fillRef>
+          <a:effectRef idx="0">
+            <a:schemeClr val="accent1"/>
+          </a:effectRef>
+          <a:fontRef idx="minor">
+            <a:schemeClr val="lt1"/>
+          </a:fontRef>
+        </p:style>
+        <p:txBody>
+          <a:bodyPr rtlCol="0" anchor="ctr"/>
+          <a:lstStyle/>
+          <a:p>
+            <a:pPr algn="ctr"/>
+            <a:endParaRPr lang="en-US"/>
+          </a:p>
+        </p:txBody>
+      </p:sp>
+      <p:sp>
+        <p:nvSpPr>
+          <p:cNvPr id="9" name="Rectangle 8">
+            <a:extLst>
+              <a:ext uri="{FF2B5EF4-FFF2-40B4-BE49-F238E27FC236}">
+                <a16:creationId xmlns:a16="http://schemas.microsoft.com/office/drawing/2014/main" id="{68DEE43B-87F9-4657-A68E-4578318506B2}"/>
+              </a:ext>
+            </a:extLst>
+          </p:cNvPr>
+          <p:cNvSpPr/>
+          <p:nvPr/>
+        </p:nvSpPr>
+        <p:spPr>
+          <a:xfrm>
+            <a:off x="645734" y="0"/>
+            <a:ext cx="309515" cy="6858000"/>
+          </a:xfrm>
+          <a:prstGeom prst="rect">
+            <a:avLst/>
+          </a:prstGeom>
+          <a:solidFill>
+            <a:schemeClr val="accent1">
+              <a:lumMod val="20000"/>
+              <a:lumOff val="80000"/>
+            </a:schemeClr>
+          </a:solidFill>
+          <a:ln>
+            <a:noFill/>
+          </a:ln>
+        </p:spPr>
+        <p:style>
+          <a:lnRef idx="2">
+            <a:schemeClr val="accent1">
+              <a:shade val="50000"/>
+            </a:schemeClr>
+          </a:lnRef>
+          <a:fillRef idx="1">
+            <a:schemeClr val="accent1"/>
+          </a:fillRef>
+          <a:effectRef idx="0">
+            <a:schemeClr val="accent1"/>
+          </a:effectRef>
+          <a:fontRef idx="minor">
+            <a:schemeClr val="lt1"/>
+          </a:fontRef>
+        </p:style>
+        <p:txBody>
+          <a:bodyPr rtlCol="0" anchor="ctr"/>
+          <a:lstStyle/>
+          <a:p>
+            <a:pPr algn="ctr"/>
+            <a:endParaRPr lang="en-US"/>
+          </a:p>
+        </p:txBody>
+      </p:sp>
+    </p:spTree>
+    <p:extLst>
+      <p:ext uri="{BB962C8B-B14F-4D97-AF65-F5344CB8AC3E}">
+        <p14:creationId xmlns:p14="http://schemas.microsoft.com/office/powerpoint/2010/main" val="1087843074"/>
+      </p:ext>
+    </p:extLst>
+  </p:cSld>
+  <p:clrMapOvr>
+    <a:masterClrMapping/>
+  </p:clrMapOvr>
+</p:sld>
+</file>
+
+<file path=ppt/slides/slide28.xml><?xml version="1.0" encoding="utf-8"?>
+<p:sld xmlns:a="http://schemas.openxmlformats.org/drawingml/2006/main" xmlns:r="http://schemas.openxmlformats.org/officeDocument/2006/relationships" xmlns:p="http://schemas.openxmlformats.org/presentationml/2006/main">
+  <p:cSld>
+    <p:spTree>
+      <p:nvGrpSpPr>
+        <p:cNvPr id="1" name=""/>
+        <p:cNvGrpSpPr/>
+        <p:nvPr/>
+      </p:nvGrpSpPr>
+      <p:grpSpPr>
+        <a:xfrm>
+          <a:off x="0" y="0"/>
+          <a:ext cx="0" cy="0"/>
+          <a:chOff x="0" y="0"/>
+          <a:chExt cx="0" cy="0"/>
+        </a:xfrm>
+      </p:grpSpPr>
+      <p:sp>
+        <p:nvSpPr>
+          <p:cNvPr id="2" name="Title 1">
+            <a:extLst>
+              <a:ext uri="{FF2B5EF4-FFF2-40B4-BE49-F238E27FC236}">
+                <a16:creationId xmlns:a16="http://schemas.microsoft.com/office/drawing/2014/main" id="{29BB4EF8-88A7-43B1-B766-6547D653A2FA}"/>
+              </a:ext>
+            </a:extLst>
+          </p:cNvPr>
+          <p:cNvSpPr>
+            <a:spLocks noGrp="1"/>
+          </p:cNvSpPr>
+          <p:nvPr>
+            <p:ph type="title"/>
+          </p:nvPr>
+        </p:nvSpPr>
+        <p:spPr/>
+        <p:txBody>
+          <a:bodyPr/>
+          <a:lstStyle/>
+          <a:p>
+            <a:pPr algn="ctr"/>
+            <a:r>
+              <a:rPr lang="en-US" dirty="0"/>
+              <a:t>Running Local and sending metrics to K6</a:t>
+            </a:r>
+          </a:p>
+        </p:txBody>
+      </p:sp>
+      <p:sp>
+        <p:nvSpPr>
+          <p:cNvPr id="3" name="Content Placeholder 2">
+            <a:extLst>
+              <a:ext uri="{FF2B5EF4-FFF2-40B4-BE49-F238E27FC236}">
+                <a16:creationId xmlns:a16="http://schemas.microsoft.com/office/drawing/2014/main" id="{0CF5ED84-FE4B-4855-9031-09B1F05CD801}"/>
+              </a:ext>
+            </a:extLst>
+          </p:cNvPr>
+          <p:cNvSpPr>
+            <a:spLocks noGrp="1"/>
+          </p:cNvSpPr>
+          <p:nvPr>
+            <p:ph idx="1"/>
+          </p:nvPr>
+        </p:nvSpPr>
+        <p:spPr/>
+        <p:txBody>
+          <a:bodyPr/>
+          <a:lstStyle/>
+          <a:p>
+            <a:pPr marL="0" indent="0">
+              <a:buNone/>
+            </a:pPr>
+            <a:r>
+              <a:rPr lang="en-US" dirty="0"/>
+              <a:t>View Metrics</a:t>
+            </a:r>
+          </a:p>
+        </p:txBody>
+      </p:sp>
+      <p:pic>
+        <p:nvPicPr>
+          <p:cNvPr id="6" name="Picture 5">
+            <a:extLst>
+              <a:ext uri="{FF2B5EF4-FFF2-40B4-BE49-F238E27FC236}">
+                <a16:creationId xmlns:a16="http://schemas.microsoft.com/office/drawing/2014/main" id="{8D7ED29A-AE11-4A6D-8977-3DF3A19B0355}"/>
+              </a:ext>
+            </a:extLst>
+          </p:cNvPr>
+          <p:cNvPicPr>
+            <a:picLocks noChangeAspect="1"/>
+          </p:cNvPicPr>
+          <p:nvPr/>
+        </p:nvPicPr>
+        <p:blipFill>
+          <a:blip r:embed="rId2"/>
+          <a:stretch>
+            <a:fillRect/>
+          </a:stretch>
+        </p:blipFill>
+        <p:spPr>
+          <a:xfrm>
+            <a:off x="2568102" y="2643483"/>
+            <a:ext cx="6715058" cy="3533480"/>
+          </a:xfrm>
+          <a:prstGeom prst="rect">
+            <a:avLst/>
+          </a:prstGeom>
+        </p:spPr>
+      </p:pic>
+    </p:spTree>
+    <p:extLst>
+      <p:ext uri="{BB962C8B-B14F-4D97-AF65-F5344CB8AC3E}">
+        <p14:creationId xmlns:p14="http://schemas.microsoft.com/office/powerpoint/2010/main" val="2450497625"/>
+      </p:ext>
+    </p:extLst>
+  </p:cSld>
+  <p:clrMapOvr>
+    <a:masterClrMapping/>
+  </p:clrMapOvr>
+</p:sld>
+</file>
+
+<file path=ppt/slides/slide29.xml><?xml version="1.0" encoding="utf-8"?>
+<p:sld xmlns:a="http://schemas.openxmlformats.org/drawingml/2006/main" xmlns:r="http://schemas.openxmlformats.org/officeDocument/2006/relationships" xmlns:p="http://schemas.openxmlformats.org/presentationml/2006/main">
+  <p:cSld>
+    <p:spTree>
+      <p:nvGrpSpPr>
+        <p:cNvPr id="1" name=""/>
+        <p:cNvGrpSpPr/>
+        <p:nvPr/>
+      </p:nvGrpSpPr>
+      <p:grpSpPr>
+        <a:xfrm>
+          <a:off x="0" y="0"/>
+          <a:ext cx="0" cy="0"/>
+          <a:chOff x="0" y="0"/>
+          <a:chExt cx="0" cy="0"/>
+        </a:xfrm>
+      </p:grpSpPr>
+      <p:sp>
+        <p:nvSpPr>
+          <p:cNvPr id="2" name="Title 1">
+            <a:extLst>
+              <a:ext uri="{FF2B5EF4-FFF2-40B4-BE49-F238E27FC236}">
+                <a16:creationId xmlns:a16="http://schemas.microsoft.com/office/drawing/2014/main" id="{29BB4EF8-88A7-43B1-B766-6547D653A2FA}"/>
+              </a:ext>
+            </a:extLst>
+          </p:cNvPr>
+          <p:cNvSpPr>
+            <a:spLocks noGrp="1"/>
+          </p:cNvSpPr>
+          <p:nvPr>
+            <p:ph type="title"/>
+          </p:nvPr>
+        </p:nvSpPr>
+        <p:spPr>
+          <a:xfrm>
+            <a:off x="838200" y="2344754"/>
+            <a:ext cx="10515600" cy="1325563"/>
+          </a:xfrm>
+        </p:spPr>
+        <p:txBody>
+          <a:bodyPr/>
+          <a:lstStyle/>
+          <a:p>
+            <a:pPr algn="ctr"/>
+            <a:r>
+              <a:rPr lang="en-US" dirty="0"/>
+              <a:t>K6 Live Demos</a:t>
+            </a:r>
+          </a:p>
+        </p:txBody>
+      </p:sp>
+    </p:spTree>
+    <p:extLst>
+      <p:ext uri="{BB962C8B-B14F-4D97-AF65-F5344CB8AC3E}">
+        <p14:creationId xmlns:p14="http://schemas.microsoft.com/office/powerpoint/2010/main" val="3458090442"/>
+      </p:ext>
+    </p:extLst>
+  </p:cSld>
+  <p:clrMapOvr>
+    <a:masterClrMapping/>
+  </p:clrMapOvr>
+</p:sld>
+</file>
+
+<file path=ppt/slides/slide3.xml><?xml version="1.0" encoding="utf-8"?>
 <p:sld xmlns:a="http://schemas.openxmlformats.org/drawingml/2006/main" xmlns:r="http://schemas.openxmlformats.org/officeDocument/2006/relationships" xmlns:p="http://schemas.openxmlformats.org/presentationml/2006/main">
   <p:cSld>
     <p:spTree>
@@ -18149,1708 +20559,7 @@
 </p:sld>
 </file>
 
-<file path=ppt/slides/slide20.xml><?xml version="1.0" encoding="utf-8"?>
-<p:sld xmlns:a="http://schemas.openxmlformats.org/drawingml/2006/main" xmlns:r="http://schemas.openxmlformats.org/officeDocument/2006/relationships" xmlns:p="http://schemas.openxmlformats.org/presentationml/2006/main">
-  <p:cSld>
-    <p:spTree>
-      <p:nvGrpSpPr>
-        <p:cNvPr id="1" name=""/>
-        <p:cNvGrpSpPr/>
-        <p:nvPr/>
-      </p:nvGrpSpPr>
-      <p:grpSpPr>
-        <a:xfrm>
-          <a:off x="0" y="0"/>
-          <a:ext cx="0" cy="0"/>
-          <a:chOff x="0" y="0"/>
-          <a:chExt cx="0" cy="0"/>
-        </a:xfrm>
-      </p:grpSpPr>
-      <p:sp>
-        <p:nvSpPr>
-          <p:cNvPr id="2" name="Title 1">
-            <a:extLst>
-              <a:ext uri="{FF2B5EF4-FFF2-40B4-BE49-F238E27FC236}">
-                <a16:creationId xmlns:a16="http://schemas.microsoft.com/office/drawing/2014/main" id="{121AD423-7034-4C1A-B623-F0777EF18C46}"/>
-              </a:ext>
-            </a:extLst>
-          </p:cNvPr>
-          <p:cNvSpPr>
-            <a:spLocks noGrp="1"/>
-          </p:cNvSpPr>
-          <p:nvPr>
-            <p:ph type="title"/>
-          </p:nvPr>
-        </p:nvSpPr>
-        <p:spPr/>
-        <p:txBody>
-          <a:bodyPr/>
-          <a:lstStyle/>
-          <a:p>
-            <a:pPr algn="ctr"/>
-            <a:r>
-              <a:rPr lang="en-US" dirty="0"/>
-              <a:t>Check k6 version</a:t>
-            </a:r>
-          </a:p>
-        </p:txBody>
-      </p:sp>
-      <p:sp>
-        <p:nvSpPr>
-          <p:cNvPr id="12" name="Rectangle 11">
-            <a:extLst>
-              <a:ext uri="{FF2B5EF4-FFF2-40B4-BE49-F238E27FC236}">
-                <a16:creationId xmlns:a16="http://schemas.microsoft.com/office/drawing/2014/main" id="{5447E554-0E57-4271-8082-61283C5011C9}"/>
-              </a:ext>
-            </a:extLst>
-          </p:cNvPr>
-          <p:cNvSpPr/>
-          <p:nvPr/>
-        </p:nvSpPr>
-        <p:spPr>
-          <a:xfrm>
-            <a:off x="3142" y="0"/>
-            <a:ext cx="562466" cy="6858000"/>
-          </a:xfrm>
-          <a:prstGeom prst="rect">
-            <a:avLst/>
-          </a:prstGeom>
-          <a:solidFill>
-            <a:schemeClr val="accent1">
-              <a:lumMod val="40000"/>
-              <a:lumOff val="60000"/>
-            </a:schemeClr>
-          </a:solidFill>
-          <a:ln>
-            <a:noFill/>
-          </a:ln>
-        </p:spPr>
-        <p:style>
-          <a:lnRef idx="2">
-            <a:schemeClr val="accent1">
-              <a:shade val="50000"/>
-            </a:schemeClr>
-          </a:lnRef>
-          <a:fillRef idx="1">
-            <a:schemeClr val="accent1"/>
-          </a:fillRef>
-          <a:effectRef idx="0">
-            <a:schemeClr val="accent1"/>
-          </a:effectRef>
-          <a:fontRef idx="minor">
-            <a:schemeClr val="lt1"/>
-          </a:fontRef>
-        </p:style>
-        <p:txBody>
-          <a:bodyPr rtlCol="0" anchor="ctr"/>
-          <a:lstStyle/>
-          <a:p>
-            <a:pPr algn="ctr"/>
-            <a:endParaRPr lang="en-US"/>
-          </a:p>
-        </p:txBody>
-      </p:sp>
-      <p:sp>
-        <p:nvSpPr>
-          <p:cNvPr id="13" name="Rectangle 12">
-            <a:extLst>
-              <a:ext uri="{FF2B5EF4-FFF2-40B4-BE49-F238E27FC236}">
-                <a16:creationId xmlns:a16="http://schemas.microsoft.com/office/drawing/2014/main" id="{D000E7D5-CC36-4DDD-B7C4-FB6DAE1E326B}"/>
-              </a:ext>
-            </a:extLst>
-          </p:cNvPr>
-          <p:cNvSpPr/>
-          <p:nvPr/>
-        </p:nvSpPr>
-        <p:spPr>
-          <a:xfrm>
-            <a:off x="645734" y="0"/>
-            <a:ext cx="309515" cy="6858000"/>
-          </a:xfrm>
-          <a:prstGeom prst="rect">
-            <a:avLst/>
-          </a:prstGeom>
-          <a:solidFill>
-            <a:schemeClr val="accent1">
-              <a:lumMod val="20000"/>
-              <a:lumOff val="80000"/>
-            </a:schemeClr>
-          </a:solidFill>
-          <a:ln>
-            <a:noFill/>
-          </a:ln>
-        </p:spPr>
-        <p:style>
-          <a:lnRef idx="2">
-            <a:schemeClr val="accent1">
-              <a:shade val="50000"/>
-            </a:schemeClr>
-          </a:lnRef>
-          <a:fillRef idx="1">
-            <a:schemeClr val="accent1"/>
-          </a:fillRef>
-          <a:effectRef idx="0">
-            <a:schemeClr val="accent1"/>
-          </a:effectRef>
-          <a:fontRef idx="minor">
-            <a:schemeClr val="lt1"/>
-          </a:fontRef>
-        </p:style>
-        <p:txBody>
-          <a:bodyPr rtlCol="0" anchor="ctr"/>
-          <a:lstStyle/>
-          <a:p>
-            <a:pPr algn="ctr"/>
-            <a:endParaRPr lang="en-US"/>
-          </a:p>
-        </p:txBody>
-      </p:sp>
-      <p:pic>
-        <p:nvPicPr>
-          <p:cNvPr id="8" name="Imagen 7">
-            <a:extLst>
-              <a:ext uri="{FF2B5EF4-FFF2-40B4-BE49-F238E27FC236}">
-                <a16:creationId xmlns:a16="http://schemas.microsoft.com/office/drawing/2014/main" id="{69A97375-3109-4E25-B3CF-EA88E7B28243}"/>
-              </a:ext>
-            </a:extLst>
-          </p:cNvPr>
-          <p:cNvPicPr>
-            <a:picLocks noChangeAspect="1"/>
-          </p:cNvPicPr>
-          <p:nvPr/>
-        </p:nvPicPr>
-        <p:blipFill>
-          <a:blip r:embed="rId2"/>
-          <a:stretch>
-            <a:fillRect/>
-          </a:stretch>
-        </p:blipFill>
-        <p:spPr>
-          <a:xfrm>
-            <a:off x="1164188" y="2369344"/>
-            <a:ext cx="10572750" cy="1905000"/>
-          </a:xfrm>
-          <a:prstGeom prst="rect">
-            <a:avLst/>
-          </a:prstGeom>
-        </p:spPr>
-      </p:pic>
-    </p:spTree>
-    <p:extLst>
-      <p:ext uri="{BB962C8B-B14F-4D97-AF65-F5344CB8AC3E}">
-        <p14:creationId xmlns:p14="http://schemas.microsoft.com/office/powerpoint/2010/main" val="4030940487"/>
-      </p:ext>
-    </p:extLst>
-  </p:cSld>
-  <p:clrMapOvr>
-    <a:masterClrMapping/>
-  </p:clrMapOvr>
-</p:sld>
-</file>
-
-<file path=ppt/slides/slide21.xml><?xml version="1.0" encoding="utf-8"?>
-<p:sld xmlns:a="http://schemas.openxmlformats.org/drawingml/2006/main" xmlns:r="http://schemas.openxmlformats.org/officeDocument/2006/relationships" xmlns:p="http://schemas.openxmlformats.org/presentationml/2006/main">
-  <p:cSld>
-    <p:spTree>
-      <p:nvGrpSpPr>
-        <p:cNvPr id="1" name=""/>
-        <p:cNvGrpSpPr/>
-        <p:nvPr/>
-      </p:nvGrpSpPr>
-      <p:grpSpPr>
-        <a:xfrm>
-          <a:off x="0" y="0"/>
-          <a:ext cx="0" cy="0"/>
-          <a:chOff x="0" y="0"/>
-          <a:chExt cx="0" cy="0"/>
-        </a:xfrm>
-      </p:grpSpPr>
-      <p:sp>
-        <p:nvSpPr>
-          <p:cNvPr id="2" name="Title 1">
-            <a:extLst>
-              <a:ext uri="{FF2B5EF4-FFF2-40B4-BE49-F238E27FC236}">
-                <a16:creationId xmlns:a16="http://schemas.microsoft.com/office/drawing/2014/main" id="{CDD5D10B-B202-404B-8811-C0E5E2C1B49D}"/>
-              </a:ext>
-            </a:extLst>
-          </p:cNvPr>
-          <p:cNvSpPr>
-            <a:spLocks noGrp="1"/>
-          </p:cNvSpPr>
-          <p:nvPr>
-            <p:ph type="title"/>
-          </p:nvPr>
-        </p:nvSpPr>
-        <p:spPr/>
-        <p:txBody>
-          <a:bodyPr/>
-          <a:lstStyle/>
-          <a:p>
-            <a:pPr algn="ctr"/>
-            <a:r>
-              <a:rPr lang="en-US" dirty="0"/>
-              <a:t>Running test in K6</a:t>
-            </a:r>
-          </a:p>
-        </p:txBody>
-      </p:sp>
-      <p:sp>
-        <p:nvSpPr>
-          <p:cNvPr id="3" name="Content Placeholder 2">
-            <a:extLst>
-              <a:ext uri="{FF2B5EF4-FFF2-40B4-BE49-F238E27FC236}">
-                <a16:creationId xmlns:a16="http://schemas.microsoft.com/office/drawing/2014/main" id="{1B7B513D-9CCC-42E4-89B3-0BA0F0185E40}"/>
-              </a:ext>
-            </a:extLst>
-          </p:cNvPr>
-          <p:cNvSpPr>
-            <a:spLocks noGrp="1"/>
-          </p:cNvSpPr>
-          <p:nvPr>
-            <p:ph idx="1"/>
-          </p:nvPr>
-        </p:nvSpPr>
-        <p:spPr>
-          <a:xfrm>
-            <a:off x="1035375" y="1825625"/>
-            <a:ext cx="10515600" cy="3755043"/>
-          </a:xfrm>
-        </p:spPr>
-        <p:txBody>
-          <a:bodyPr/>
-          <a:lstStyle/>
-          <a:p>
-            <a:r>
-              <a:rPr lang="en-US" b="1" dirty="0"/>
-              <a:t>Local: </a:t>
-            </a:r>
-            <a:r>
-              <a:rPr lang="en-US" dirty="0"/>
-              <a:t>In your local machine</a:t>
-            </a:r>
-          </a:p>
-          <a:p>
-            <a:r>
-              <a:rPr lang="en-US" b="1" dirty="0"/>
-              <a:t>Cloud: </a:t>
-            </a:r>
-            <a:r>
-              <a:rPr lang="en-US" dirty="0"/>
-              <a:t>On cloud infrastructure managed by K6 Cloud</a:t>
-            </a:r>
-          </a:p>
-          <a:p>
-            <a:r>
-              <a:rPr lang="en-US" b="1" dirty="0"/>
-              <a:t>Clustered: </a:t>
-            </a:r>
-            <a:r>
-              <a:rPr lang="en-US" dirty="0"/>
-              <a:t>on more than one machine managed by you </a:t>
-            </a:r>
-            <a:r>
-              <a:rPr lang="en-US" b="1" dirty="0">
-                <a:solidFill>
-                  <a:srgbClr val="FF0000"/>
-                </a:solidFill>
-              </a:rPr>
-              <a:t>(Not supported yet)</a:t>
-            </a:r>
-          </a:p>
-          <a:p>
-            <a:endParaRPr lang="en-US" dirty="0"/>
-          </a:p>
-        </p:txBody>
-      </p:sp>
-      <p:sp>
-        <p:nvSpPr>
-          <p:cNvPr id="4" name="Rectangle 3">
-            <a:extLst>
-              <a:ext uri="{FF2B5EF4-FFF2-40B4-BE49-F238E27FC236}">
-                <a16:creationId xmlns:a16="http://schemas.microsoft.com/office/drawing/2014/main" id="{879311AE-1992-4361-8E41-F090F1BE1DD4}"/>
-              </a:ext>
-            </a:extLst>
-          </p:cNvPr>
-          <p:cNvSpPr/>
-          <p:nvPr/>
-        </p:nvSpPr>
-        <p:spPr>
-          <a:xfrm>
-            <a:off x="3142" y="0"/>
-            <a:ext cx="562466" cy="6858000"/>
-          </a:xfrm>
-          <a:prstGeom prst="rect">
-            <a:avLst/>
-          </a:prstGeom>
-          <a:solidFill>
-            <a:schemeClr val="accent1">
-              <a:lumMod val="40000"/>
-              <a:lumOff val="60000"/>
-            </a:schemeClr>
-          </a:solidFill>
-          <a:ln>
-            <a:noFill/>
-          </a:ln>
-        </p:spPr>
-        <p:style>
-          <a:lnRef idx="2">
-            <a:schemeClr val="accent1">
-              <a:shade val="50000"/>
-            </a:schemeClr>
-          </a:lnRef>
-          <a:fillRef idx="1">
-            <a:schemeClr val="accent1"/>
-          </a:fillRef>
-          <a:effectRef idx="0">
-            <a:schemeClr val="accent1"/>
-          </a:effectRef>
-          <a:fontRef idx="minor">
-            <a:schemeClr val="lt1"/>
-          </a:fontRef>
-        </p:style>
-        <p:txBody>
-          <a:bodyPr rtlCol="0" anchor="ctr"/>
-          <a:lstStyle/>
-          <a:p>
-            <a:pPr algn="ctr"/>
-            <a:endParaRPr lang="en-US"/>
-          </a:p>
-        </p:txBody>
-      </p:sp>
-      <p:sp>
-        <p:nvSpPr>
-          <p:cNvPr id="5" name="Rectangle 4">
-            <a:extLst>
-              <a:ext uri="{FF2B5EF4-FFF2-40B4-BE49-F238E27FC236}">
-                <a16:creationId xmlns:a16="http://schemas.microsoft.com/office/drawing/2014/main" id="{B6E3E6FF-2CCC-4E8F-9AF6-1F7A41A48F1D}"/>
-              </a:ext>
-            </a:extLst>
-          </p:cNvPr>
-          <p:cNvSpPr/>
-          <p:nvPr/>
-        </p:nvSpPr>
-        <p:spPr>
-          <a:xfrm>
-            <a:off x="645734" y="0"/>
-            <a:ext cx="309515" cy="6858000"/>
-          </a:xfrm>
-          <a:prstGeom prst="rect">
-            <a:avLst/>
-          </a:prstGeom>
-          <a:solidFill>
-            <a:schemeClr val="accent1">
-              <a:lumMod val="20000"/>
-              <a:lumOff val="80000"/>
-            </a:schemeClr>
-          </a:solidFill>
-          <a:ln>
-            <a:noFill/>
-          </a:ln>
-        </p:spPr>
-        <p:style>
-          <a:lnRef idx="2">
-            <a:schemeClr val="accent1">
-              <a:shade val="50000"/>
-            </a:schemeClr>
-          </a:lnRef>
-          <a:fillRef idx="1">
-            <a:schemeClr val="accent1"/>
-          </a:fillRef>
-          <a:effectRef idx="0">
-            <a:schemeClr val="accent1"/>
-          </a:effectRef>
-          <a:fontRef idx="minor">
-            <a:schemeClr val="lt1"/>
-          </a:fontRef>
-        </p:style>
-        <p:txBody>
-          <a:bodyPr rtlCol="0" anchor="ctr"/>
-          <a:lstStyle/>
-          <a:p>
-            <a:pPr algn="ctr"/>
-            <a:endParaRPr lang="en-US"/>
-          </a:p>
-        </p:txBody>
-      </p:sp>
-    </p:spTree>
-    <p:extLst>
-      <p:ext uri="{BB962C8B-B14F-4D97-AF65-F5344CB8AC3E}">
-        <p14:creationId xmlns:p14="http://schemas.microsoft.com/office/powerpoint/2010/main" val="1016747810"/>
-      </p:ext>
-    </p:extLst>
-  </p:cSld>
-  <p:clrMapOvr>
-    <a:masterClrMapping/>
-  </p:clrMapOvr>
-</p:sld>
-</file>
-
-<file path=ppt/slides/slide22.xml><?xml version="1.0" encoding="utf-8"?>
-<p:sld xmlns:a="http://schemas.openxmlformats.org/drawingml/2006/main" xmlns:r="http://schemas.openxmlformats.org/officeDocument/2006/relationships" xmlns:p="http://schemas.openxmlformats.org/presentationml/2006/main">
-  <p:cSld>
-    <p:spTree>
-      <p:nvGrpSpPr>
-        <p:cNvPr id="1" name=""/>
-        <p:cNvGrpSpPr/>
-        <p:nvPr/>
-      </p:nvGrpSpPr>
-      <p:grpSpPr>
-        <a:xfrm>
-          <a:off x="0" y="0"/>
-          <a:ext cx="0" cy="0"/>
-          <a:chOff x="0" y="0"/>
-          <a:chExt cx="0" cy="0"/>
-        </a:xfrm>
-      </p:grpSpPr>
-      <p:sp>
-        <p:nvSpPr>
-          <p:cNvPr id="2" name="Title 1">
-            <a:extLst>
-              <a:ext uri="{FF2B5EF4-FFF2-40B4-BE49-F238E27FC236}">
-                <a16:creationId xmlns:a16="http://schemas.microsoft.com/office/drawing/2014/main" id="{9617DDE0-757B-4367-80F0-80AE99F079EE}"/>
-              </a:ext>
-            </a:extLst>
-          </p:cNvPr>
-          <p:cNvSpPr>
-            <a:spLocks noGrp="1"/>
-          </p:cNvSpPr>
-          <p:nvPr>
-            <p:ph type="title"/>
-          </p:nvPr>
-        </p:nvSpPr>
-        <p:spPr>
-          <a:xfrm>
-            <a:off x="838200" y="2467302"/>
-            <a:ext cx="10515600" cy="1325563"/>
-          </a:xfrm>
-        </p:spPr>
-        <p:txBody>
-          <a:bodyPr/>
-          <a:lstStyle/>
-          <a:p>
-            <a:pPr algn="ctr"/>
-            <a:r>
-              <a:rPr lang="en-US" dirty="0"/>
-              <a:t>Example Running Local</a:t>
-            </a:r>
-          </a:p>
-        </p:txBody>
-      </p:sp>
-      <p:sp>
-        <p:nvSpPr>
-          <p:cNvPr id="4" name="Rectangle 3">
-            <a:extLst>
-              <a:ext uri="{FF2B5EF4-FFF2-40B4-BE49-F238E27FC236}">
-                <a16:creationId xmlns:a16="http://schemas.microsoft.com/office/drawing/2014/main" id="{65E181FE-F922-4DAB-BB3A-A0294F094365}"/>
-              </a:ext>
-            </a:extLst>
-          </p:cNvPr>
-          <p:cNvSpPr/>
-          <p:nvPr/>
-        </p:nvSpPr>
-        <p:spPr>
-          <a:xfrm>
-            <a:off x="3142" y="0"/>
-            <a:ext cx="562466" cy="6858000"/>
-          </a:xfrm>
-          <a:prstGeom prst="rect">
-            <a:avLst/>
-          </a:prstGeom>
-          <a:solidFill>
-            <a:schemeClr val="accent1">
-              <a:lumMod val="40000"/>
-              <a:lumOff val="60000"/>
-            </a:schemeClr>
-          </a:solidFill>
-          <a:ln>
-            <a:noFill/>
-          </a:ln>
-        </p:spPr>
-        <p:style>
-          <a:lnRef idx="2">
-            <a:schemeClr val="accent1">
-              <a:shade val="50000"/>
-            </a:schemeClr>
-          </a:lnRef>
-          <a:fillRef idx="1">
-            <a:schemeClr val="accent1"/>
-          </a:fillRef>
-          <a:effectRef idx="0">
-            <a:schemeClr val="accent1"/>
-          </a:effectRef>
-          <a:fontRef idx="minor">
-            <a:schemeClr val="lt1"/>
-          </a:fontRef>
-        </p:style>
-        <p:txBody>
-          <a:bodyPr rtlCol="0" anchor="ctr"/>
-          <a:lstStyle/>
-          <a:p>
-            <a:pPr algn="ctr"/>
-            <a:endParaRPr lang="en-US"/>
-          </a:p>
-        </p:txBody>
-      </p:sp>
-      <p:sp>
-        <p:nvSpPr>
-          <p:cNvPr id="5" name="Rectangle 4">
-            <a:extLst>
-              <a:ext uri="{FF2B5EF4-FFF2-40B4-BE49-F238E27FC236}">
-                <a16:creationId xmlns:a16="http://schemas.microsoft.com/office/drawing/2014/main" id="{9A1446AD-A9C6-42AD-954F-6A65A9479E13}"/>
-              </a:ext>
-            </a:extLst>
-          </p:cNvPr>
-          <p:cNvSpPr/>
-          <p:nvPr/>
-        </p:nvSpPr>
-        <p:spPr>
-          <a:xfrm>
-            <a:off x="645734" y="0"/>
-            <a:ext cx="309515" cy="6858000"/>
-          </a:xfrm>
-          <a:prstGeom prst="rect">
-            <a:avLst/>
-          </a:prstGeom>
-          <a:solidFill>
-            <a:schemeClr val="accent1">
-              <a:lumMod val="20000"/>
-              <a:lumOff val="80000"/>
-            </a:schemeClr>
-          </a:solidFill>
-          <a:ln>
-            <a:noFill/>
-          </a:ln>
-        </p:spPr>
-        <p:style>
-          <a:lnRef idx="2">
-            <a:schemeClr val="accent1">
-              <a:shade val="50000"/>
-            </a:schemeClr>
-          </a:lnRef>
-          <a:fillRef idx="1">
-            <a:schemeClr val="accent1"/>
-          </a:fillRef>
-          <a:effectRef idx="0">
-            <a:schemeClr val="accent1"/>
-          </a:effectRef>
-          <a:fontRef idx="minor">
-            <a:schemeClr val="lt1"/>
-          </a:fontRef>
-        </p:style>
-        <p:txBody>
-          <a:bodyPr rtlCol="0" anchor="ctr"/>
-          <a:lstStyle/>
-          <a:p>
-            <a:pPr algn="ctr"/>
-            <a:endParaRPr lang="en-US"/>
-          </a:p>
-        </p:txBody>
-      </p:sp>
-    </p:spTree>
-    <p:extLst>
-      <p:ext uri="{BB962C8B-B14F-4D97-AF65-F5344CB8AC3E}">
-        <p14:creationId xmlns:p14="http://schemas.microsoft.com/office/powerpoint/2010/main" val="621087313"/>
-      </p:ext>
-    </p:extLst>
-  </p:cSld>
-  <p:clrMapOvr>
-    <a:masterClrMapping/>
-  </p:clrMapOvr>
-</p:sld>
-</file>
-
-<file path=ppt/slides/slide23.xml><?xml version="1.0" encoding="utf-8"?>
-<p:sld xmlns:a="http://schemas.openxmlformats.org/drawingml/2006/main" xmlns:r="http://schemas.openxmlformats.org/officeDocument/2006/relationships" xmlns:p="http://schemas.openxmlformats.org/presentationml/2006/main">
-  <p:cSld>
-    <p:spTree>
-      <p:nvGrpSpPr>
-        <p:cNvPr id="1" name=""/>
-        <p:cNvGrpSpPr/>
-        <p:nvPr/>
-      </p:nvGrpSpPr>
-      <p:grpSpPr>
-        <a:xfrm>
-          <a:off x="0" y="0"/>
-          <a:ext cx="0" cy="0"/>
-          <a:chOff x="0" y="0"/>
-          <a:chExt cx="0" cy="0"/>
-        </a:xfrm>
-      </p:grpSpPr>
-      <p:sp>
-        <p:nvSpPr>
-          <p:cNvPr id="2" name="Title 1">
-            <a:extLst>
-              <a:ext uri="{FF2B5EF4-FFF2-40B4-BE49-F238E27FC236}">
-                <a16:creationId xmlns:a16="http://schemas.microsoft.com/office/drawing/2014/main" id="{1F6A2C19-1280-4CF0-9701-68386FD44862}"/>
-              </a:ext>
-            </a:extLst>
-          </p:cNvPr>
-          <p:cNvSpPr>
-            <a:spLocks noGrp="1"/>
-          </p:cNvSpPr>
-          <p:nvPr>
-            <p:ph type="title"/>
-          </p:nvPr>
-        </p:nvSpPr>
-        <p:spPr/>
-        <p:txBody>
-          <a:bodyPr/>
-          <a:lstStyle/>
-          <a:p>
-            <a:pPr algn="ctr"/>
-            <a:r>
-              <a:rPr lang="en-US" dirty="0"/>
-              <a:t>Sending Metrics</a:t>
-            </a:r>
-          </a:p>
-        </p:txBody>
-      </p:sp>
-      <p:pic>
-        <p:nvPicPr>
-          <p:cNvPr id="5" name="Content Placeholder 4">
-            <a:extLst>
-              <a:ext uri="{FF2B5EF4-FFF2-40B4-BE49-F238E27FC236}">
-                <a16:creationId xmlns:a16="http://schemas.microsoft.com/office/drawing/2014/main" id="{2C99B0FA-D4C1-40BC-8490-77688F86F709}"/>
-              </a:ext>
-            </a:extLst>
-          </p:cNvPr>
-          <p:cNvPicPr>
-            <a:picLocks noGrp="1" noChangeAspect="1"/>
-          </p:cNvPicPr>
-          <p:nvPr>
-            <p:ph idx="1"/>
-          </p:nvPr>
-        </p:nvPicPr>
-        <p:blipFill>
-          <a:blip r:embed="rId2"/>
-          <a:stretch>
-            <a:fillRect/>
-          </a:stretch>
-        </p:blipFill>
-        <p:spPr>
-          <a:xfrm>
-            <a:off x="1931309" y="2290455"/>
-            <a:ext cx="8329382" cy="3421677"/>
-          </a:xfrm>
-        </p:spPr>
-      </p:pic>
-      <p:sp>
-        <p:nvSpPr>
-          <p:cNvPr id="4" name="Rectangle 3">
-            <a:extLst>
-              <a:ext uri="{FF2B5EF4-FFF2-40B4-BE49-F238E27FC236}">
-                <a16:creationId xmlns:a16="http://schemas.microsoft.com/office/drawing/2014/main" id="{1F0715B9-B8E5-4E15-B8DB-E2534DC5CD2C}"/>
-              </a:ext>
-            </a:extLst>
-          </p:cNvPr>
-          <p:cNvSpPr/>
-          <p:nvPr/>
-        </p:nvSpPr>
-        <p:spPr>
-          <a:xfrm>
-            <a:off x="3142" y="0"/>
-            <a:ext cx="562466" cy="6858000"/>
-          </a:xfrm>
-          <a:prstGeom prst="rect">
-            <a:avLst/>
-          </a:prstGeom>
-          <a:solidFill>
-            <a:schemeClr val="accent1">
-              <a:lumMod val="40000"/>
-              <a:lumOff val="60000"/>
-            </a:schemeClr>
-          </a:solidFill>
-          <a:ln>
-            <a:noFill/>
-          </a:ln>
-        </p:spPr>
-        <p:style>
-          <a:lnRef idx="2">
-            <a:schemeClr val="accent1">
-              <a:shade val="50000"/>
-            </a:schemeClr>
-          </a:lnRef>
-          <a:fillRef idx="1">
-            <a:schemeClr val="accent1"/>
-          </a:fillRef>
-          <a:effectRef idx="0">
-            <a:schemeClr val="accent1"/>
-          </a:effectRef>
-          <a:fontRef idx="minor">
-            <a:schemeClr val="lt1"/>
-          </a:fontRef>
-        </p:style>
-        <p:txBody>
-          <a:bodyPr rtlCol="0" anchor="ctr"/>
-          <a:lstStyle/>
-          <a:p>
-            <a:pPr algn="ctr"/>
-            <a:endParaRPr lang="en-US"/>
-          </a:p>
-        </p:txBody>
-      </p:sp>
-      <p:sp>
-        <p:nvSpPr>
-          <p:cNvPr id="6" name="Rectangle 5">
-            <a:extLst>
-              <a:ext uri="{FF2B5EF4-FFF2-40B4-BE49-F238E27FC236}">
-                <a16:creationId xmlns:a16="http://schemas.microsoft.com/office/drawing/2014/main" id="{3F14F173-00F6-47AC-BAA7-394DA3C60D75}"/>
-              </a:ext>
-            </a:extLst>
-          </p:cNvPr>
-          <p:cNvSpPr/>
-          <p:nvPr/>
-        </p:nvSpPr>
-        <p:spPr>
-          <a:xfrm>
-            <a:off x="645734" y="0"/>
-            <a:ext cx="309515" cy="6858000"/>
-          </a:xfrm>
-          <a:prstGeom prst="rect">
-            <a:avLst/>
-          </a:prstGeom>
-          <a:solidFill>
-            <a:schemeClr val="accent1">
-              <a:lumMod val="20000"/>
-              <a:lumOff val="80000"/>
-            </a:schemeClr>
-          </a:solidFill>
-          <a:ln>
-            <a:noFill/>
-          </a:ln>
-        </p:spPr>
-        <p:style>
-          <a:lnRef idx="2">
-            <a:schemeClr val="accent1">
-              <a:shade val="50000"/>
-            </a:schemeClr>
-          </a:lnRef>
-          <a:fillRef idx="1">
-            <a:schemeClr val="accent1"/>
-          </a:fillRef>
-          <a:effectRef idx="0">
-            <a:schemeClr val="accent1"/>
-          </a:effectRef>
-          <a:fontRef idx="minor">
-            <a:schemeClr val="lt1"/>
-          </a:fontRef>
-        </p:style>
-        <p:txBody>
-          <a:bodyPr rtlCol="0" anchor="ctr"/>
-          <a:lstStyle/>
-          <a:p>
-            <a:pPr algn="ctr"/>
-            <a:endParaRPr lang="en-US"/>
-          </a:p>
-        </p:txBody>
-      </p:sp>
-    </p:spTree>
-    <p:extLst>
-      <p:ext uri="{BB962C8B-B14F-4D97-AF65-F5344CB8AC3E}">
-        <p14:creationId xmlns:p14="http://schemas.microsoft.com/office/powerpoint/2010/main" val="3018151718"/>
-      </p:ext>
-    </p:extLst>
-  </p:cSld>
-  <p:clrMapOvr>
-    <a:masterClrMapping/>
-  </p:clrMapOvr>
-</p:sld>
-</file>
-
-<file path=ppt/slides/slide24.xml><?xml version="1.0" encoding="utf-8"?>
-<p:sld xmlns:a="http://schemas.openxmlformats.org/drawingml/2006/main" xmlns:r="http://schemas.openxmlformats.org/officeDocument/2006/relationships" xmlns:p="http://schemas.openxmlformats.org/presentationml/2006/main">
-  <p:cSld>
-    <p:spTree>
-      <p:nvGrpSpPr>
-        <p:cNvPr id="1" name=""/>
-        <p:cNvGrpSpPr/>
-        <p:nvPr/>
-      </p:nvGrpSpPr>
-      <p:grpSpPr>
-        <a:xfrm>
-          <a:off x="0" y="0"/>
-          <a:ext cx="0" cy="0"/>
-          <a:chOff x="0" y="0"/>
-          <a:chExt cx="0" cy="0"/>
-        </a:xfrm>
-      </p:grpSpPr>
-      <p:sp>
-        <p:nvSpPr>
-          <p:cNvPr id="2" name="Title 1">
-            <a:extLst>
-              <a:ext uri="{FF2B5EF4-FFF2-40B4-BE49-F238E27FC236}">
-                <a16:creationId xmlns:a16="http://schemas.microsoft.com/office/drawing/2014/main" id="{BCFB1B95-060B-4869-A724-27139935D9DB}"/>
-              </a:ext>
-            </a:extLst>
-          </p:cNvPr>
-          <p:cNvSpPr>
-            <a:spLocks noGrp="1"/>
-          </p:cNvSpPr>
-          <p:nvPr>
-            <p:ph type="title"/>
-          </p:nvPr>
-        </p:nvSpPr>
-        <p:spPr/>
-        <p:txBody>
-          <a:bodyPr/>
-          <a:lstStyle/>
-          <a:p>
-            <a:pPr algn="ctr"/>
-            <a:r>
-              <a:rPr lang="en-US" dirty="0"/>
-              <a:t>Running Local and sending metrics to K6</a:t>
-            </a:r>
-          </a:p>
-        </p:txBody>
-      </p:sp>
-      <p:pic>
-        <p:nvPicPr>
-          <p:cNvPr id="5" name="Picture 4">
-            <a:extLst>
-              <a:ext uri="{FF2B5EF4-FFF2-40B4-BE49-F238E27FC236}">
-                <a16:creationId xmlns:a16="http://schemas.microsoft.com/office/drawing/2014/main" id="{30DCE677-7CDF-4AC8-B50A-FF7E2E876B9F}"/>
-              </a:ext>
-            </a:extLst>
-          </p:cNvPr>
-          <p:cNvPicPr>
-            <a:picLocks noChangeAspect="1"/>
-          </p:cNvPicPr>
-          <p:nvPr/>
-        </p:nvPicPr>
-        <p:blipFill>
-          <a:blip r:embed="rId2"/>
-          <a:stretch>
-            <a:fillRect/>
-          </a:stretch>
-        </p:blipFill>
-        <p:spPr>
-          <a:xfrm>
-            <a:off x="1918934" y="2744548"/>
-            <a:ext cx="8354131" cy="3273118"/>
-          </a:xfrm>
-          <a:prstGeom prst="rect">
-            <a:avLst/>
-          </a:prstGeom>
-        </p:spPr>
-      </p:pic>
-      <p:sp>
-        <p:nvSpPr>
-          <p:cNvPr id="6" name="Content Placeholder 2">
-            <a:extLst>
-              <a:ext uri="{FF2B5EF4-FFF2-40B4-BE49-F238E27FC236}">
-                <a16:creationId xmlns:a16="http://schemas.microsoft.com/office/drawing/2014/main" id="{CF9DDF06-CFC2-4A5F-9EF7-A62F743510B3}"/>
-              </a:ext>
-            </a:extLst>
-          </p:cNvPr>
-          <p:cNvSpPr>
-            <a:spLocks noGrp="1"/>
-          </p:cNvSpPr>
-          <p:nvPr>
-            <p:ph idx="1"/>
-          </p:nvPr>
-        </p:nvSpPr>
-        <p:spPr>
-          <a:xfrm>
-            <a:off x="1197204" y="1825625"/>
-            <a:ext cx="10156596" cy="4351338"/>
-          </a:xfrm>
-        </p:spPr>
-        <p:txBody>
-          <a:bodyPr/>
-          <a:lstStyle/>
-          <a:p>
-            <a:pPr marL="0" indent="0">
-              <a:buNone/>
-            </a:pPr>
-            <a:r>
-              <a:rPr lang="en-US" dirty="0" err="1"/>
-              <a:t>Api</a:t>
-            </a:r>
-            <a:r>
-              <a:rPr lang="en-US" dirty="0"/>
-              <a:t> Token</a:t>
-            </a:r>
-          </a:p>
-        </p:txBody>
-      </p:sp>
-      <p:sp>
-        <p:nvSpPr>
-          <p:cNvPr id="7" name="Rectangle 6">
-            <a:extLst>
-              <a:ext uri="{FF2B5EF4-FFF2-40B4-BE49-F238E27FC236}">
-                <a16:creationId xmlns:a16="http://schemas.microsoft.com/office/drawing/2014/main" id="{0400EB4F-FF3A-45E2-B3F4-B36EC5FE1BB1}"/>
-              </a:ext>
-            </a:extLst>
-          </p:cNvPr>
-          <p:cNvSpPr/>
-          <p:nvPr/>
-        </p:nvSpPr>
-        <p:spPr>
-          <a:xfrm>
-            <a:off x="3142" y="0"/>
-            <a:ext cx="562466" cy="6858000"/>
-          </a:xfrm>
-          <a:prstGeom prst="rect">
-            <a:avLst/>
-          </a:prstGeom>
-          <a:solidFill>
-            <a:schemeClr val="accent1">
-              <a:lumMod val="40000"/>
-              <a:lumOff val="60000"/>
-            </a:schemeClr>
-          </a:solidFill>
-          <a:ln>
-            <a:noFill/>
-          </a:ln>
-        </p:spPr>
-        <p:style>
-          <a:lnRef idx="2">
-            <a:schemeClr val="accent1">
-              <a:shade val="50000"/>
-            </a:schemeClr>
-          </a:lnRef>
-          <a:fillRef idx="1">
-            <a:schemeClr val="accent1"/>
-          </a:fillRef>
-          <a:effectRef idx="0">
-            <a:schemeClr val="accent1"/>
-          </a:effectRef>
-          <a:fontRef idx="minor">
-            <a:schemeClr val="lt1"/>
-          </a:fontRef>
-        </p:style>
-        <p:txBody>
-          <a:bodyPr rtlCol="0" anchor="ctr"/>
-          <a:lstStyle/>
-          <a:p>
-            <a:pPr algn="ctr"/>
-            <a:endParaRPr lang="en-US"/>
-          </a:p>
-        </p:txBody>
-      </p:sp>
-      <p:sp>
-        <p:nvSpPr>
-          <p:cNvPr id="8" name="Rectangle 7">
-            <a:extLst>
-              <a:ext uri="{FF2B5EF4-FFF2-40B4-BE49-F238E27FC236}">
-                <a16:creationId xmlns:a16="http://schemas.microsoft.com/office/drawing/2014/main" id="{B63DD372-DD59-4341-82F7-FFAE9830DEE9}"/>
-              </a:ext>
-            </a:extLst>
-          </p:cNvPr>
-          <p:cNvSpPr/>
-          <p:nvPr/>
-        </p:nvSpPr>
-        <p:spPr>
-          <a:xfrm>
-            <a:off x="645734" y="0"/>
-            <a:ext cx="309515" cy="6858000"/>
-          </a:xfrm>
-          <a:prstGeom prst="rect">
-            <a:avLst/>
-          </a:prstGeom>
-          <a:solidFill>
-            <a:schemeClr val="accent1">
-              <a:lumMod val="20000"/>
-              <a:lumOff val="80000"/>
-            </a:schemeClr>
-          </a:solidFill>
-          <a:ln>
-            <a:noFill/>
-          </a:ln>
-        </p:spPr>
-        <p:style>
-          <a:lnRef idx="2">
-            <a:schemeClr val="accent1">
-              <a:shade val="50000"/>
-            </a:schemeClr>
-          </a:lnRef>
-          <a:fillRef idx="1">
-            <a:schemeClr val="accent1"/>
-          </a:fillRef>
-          <a:effectRef idx="0">
-            <a:schemeClr val="accent1"/>
-          </a:effectRef>
-          <a:fontRef idx="minor">
-            <a:schemeClr val="lt1"/>
-          </a:fontRef>
-        </p:style>
-        <p:txBody>
-          <a:bodyPr rtlCol="0" anchor="ctr"/>
-          <a:lstStyle/>
-          <a:p>
-            <a:pPr algn="ctr"/>
-            <a:endParaRPr lang="en-US"/>
-          </a:p>
-        </p:txBody>
-      </p:sp>
-    </p:spTree>
-    <p:extLst>
-      <p:ext uri="{BB962C8B-B14F-4D97-AF65-F5344CB8AC3E}">
-        <p14:creationId xmlns:p14="http://schemas.microsoft.com/office/powerpoint/2010/main" val="3732386545"/>
-      </p:ext>
-    </p:extLst>
-  </p:cSld>
-  <p:clrMapOvr>
-    <a:masterClrMapping/>
-  </p:clrMapOvr>
-</p:sld>
-</file>
-
-<file path=ppt/slides/slide25.xml><?xml version="1.0" encoding="utf-8"?>
-<p:sld xmlns:a="http://schemas.openxmlformats.org/drawingml/2006/main" xmlns:r="http://schemas.openxmlformats.org/officeDocument/2006/relationships" xmlns:p="http://schemas.openxmlformats.org/presentationml/2006/main">
-  <p:cSld>
-    <p:spTree>
-      <p:nvGrpSpPr>
-        <p:cNvPr id="1" name=""/>
-        <p:cNvGrpSpPr/>
-        <p:nvPr/>
-      </p:nvGrpSpPr>
-      <p:grpSpPr>
-        <a:xfrm>
-          <a:off x="0" y="0"/>
-          <a:ext cx="0" cy="0"/>
-          <a:chOff x="0" y="0"/>
-          <a:chExt cx="0" cy="0"/>
-        </a:xfrm>
-      </p:grpSpPr>
-      <p:sp>
-        <p:nvSpPr>
-          <p:cNvPr id="2" name="Title 1">
-            <a:extLst>
-              <a:ext uri="{FF2B5EF4-FFF2-40B4-BE49-F238E27FC236}">
-                <a16:creationId xmlns:a16="http://schemas.microsoft.com/office/drawing/2014/main" id="{29BB4EF8-88A7-43B1-B766-6547D653A2FA}"/>
-              </a:ext>
-            </a:extLst>
-          </p:cNvPr>
-          <p:cNvSpPr>
-            <a:spLocks noGrp="1"/>
-          </p:cNvSpPr>
-          <p:nvPr>
-            <p:ph type="title"/>
-          </p:nvPr>
-        </p:nvSpPr>
-        <p:spPr/>
-        <p:txBody>
-          <a:bodyPr/>
-          <a:lstStyle/>
-          <a:p>
-            <a:pPr algn="ctr"/>
-            <a:r>
-              <a:rPr lang="en-US" dirty="0"/>
-              <a:t>Running Local and sending metrics to K6</a:t>
-            </a:r>
-          </a:p>
-        </p:txBody>
-      </p:sp>
-      <p:sp>
-        <p:nvSpPr>
-          <p:cNvPr id="3" name="Content Placeholder 2">
-            <a:extLst>
-              <a:ext uri="{FF2B5EF4-FFF2-40B4-BE49-F238E27FC236}">
-                <a16:creationId xmlns:a16="http://schemas.microsoft.com/office/drawing/2014/main" id="{0CF5ED84-FE4B-4855-9031-09B1F05CD801}"/>
-              </a:ext>
-            </a:extLst>
-          </p:cNvPr>
-          <p:cNvSpPr>
-            <a:spLocks noGrp="1"/>
-          </p:cNvSpPr>
-          <p:nvPr>
-            <p:ph idx="1"/>
-          </p:nvPr>
-        </p:nvSpPr>
-        <p:spPr>
-          <a:xfrm>
-            <a:off x="1131216" y="1825625"/>
-            <a:ext cx="10222584" cy="4351338"/>
-          </a:xfrm>
-        </p:spPr>
-        <p:txBody>
-          <a:bodyPr/>
-          <a:lstStyle/>
-          <a:p>
-            <a:pPr marL="0" indent="0">
-              <a:buNone/>
-            </a:pPr>
-            <a:r>
-              <a:rPr lang="en-US" dirty="0"/>
-              <a:t>Execute test and send metrics</a:t>
-            </a:r>
-          </a:p>
-        </p:txBody>
-      </p:sp>
-      <p:pic>
-        <p:nvPicPr>
-          <p:cNvPr id="7" name="Picture 6">
-            <a:extLst>
-              <a:ext uri="{FF2B5EF4-FFF2-40B4-BE49-F238E27FC236}">
-                <a16:creationId xmlns:a16="http://schemas.microsoft.com/office/drawing/2014/main" id="{A5735F8D-FF96-41C4-B7DE-81DE8F3659EC}"/>
-              </a:ext>
-            </a:extLst>
-          </p:cNvPr>
-          <p:cNvPicPr>
-            <a:picLocks noChangeAspect="1"/>
-          </p:cNvPicPr>
-          <p:nvPr/>
-        </p:nvPicPr>
-        <p:blipFill>
-          <a:blip r:embed="rId2"/>
-          <a:stretch>
-            <a:fillRect/>
-          </a:stretch>
-        </p:blipFill>
-        <p:spPr>
-          <a:xfrm>
-            <a:off x="1046541" y="2902075"/>
-            <a:ext cx="10307259" cy="1417005"/>
-          </a:xfrm>
-          <a:prstGeom prst="rect">
-            <a:avLst/>
-          </a:prstGeom>
-        </p:spPr>
-      </p:pic>
-      <p:sp>
-        <p:nvSpPr>
-          <p:cNvPr id="8" name="Rectangle 7">
-            <a:extLst>
-              <a:ext uri="{FF2B5EF4-FFF2-40B4-BE49-F238E27FC236}">
-                <a16:creationId xmlns:a16="http://schemas.microsoft.com/office/drawing/2014/main" id="{FD0E9306-0EF3-4599-956C-2753164826FF}"/>
-              </a:ext>
-            </a:extLst>
-          </p:cNvPr>
-          <p:cNvSpPr/>
-          <p:nvPr/>
-        </p:nvSpPr>
-        <p:spPr>
-          <a:xfrm>
-            <a:off x="3142" y="0"/>
-            <a:ext cx="562466" cy="6858000"/>
-          </a:xfrm>
-          <a:prstGeom prst="rect">
-            <a:avLst/>
-          </a:prstGeom>
-          <a:solidFill>
-            <a:schemeClr val="accent1">
-              <a:lumMod val="40000"/>
-              <a:lumOff val="60000"/>
-            </a:schemeClr>
-          </a:solidFill>
-          <a:ln>
-            <a:noFill/>
-          </a:ln>
-        </p:spPr>
-        <p:style>
-          <a:lnRef idx="2">
-            <a:schemeClr val="accent1">
-              <a:shade val="50000"/>
-            </a:schemeClr>
-          </a:lnRef>
-          <a:fillRef idx="1">
-            <a:schemeClr val="accent1"/>
-          </a:fillRef>
-          <a:effectRef idx="0">
-            <a:schemeClr val="accent1"/>
-          </a:effectRef>
-          <a:fontRef idx="minor">
-            <a:schemeClr val="lt1"/>
-          </a:fontRef>
-        </p:style>
-        <p:txBody>
-          <a:bodyPr rtlCol="0" anchor="ctr"/>
-          <a:lstStyle/>
-          <a:p>
-            <a:pPr algn="ctr"/>
-            <a:endParaRPr lang="en-US"/>
-          </a:p>
-        </p:txBody>
-      </p:sp>
-      <p:sp>
-        <p:nvSpPr>
-          <p:cNvPr id="9" name="Rectangle 8">
-            <a:extLst>
-              <a:ext uri="{FF2B5EF4-FFF2-40B4-BE49-F238E27FC236}">
-                <a16:creationId xmlns:a16="http://schemas.microsoft.com/office/drawing/2014/main" id="{560FD021-D7FA-4CA7-BBDB-1AD6DF11B777}"/>
-              </a:ext>
-            </a:extLst>
-          </p:cNvPr>
-          <p:cNvSpPr/>
-          <p:nvPr/>
-        </p:nvSpPr>
-        <p:spPr>
-          <a:xfrm>
-            <a:off x="645734" y="0"/>
-            <a:ext cx="309515" cy="6858000"/>
-          </a:xfrm>
-          <a:prstGeom prst="rect">
-            <a:avLst/>
-          </a:prstGeom>
-          <a:solidFill>
-            <a:schemeClr val="accent1">
-              <a:lumMod val="20000"/>
-              <a:lumOff val="80000"/>
-            </a:schemeClr>
-          </a:solidFill>
-          <a:ln>
-            <a:noFill/>
-          </a:ln>
-        </p:spPr>
-        <p:style>
-          <a:lnRef idx="2">
-            <a:schemeClr val="accent1">
-              <a:shade val="50000"/>
-            </a:schemeClr>
-          </a:lnRef>
-          <a:fillRef idx="1">
-            <a:schemeClr val="accent1"/>
-          </a:fillRef>
-          <a:effectRef idx="0">
-            <a:schemeClr val="accent1"/>
-          </a:effectRef>
-          <a:fontRef idx="minor">
-            <a:schemeClr val="lt1"/>
-          </a:fontRef>
-        </p:style>
-        <p:txBody>
-          <a:bodyPr rtlCol="0" anchor="ctr"/>
-          <a:lstStyle/>
-          <a:p>
-            <a:pPr algn="ctr"/>
-            <a:endParaRPr lang="en-US"/>
-          </a:p>
-        </p:txBody>
-      </p:sp>
-    </p:spTree>
-    <p:extLst>
-      <p:ext uri="{BB962C8B-B14F-4D97-AF65-F5344CB8AC3E}">
-        <p14:creationId xmlns:p14="http://schemas.microsoft.com/office/powerpoint/2010/main" val="2405836154"/>
-      </p:ext>
-    </p:extLst>
-  </p:cSld>
-  <p:clrMapOvr>
-    <a:masterClrMapping/>
-  </p:clrMapOvr>
-</p:sld>
-</file>
-
-<file path=ppt/slides/slide26.xml><?xml version="1.0" encoding="utf-8"?>
-<p:sld xmlns:a="http://schemas.openxmlformats.org/drawingml/2006/main" xmlns:r="http://schemas.openxmlformats.org/officeDocument/2006/relationships" xmlns:p="http://schemas.openxmlformats.org/presentationml/2006/main">
-  <p:cSld>
-    <p:spTree>
-      <p:nvGrpSpPr>
-        <p:cNvPr id="1" name=""/>
-        <p:cNvGrpSpPr/>
-        <p:nvPr/>
-      </p:nvGrpSpPr>
-      <p:grpSpPr>
-        <a:xfrm>
-          <a:off x="0" y="0"/>
-          <a:ext cx="0" cy="0"/>
-          <a:chOff x="0" y="0"/>
-          <a:chExt cx="0" cy="0"/>
-        </a:xfrm>
-      </p:grpSpPr>
-      <p:sp>
-        <p:nvSpPr>
-          <p:cNvPr id="2" name="Title 1">
-            <a:extLst>
-              <a:ext uri="{FF2B5EF4-FFF2-40B4-BE49-F238E27FC236}">
-                <a16:creationId xmlns:a16="http://schemas.microsoft.com/office/drawing/2014/main" id="{29BB4EF8-88A7-43B1-B766-6547D653A2FA}"/>
-              </a:ext>
-            </a:extLst>
-          </p:cNvPr>
-          <p:cNvSpPr>
-            <a:spLocks noGrp="1"/>
-          </p:cNvSpPr>
-          <p:nvPr>
-            <p:ph type="title"/>
-          </p:nvPr>
-        </p:nvSpPr>
-        <p:spPr/>
-        <p:txBody>
-          <a:bodyPr/>
-          <a:lstStyle/>
-          <a:p>
-            <a:pPr algn="ctr"/>
-            <a:r>
-              <a:rPr lang="en-US" dirty="0"/>
-              <a:t>Running Local and sending metrics to K6</a:t>
-            </a:r>
-          </a:p>
-        </p:txBody>
-      </p:sp>
-      <p:sp>
-        <p:nvSpPr>
-          <p:cNvPr id="3" name="Content Placeholder 2">
-            <a:extLst>
-              <a:ext uri="{FF2B5EF4-FFF2-40B4-BE49-F238E27FC236}">
-                <a16:creationId xmlns:a16="http://schemas.microsoft.com/office/drawing/2014/main" id="{0CF5ED84-FE4B-4855-9031-09B1F05CD801}"/>
-              </a:ext>
-            </a:extLst>
-          </p:cNvPr>
-          <p:cNvSpPr>
-            <a:spLocks noGrp="1"/>
-          </p:cNvSpPr>
-          <p:nvPr>
-            <p:ph idx="1"/>
-          </p:nvPr>
-        </p:nvSpPr>
-        <p:spPr>
-          <a:xfrm>
-            <a:off x="1272618" y="1825625"/>
-            <a:ext cx="10081181" cy="4351338"/>
-          </a:xfrm>
-        </p:spPr>
-        <p:txBody>
-          <a:bodyPr/>
-          <a:lstStyle/>
-          <a:p>
-            <a:pPr marL="0" indent="0">
-              <a:buNone/>
-            </a:pPr>
-            <a:r>
-              <a:rPr lang="en-US" dirty="0"/>
-              <a:t>View Metrics</a:t>
-            </a:r>
-          </a:p>
-        </p:txBody>
-      </p:sp>
-      <p:pic>
-        <p:nvPicPr>
-          <p:cNvPr id="5" name="Picture 4">
-            <a:extLst>
-              <a:ext uri="{FF2B5EF4-FFF2-40B4-BE49-F238E27FC236}">
-                <a16:creationId xmlns:a16="http://schemas.microsoft.com/office/drawing/2014/main" id="{ADEB9D3A-FEE6-48D7-9354-23EA4FA3F753}"/>
-              </a:ext>
-            </a:extLst>
-          </p:cNvPr>
-          <p:cNvPicPr>
-            <a:picLocks noChangeAspect="1"/>
-          </p:cNvPicPr>
-          <p:nvPr/>
-        </p:nvPicPr>
-        <p:blipFill>
-          <a:blip r:embed="rId2"/>
-          <a:stretch>
-            <a:fillRect/>
-          </a:stretch>
-        </p:blipFill>
-        <p:spPr>
-          <a:xfrm>
-            <a:off x="1306458" y="2599312"/>
-            <a:ext cx="9696133" cy="1659375"/>
-          </a:xfrm>
-          <a:prstGeom prst="rect">
-            <a:avLst/>
-          </a:prstGeom>
-        </p:spPr>
-      </p:pic>
-      <p:sp>
-        <p:nvSpPr>
-          <p:cNvPr id="8" name="Rectangle 7">
-            <a:extLst>
-              <a:ext uri="{FF2B5EF4-FFF2-40B4-BE49-F238E27FC236}">
-                <a16:creationId xmlns:a16="http://schemas.microsoft.com/office/drawing/2014/main" id="{D1713F57-A8F9-473D-8E99-C2B5FBDC22B3}"/>
-              </a:ext>
-            </a:extLst>
-          </p:cNvPr>
-          <p:cNvSpPr/>
-          <p:nvPr/>
-        </p:nvSpPr>
-        <p:spPr>
-          <a:xfrm>
-            <a:off x="3142" y="0"/>
-            <a:ext cx="562466" cy="6858000"/>
-          </a:xfrm>
-          <a:prstGeom prst="rect">
-            <a:avLst/>
-          </a:prstGeom>
-          <a:solidFill>
-            <a:schemeClr val="accent1">
-              <a:lumMod val="40000"/>
-              <a:lumOff val="60000"/>
-            </a:schemeClr>
-          </a:solidFill>
-          <a:ln>
-            <a:noFill/>
-          </a:ln>
-        </p:spPr>
-        <p:style>
-          <a:lnRef idx="2">
-            <a:schemeClr val="accent1">
-              <a:shade val="50000"/>
-            </a:schemeClr>
-          </a:lnRef>
-          <a:fillRef idx="1">
-            <a:schemeClr val="accent1"/>
-          </a:fillRef>
-          <a:effectRef idx="0">
-            <a:schemeClr val="accent1"/>
-          </a:effectRef>
-          <a:fontRef idx="minor">
-            <a:schemeClr val="lt1"/>
-          </a:fontRef>
-        </p:style>
-        <p:txBody>
-          <a:bodyPr rtlCol="0" anchor="ctr"/>
-          <a:lstStyle/>
-          <a:p>
-            <a:pPr algn="ctr"/>
-            <a:endParaRPr lang="en-US"/>
-          </a:p>
-        </p:txBody>
-      </p:sp>
-      <p:sp>
-        <p:nvSpPr>
-          <p:cNvPr id="9" name="Rectangle 8">
-            <a:extLst>
-              <a:ext uri="{FF2B5EF4-FFF2-40B4-BE49-F238E27FC236}">
-                <a16:creationId xmlns:a16="http://schemas.microsoft.com/office/drawing/2014/main" id="{68DEE43B-87F9-4657-A68E-4578318506B2}"/>
-              </a:ext>
-            </a:extLst>
-          </p:cNvPr>
-          <p:cNvSpPr/>
-          <p:nvPr/>
-        </p:nvSpPr>
-        <p:spPr>
-          <a:xfrm>
-            <a:off x="645734" y="0"/>
-            <a:ext cx="309515" cy="6858000"/>
-          </a:xfrm>
-          <a:prstGeom prst="rect">
-            <a:avLst/>
-          </a:prstGeom>
-          <a:solidFill>
-            <a:schemeClr val="accent1">
-              <a:lumMod val="20000"/>
-              <a:lumOff val="80000"/>
-            </a:schemeClr>
-          </a:solidFill>
-          <a:ln>
-            <a:noFill/>
-          </a:ln>
-        </p:spPr>
-        <p:style>
-          <a:lnRef idx="2">
-            <a:schemeClr val="accent1">
-              <a:shade val="50000"/>
-            </a:schemeClr>
-          </a:lnRef>
-          <a:fillRef idx="1">
-            <a:schemeClr val="accent1"/>
-          </a:fillRef>
-          <a:effectRef idx="0">
-            <a:schemeClr val="accent1"/>
-          </a:effectRef>
-          <a:fontRef idx="minor">
-            <a:schemeClr val="lt1"/>
-          </a:fontRef>
-        </p:style>
-        <p:txBody>
-          <a:bodyPr rtlCol="0" anchor="ctr"/>
-          <a:lstStyle/>
-          <a:p>
-            <a:pPr algn="ctr"/>
-            <a:endParaRPr lang="en-US"/>
-          </a:p>
-        </p:txBody>
-      </p:sp>
-    </p:spTree>
-    <p:extLst>
-      <p:ext uri="{BB962C8B-B14F-4D97-AF65-F5344CB8AC3E}">
-        <p14:creationId xmlns:p14="http://schemas.microsoft.com/office/powerpoint/2010/main" val="1087843074"/>
-      </p:ext>
-    </p:extLst>
-  </p:cSld>
-  <p:clrMapOvr>
-    <a:masterClrMapping/>
-  </p:clrMapOvr>
-</p:sld>
-</file>
-
-<file path=ppt/slides/slide27.xml><?xml version="1.0" encoding="utf-8"?>
-<p:sld xmlns:a="http://schemas.openxmlformats.org/drawingml/2006/main" xmlns:r="http://schemas.openxmlformats.org/officeDocument/2006/relationships" xmlns:p="http://schemas.openxmlformats.org/presentationml/2006/main">
-  <p:cSld>
-    <p:spTree>
-      <p:nvGrpSpPr>
-        <p:cNvPr id="1" name=""/>
-        <p:cNvGrpSpPr/>
-        <p:nvPr/>
-      </p:nvGrpSpPr>
-      <p:grpSpPr>
-        <a:xfrm>
-          <a:off x="0" y="0"/>
-          <a:ext cx="0" cy="0"/>
-          <a:chOff x="0" y="0"/>
-          <a:chExt cx="0" cy="0"/>
-        </a:xfrm>
-      </p:grpSpPr>
-      <p:sp>
-        <p:nvSpPr>
-          <p:cNvPr id="2" name="Title 1">
-            <a:extLst>
-              <a:ext uri="{FF2B5EF4-FFF2-40B4-BE49-F238E27FC236}">
-                <a16:creationId xmlns:a16="http://schemas.microsoft.com/office/drawing/2014/main" id="{29BB4EF8-88A7-43B1-B766-6547D653A2FA}"/>
-              </a:ext>
-            </a:extLst>
-          </p:cNvPr>
-          <p:cNvSpPr>
-            <a:spLocks noGrp="1"/>
-          </p:cNvSpPr>
-          <p:nvPr>
-            <p:ph type="title"/>
-          </p:nvPr>
-        </p:nvSpPr>
-        <p:spPr/>
-        <p:txBody>
-          <a:bodyPr/>
-          <a:lstStyle/>
-          <a:p>
-            <a:pPr algn="ctr"/>
-            <a:r>
-              <a:rPr lang="en-US" dirty="0"/>
-              <a:t>Running Local and sending metrics to K6</a:t>
-            </a:r>
-          </a:p>
-        </p:txBody>
-      </p:sp>
-      <p:sp>
-        <p:nvSpPr>
-          <p:cNvPr id="3" name="Content Placeholder 2">
-            <a:extLst>
-              <a:ext uri="{FF2B5EF4-FFF2-40B4-BE49-F238E27FC236}">
-                <a16:creationId xmlns:a16="http://schemas.microsoft.com/office/drawing/2014/main" id="{0CF5ED84-FE4B-4855-9031-09B1F05CD801}"/>
-              </a:ext>
-            </a:extLst>
-          </p:cNvPr>
-          <p:cNvSpPr>
-            <a:spLocks noGrp="1"/>
-          </p:cNvSpPr>
-          <p:nvPr>
-            <p:ph idx="1"/>
-          </p:nvPr>
-        </p:nvSpPr>
-        <p:spPr/>
-        <p:txBody>
-          <a:bodyPr/>
-          <a:lstStyle/>
-          <a:p>
-            <a:pPr marL="0" indent="0">
-              <a:buNone/>
-            </a:pPr>
-            <a:r>
-              <a:rPr lang="en-US" dirty="0"/>
-              <a:t>View Metrics</a:t>
-            </a:r>
-          </a:p>
-        </p:txBody>
-      </p:sp>
-      <p:pic>
-        <p:nvPicPr>
-          <p:cNvPr id="6" name="Picture 5">
-            <a:extLst>
-              <a:ext uri="{FF2B5EF4-FFF2-40B4-BE49-F238E27FC236}">
-                <a16:creationId xmlns:a16="http://schemas.microsoft.com/office/drawing/2014/main" id="{8D7ED29A-AE11-4A6D-8977-3DF3A19B0355}"/>
-              </a:ext>
-            </a:extLst>
-          </p:cNvPr>
-          <p:cNvPicPr>
-            <a:picLocks noChangeAspect="1"/>
-          </p:cNvPicPr>
-          <p:nvPr/>
-        </p:nvPicPr>
-        <p:blipFill>
-          <a:blip r:embed="rId2"/>
-          <a:stretch>
-            <a:fillRect/>
-          </a:stretch>
-        </p:blipFill>
-        <p:spPr>
-          <a:xfrm>
-            <a:off x="2568102" y="2643483"/>
-            <a:ext cx="6715058" cy="3533480"/>
-          </a:xfrm>
-          <a:prstGeom prst="rect">
-            <a:avLst/>
-          </a:prstGeom>
-        </p:spPr>
-      </p:pic>
-    </p:spTree>
-    <p:extLst>
-      <p:ext uri="{BB962C8B-B14F-4D97-AF65-F5344CB8AC3E}">
-        <p14:creationId xmlns:p14="http://schemas.microsoft.com/office/powerpoint/2010/main" val="2450497625"/>
-      </p:ext>
-    </p:extLst>
-  </p:cSld>
-  <p:clrMapOvr>
-    <a:masterClrMapping/>
-  </p:clrMapOvr>
-</p:sld>
-</file>
-
-<file path=ppt/slides/slide28.xml><?xml version="1.0" encoding="utf-8"?>
-<p:sld xmlns:a="http://schemas.openxmlformats.org/drawingml/2006/main" xmlns:r="http://schemas.openxmlformats.org/officeDocument/2006/relationships" xmlns:p="http://schemas.openxmlformats.org/presentationml/2006/main">
-  <p:cSld>
-    <p:spTree>
-      <p:nvGrpSpPr>
-        <p:cNvPr id="1" name=""/>
-        <p:cNvGrpSpPr/>
-        <p:nvPr/>
-      </p:nvGrpSpPr>
-      <p:grpSpPr>
-        <a:xfrm>
-          <a:off x="0" y="0"/>
-          <a:ext cx="0" cy="0"/>
-          <a:chOff x="0" y="0"/>
-          <a:chExt cx="0" cy="0"/>
-        </a:xfrm>
-      </p:grpSpPr>
-      <p:sp>
-        <p:nvSpPr>
-          <p:cNvPr id="2" name="Title 1">
-            <a:extLst>
-              <a:ext uri="{FF2B5EF4-FFF2-40B4-BE49-F238E27FC236}">
-                <a16:creationId xmlns:a16="http://schemas.microsoft.com/office/drawing/2014/main" id="{29BB4EF8-88A7-43B1-B766-6547D653A2FA}"/>
-              </a:ext>
-            </a:extLst>
-          </p:cNvPr>
-          <p:cNvSpPr>
-            <a:spLocks noGrp="1"/>
-          </p:cNvSpPr>
-          <p:nvPr>
-            <p:ph type="title"/>
-          </p:nvPr>
-        </p:nvSpPr>
-        <p:spPr>
-          <a:xfrm>
-            <a:off x="838200" y="2344754"/>
-            <a:ext cx="10515600" cy="1325563"/>
-          </a:xfrm>
-        </p:spPr>
-        <p:txBody>
-          <a:bodyPr/>
-          <a:lstStyle/>
-          <a:p>
-            <a:pPr algn="ctr"/>
-            <a:r>
-              <a:rPr lang="en-US" dirty="0"/>
-              <a:t>K6 Live Demos</a:t>
-            </a:r>
-          </a:p>
-        </p:txBody>
-      </p:sp>
-    </p:spTree>
-    <p:extLst>
-      <p:ext uri="{BB962C8B-B14F-4D97-AF65-F5344CB8AC3E}">
-        <p14:creationId xmlns:p14="http://schemas.microsoft.com/office/powerpoint/2010/main" val="3458090442"/>
-      </p:ext>
-    </p:extLst>
-  </p:cSld>
-  <p:clrMapOvr>
-    <a:masterClrMapping/>
-  </p:clrMapOvr>
-</p:sld>
-</file>
-
-<file path=ppt/slides/slide3.xml><?xml version="1.0" encoding="utf-8"?>
+<file path=ppt/slides/slide4.xml><?xml version="1.0" encoding="utf-8"?>
 <p:sld xmlns:a="http://schemas.openxmlformats.org/drawingml/2006/main" xmlns:r="http://schemas.openxmlformats.org/officeDocument/2006/relationships" xmlns:p="http://schemas.openxmlformats.org/presentationml/2006/main">
   <p:cSld>
     <p:spTree>
@@ -20093,7 +20802,7 @@
 </p:sld>
 </file>
 
-<file path=ppt/slides/slide4.xml><?xml version="1.0" encoding="utf-8"?>
+<file path=ppt/slides/slide5.xml><?xml version="1.0" encoding="utf-8"?>
 <p:sld xmlns:a="http://schemas.openxmlformats.org/drawingml/2006/main" xmlns:r="http://schemas.openxmlformats.org/officeDocument/2006/relationships" xmlns:p="http://schemas.openxmlformats.org/presentationml/2006/main">
   <p:cSld>
     <p:spTree>
@@ -20388,7 +21097,7 @@
 </p:sld>
 </file>
 
-<file path=ppt/slides/slide5.xml><?xml version="1.0" encoding="utf-8"?>
+<file path=ppt/slides/slide6.xml><?xml version="1.0" encoding="utf-8"?>
 <p:sld xmlns:a="http://schemas.openxmlformats.org/drawingml/2006/main" xmlns:r="http://schemas.openxmlformats.org/officeDocument/2006/relationships" xmlns:p="http://schemas.openxmlformats.org/presentationml/2006/main">
   <p:cSld>
     <p:spTree>
@@ -20631,7 +21340,7 @@
 </p:sld>
 </file>
 
-<file path=ppt/slides/slide6.xml><?xml version="1.0" encoding="utf-8"?>
+<file path=ppt/slides/slide7.xml><?xml version="1.0" encoding="utf-8"?>
 <p:sld xmlns:a="http://schemas.openxmlformats.org/drawingml/2006/main" xmlns:r="http://schemas.openxmlformats.org/officeDocument/2006/relationships" xmlns:p="http://schemas.openxmlformats.org/presentationml/2006/main">
   <p:cSld>
     <p:spTree>
@@ -20882,7 +21591,7 @@
 </p:sld>
 </file>
 
-<file path=ppt/slides/slide7.xml><?xml version="1.0" encoding="utf-8"?>
+<file path=ppt/slides/slide8.xml><?xml version="1.0" encoding="utf-8"?>
 <p:sld xmlns:a="http://schemas.openxmlformats.org/drawingml/2006/main" xmlns:r="http://schemas.openxmlformats.org/officeDocument/2006/relationships" xmlns:p="http://schemas.openxmlformats.org/presentationml/2006/main">
   <p:cSld>
     <p:spTree>
@@ -21081,7 +21790,7 @@
 </p:sld>
 </file>
 
-<file path=ppt/slides/slide8.xml><?xml version="1.0" encoding="utf-8"?>
+<file path=ppt/slides/slide9.xml><?xml version="1.0" encoding="utf-8"?>
 <p:sld xmlns:a="http://schemas.openxmlformats.org/drawingml/2006/main" xmlns:r="http://schemas.openxmlformats.org/officeDocument/2006/relationships" xmlns:p="http://schemas.openxmlformats.org/presentationml/2006/main">
   <p:cSld>
     <p:spTree>
@@ -21522,448 +22231,6 @@
     <p:extLst>
       <p:ext uri="{BB962C8B-B14F-4D97-AF65-F5344CB8AC3E}">
         <p14:creationId xmlns:p14="http://schemas.microsoft.com/office/powerpoint/2010/main" val="919084991"/>
-      </p:ext>
-    </p:extLst>
-  </p:cSld>
-  <p:clrMapOvr>
-    <a:masterClrMapping/>
-  </p:clrMapOvr>
-</p:sld>
-</file>
-
-<file path=ppt/slides/slide9.xml><?xml version="1.0" encoding="utf-8"?>
-<p:sld xmlns:a="http://schemas.openxmlformats.org/drawingml/2006/main" xmlns:r="http://schemas.openxmlformats.org/officeDocument/2006/relationships" xmlns:p="http://schemas.openxmlformats.org/presentationml/2006/main">
-  <p:cSld>
-    <p:spTree>
-      <p:nvGrpSpPr>
-        <p:cNvPr id="1" name=""/>
-        <p:cNvGrpSpPr/>
-        <p:nvPr/>
-      </p:nvGrpSpPr>
-      <p:grpSpPr>
-        <a:xfrm>
-          <a:off x="0" y="0"/>
-          <a:ext cx="0" cy="0"/>
-          <a:chOff x="0" y="0"/>
-          <a:chExt cx="0" cy="0"/>
-        </a:xfrm>
-      </p:grpSpPr>
-      <p:sp>
-        <p:nvSpPr>
-          <p:cNvPr id="2" name="Title 1">
-            <a:extLst>
-              <a:ext uri="{FF2B5EF4-FFF2-40B4-BE49-F238E27FC236}">
-                <a16:creationId xmlns:a16="http://schemas.microsoft.com/office/drawing/2014/main" id="{EC8218EA-B195-4A09-A386-22DE44655651}"/>
-              </a:ext>
-            </a:extLst>
-          </p:cNvPr>
-          <p:cNvSpPr>
-            <a:spLocks noGrp="1"/>
-          </p:cNvSpPr>
-          <p:nvPr>
-            <p:ph type="title"/>
-          </p:nvPr>
-        </p:nvSpPr>
-        <p:spPr>
-          <a:xfrm>
-            <a:off x="838200" y="365126"/>
-            <a:ext cx="10515600" cy="813078"/>
-          </a:xfrm>
-        </p:spPr>
-        <p:txBody>
-          <a:bodyPr/>
-          <a:lstStyle/>
-          <a:p>
-            <a:pPr algn="ctr"/>
-            <a:r>
-              <a:rPr lang="en-US" dirty="0"/>
-              <a:t>Stress Testing</a:t>
-            </a:r>
-          </a:p>
-        </p:txBody>
-      </p:sp>
-      <p:graphicFrame>
-        <p:nvGraphicFramePr>
-          <p:cNvPr id="8" name="Content Placeholder 7">
-            <a:extLst>
-              <a:ext uri="{FF2B5EF4-FFF2-40B4-BE49-F238E27FC236}">
-                <a16:creationId xmlns:a16="http://schemas.microsoft.com/office/drawing/2014/main" id="{AD086DD7-AC49-4479-8592-E04307CBE75C}"/>
-              </a:ext>
-            </a:extLst>
-          </p:cNvPr>
-          <p:cNvGraphicFramePr>
-            <a:graphicFrameLocks noGrp="1"/>
-          </p:cNvGraphicFramePr>
-          <p:nvPr>
-            <p:ph idx="1"/>
-            <p:extLst>
-              <p:ext uri="{D42A27DB-BD31-4B8C-83A1-F6EECF244321}">
-                <p14:modId xmlns:p14="http://schemas.microsoft.com/office/powerpoint/2010/main" val="1487960208"/>
-              </p:ext>
-            </p:extLst>
-          </p:nvPr>
-        </p:nvGraphicFramePr>
-        <p:xfrm>
-          <a:off x="1687842" y="1887047"/>
-          <a:ext cx="8379985" cy="3792750"/>
-        </p:xfrm>
-        <a:graphic>
-          <a:graphicData uri="http://schemas.openxmlformats.org/drawingml/2006/chart">
-            <c:chart xmlns:c="http://schemas.openxmlformats.org/drawingml/2006/chart" xmlns:r="http://schemas.openxmlformats.org/officeDocument/2006/relationships" r:id="rId2"/>
-          </a:graphicData>
-        </a:graphic>
-      </p:graphicFrame>
-      <p:sp>
-        <p:nvSpPr>
-          <p:cNvPr id="4" name="Rectangle 3">
-            <a:extLst>
-              <a:ext uri="{FF2B5EF4-FFF2-40B4-BE49-F238E27FC236}">
-                <a16:creationId xmlns:a16="http://schemas.microsoft.com/office/drawing/2014/main" id="{41401F1D-B990-44AF-AB22-2A351B3AFA3C}"/>
-              </a:ext>
-            </a:extLst>
-          </p:cNvPr>
-          <p:cNvSpPr/>
-          <p:nvPr/>
-        </p:nvSpPr>
-        <p:spPr>
-          <a:xfrm>
-            <a:off x="3142" y="0"/>
-            <a:ext cx="562466" cy="6858000"/>
-          </a:xfrm>
-          <a:prstGeom prst="rect">
-            <a:avLst/>
-          </a:prstGeom>
-          <a:solidFill>
-            <a:schemeClr val="accent1">
-              <a:lumMod val="40000"/>
-              <a:lumOff val="60000"/>
-            </a:schemeClr>
-          </a:solidFill>
-          <a:ln>
-            <a:noFill/>
-          </a:ln>
-        </p:spPr>
-        <p:style>
-          <a:lnRef idx="2">
-            <a:schemeClr val="accent1">
-              <a:shade val="50000"/>
-            </a:schemeClr>
-          </a:lnRef>
-          <a:fillRef idx="1">
-            <a:schemeClr val="accent1"/>
-          </a:fillRef>
-          <a:effectRef idx="0">
-            <a:schemeClr val="accent1"/>
-          </a:effectRef>
-          <a:fontRef idx="minor">
-            <a:schemeClr val="lt1"/>
-          </a:fontRef>
-        </p:style>
-        <p:txBody>
-          <a:bodyPr rtlCol="0" anchor="ctr"/>
-          <a:lstStyle/>
-          <a:p>
-            <a:pPr algn="ctr"/>
-            <a:endParaRPr lang="en-US"/>
-          </a:p>
-        </p:txBody>
-      </p:sp>
-      <p:sp>
-        <p:nvSpPr>
-          <p:cNvPr id="5" name="Rectangle 4">
-            <a:extLst>
-              <a:ext uri="{FF2B5EF4-FFF2-40B4-BE49-F238E27FC236}">
-                <a16:creationId xmlns:a16="http://schemas.microsoft.com/office/drawing/2014/main" id="{AF2C3D09-6980-4CEB-9556-BFD41530A16E}"/>
-              </a:ext>
-            </a:extLst>
-          </p:cNvPr>
-          <p:cNvSpPr/>
-          <p:nvPr/>
-        </p:nvSpPr>
-        <p:spPr>
-          <a:xfrm>
-            <a:off x="645734" y="0"/>
-            <a:ext cx="309515" cy="6858000"/>
-          </a:xfrm>
-          <a:prstGeom prst="rect">
-            <a:avLst/>
-          </a:prstGeom>
-          <a:solidFill>
-            <a:schemeClr val="accent1">
-              <a:lumMod val="20000"/>
-              <a:lumOff val="80000"/>
-            </a:schemeClr>
-          </a:solidFill>
-          <a:ln>
-            <a:noFill/>
-          </a:ln>
-        </p:spPr>
-        <p:style>
-          <a:lnRef idx="2">
-            <a:schemeClr val="accent1">
-              <a:shade val="50000"/>
-            </a:schemeClr>
-          </a:lnRef>
-          <a:fillRef idx="1">
-            <a:schemeClr val="accent1"/>
-          </a:fillRef>
-          <a:effectRef idx="0">
-            <a:schemeClr val="accent1"/>
-          </a:effectRef>
-          <a:fontRef idx="minor">
-            <a:schemeClr val="lt1"/>
-          </a:fontRef>
-        </p:style>
-        <p:txBody>
-          <a:bodyPr rtlCol="0" anchor="ctr"/>
-          <a:lstStyle/>
-          <a:p>
-            <a:pPr algn="ctr"/>
-            <a:endParaRPr lang="en-US"/>
-          </a:p>
-        </p:txBody>
-      </p:sp>
-      <p:cxnSp>
-        <p:nvCxnSpPr>
-          <p:cNvPr id="10" name="Straight Connector 9">
-            <a:extLst>
-              <a:ext uri="{FF2B5EF4-FFF2-40B4-BE49-F238E27FC236}">
-                <a16:creationId xmlns:a16="http://schemas.microsoft.com/office/drawing/2014/main" id="{1D23AC33-2AD7-456B-8FBE-F5BA780DDC24}"/>
-              </a:ext>
-            </a:extLst>
-          </p:cNvPr>
-          <p:cNvCxnSpPr>
-            <a:cxnSpLocks/>
-          </p:cNvCxnSpPr>
-          <p:nvPr/>
-        </p:nvCxnSpPr>
-        <p:spPr>
-          <a:xfrm>
-            <a:off x="1367331" y="3846136"/>
-            <a:ext cx="9162854" cy="0"/>
-          </a:xfrm>
-          <a:prstGeom prst="line">
-            <a:avLst/>
-          </a:prstGeom>
-          <a:ln w="38100" cap="flat" cmpd="sng" algn="ctr">
-            <a:solidFill>
-              <a:srgbClr val="FF0000"/>
-            </a:solidFill>
-            <a:prstDash val="solid"/>
-            <a:round/>
-            <a:headEnd type="none" w="med" len="med"/>
-            <a:tailEnd type="arrow" w="med" len="med"/>
-          </a:ln>
-        </p:spPr>
-        <p:style>
-          <a:lnRef idx="0">
-            <a:scrgbClr r="0" g="0" b="0"/>
-          </a:lnRef>
-          <a:fillRef idx="0">
-            <a:scrgbClr r="0" g="0" b="0"/>
-          </a:fillRef>
-          <a:effectRef idx="0">
-            <a:scrgbClr r="0" g="0" b="0"/>
-          </a:effectRef>
-          <a:fontRef idx="minor">
-            <a:schemeClr val="tx1"/>
-          </a:fontRef>
-        </p:style>
-      </p:cxnSp>
-      <p:sp>
-        <p:nvSpPr>
-          <p:cNvPr id="16" name="TextBox 15">
-            <a:extLst>
-              <a:ext uri="{FF2B5EF4-FFF2-40B4-BE49-F238E27FC236}">
-                <a16:creationId xmlns:a16="http://schemas.microsoft.com/office/drawing/2014/main" id="{9978CBF0-68A8-4F5E-A4F0-46B80AADFD25}"/>
-              </a:ext>
-            </a:extLst>
-          </p:cNvPr>
-          <p:cNvSpPr txBox="1"/>
-          <p:nvPr/>
-        </p:nvSpPr>
-        <p:spPr>
-          <a:xfrm>
-            <a:off x="1367331" y="1178203"/>
-            <a:ext cx="923382" cy="584775"/>
-          </a:xfrm>
-          <a:prstGeom prst="rect">
-            <a:avLst/>
-          </a:prstGeom>
-          <a:noFill/>
-        </p:spPr>
-        <p:txBody>
-          <a:bodyPr wrap="square" rtlCol="0">
-            <a:spAutoFit/>
-          </a:bodyPr>
-          <a:lstStyle/>
-          <a:p>
-            <a:pPr algn="ctr"/>
-            <a:r>
-              <a:rPr lang="en-US" sz="1600" b="1" dirty="0"/>
-              <a:t>Virtual users</a:t>
-            </a:r>
-          </a:p>
-        </p:txBody>
-      </p:sp>
-      <p:sp>
-        <p:nvSpPr>
-          <p:cNvPr id="17" name="TextBox 16">
-            <a:extLst>
-              <a:ext uri="{FF2B5EF4-FFF2-40B4-BE49-F238E27FC236}">
-                <a16:creationId xmlns:a16="http://schemas.microsoft.com/office/drawing/2014/main" id="{2E9D4E41-3144-4A65-9515-05E089A38B6E}"/>
-              </a:ext>
-            </a:extLst>
-          </p:cNvPr>
-          <p:cNvSpPr txBox="1"/>
-          <p:nvPr/>
-        </p:nvSpPr>
-        <p:spPr>
-          <a:xfrm>
-            <a:off x="9931582" y="5289861"/>
-            <a:ext cx="1022363" cy="338554"/>
-          </a:xfrm>
-          <a:prstGeom prst="rect">
-            <a:avLst/>
-          </a:prstGeom>
-          <a:noFill/>
-        </p:spPr>
-        <p:txBody>
-          <a:bodyPr wrap="square" rtlCol="0">
-            <a:spAutoFit/>
-          </a:bodyPr>
-          <a:lstStyle/>
-          <a:p>
-            <a:pPr algn="ctr"/>
-            <a:r>
-              <a:rPr lang="en-US" sz="1600" b="1" dirty="0"/>
-              <a:t>Timeline</a:t>
-            </a:r>
-          </a:p>
-        </p:txBody>
-      </p:sp>
-      <p:sp>
-        <p:nvSpPr>
-          <p:cNvPr id="19" name="TextBox 18">
-            <a:extLst>
-              <a:ext uri="{FF2B5EF4-FFF2-40B4-BE49-F238E27FC236}">
-                <a16:creationId xmlns:a16="http://schemas.microsoft.com/office/drawing/2014/main" id="{ACEFB6F8-5BF5-450D-98B0-7478DF10DC93}"/>
-              </a:ext>
-            </a:extLst>
-          </p:cNvPr>
-          <p:cNvSpPr txBox="1"/>
-          <p:nvPr/>
-        </p:nvSpPr>
-        <p:spPr>
-          <a:xfrm>
-            <a:off x="10442763" y="3676859"/>
-            <a:ext cx="1503249" cy="338554"/>
-          </a:xfrm>
-          <a:prstGeom prst="rect">
-            <a:avLst/>
-          </a:prstGeom>
-          <a:noFill/>
-        </p:spPr>
-        <p:txBody>
-          <a:bodyPr wrap="square" rtlCol="0">
-            <a:spAutoFit/>
-          </a:bodyPr>
-          <a:lstStyle/>
-          <a:p>
-            <a:pPr algn="ctr"/>
-            <a:r>
-              <a:rPr lang="en-US" sz="1600" b="1" dirty="0"/>
-              <a:t>Realistic Loads</a:t>
-            </a:r>
-          </a:p>
-        </p:txBody>
-      </p:sp>
-      <p:sp>
-        <p:nvSpPr>
-          <p:cNvPr id="11" name="TextBox 10">
-            <a:extLst>
-              <a:ext uri="{FF2B5EF4-FFF2-40B4-BE49-F238E27FC236}">
-                <a16:creationId xmlns:a16="http://schemas.microsoft.com/office/drawing/2014/main" id="{9824B5D2-582A-4991-A63D-42BF47D177C3}"/>
-              </a:ext>
-            </a:extLst>
-          </p:cNvPr>
-          <p:cNvSpPr txBox="1"/>
-          <p:nvPr/>
-        </p:nvSpPr>
-        <p:spPr>
-          <a:xfrm>
-            <a:off x="2089019" y="5969654"/>
-            <a:ext cx="8013962" cy="523220"/>
-          </a:xfrm>
-          <a:prstGeom prst="rect">
-            <a:avLst/>
-          </a:prstGeom>
-          <a:noFill/>
-        </p:spPr>
-        <p:txBody>
-          <a:bodyPr wrap="square" rtlCol="0">
-            <a:spAutoFit/>
-          </a:bodyPr>
-          <a:lstStyle/>
-          <a:p>
-            <a:pPr algn="ctr"/>
-            <a:r>
-              <a:rPr lang="en-US" sz="2800" b="1" dirty="0"/>
-              <a:t>MAX VU = 10, Check the system does not crash</a:t>
-            </a:r>
-          </a:p>
-        </p:txBody>
-      </p:sp>
-      <p:sp>
-        <p:nvSpPr>
-          <p:cNvPr id="12" name="Arrow: Up-Down 11">
-            <a:extLst>
-              <a:ext uri="{FF2B5EF4-FFF2-40B4-BE49-F238E27FC236}">
-                <a16:creationId xmlns:a16="http://schemas.microsoft.com/office/drawing/2014/main" id="{9CF7C792-8EDC-4990-A800-69E873C148A4}"/>
-              </a:ext>
-            </a:extLst>
-          </p:cNvPr>
-          <p:cNvSpPr/>
-          <p:nvPr/>
-        </p:nvSpPr>
-        <p:spPr>
-          <a:xfrm>
-            <a:off x="10003874" y="2649087"/>
-            <a:ext cx="468601" cy="1046219"/>
-          </a:xfrm>
-          <a:prstGeom prst="upDownArrow">
-            <a:avLst/>
-          </a:prstGeom>
-        </p:spPr>
-        <p:style>
-          <a:lnRef idx="2">
-            <a:schemeClr val="accent6">
-              <a:shade val="50000"/>
-            </a:schemeClr>
-          </a:lnRef>
-          <a:fillRef idx="1">
-            <a:schemeClr val="accent6"/>
-          </a:fillRef>
-          <a:effectRef idx="0">
-            <a:schemeClr val="accent6"/>
-          </a:effectRef>
-          <a:fontRef idx="minor">
-            <a:schemeClr val="lt1"/>
-          </a:fontRef>
-        </p:style>
-        <p:txBody>
-          <a:bodyPr rtlCol="0" anchor="ctr"/>
-          <a:lstStyle/>
-          <a:p>
-            <a:pPr algn="ctr"/>
-            <a:endParaRPr lang="en-US"/>
-          </a:p>
-        </p:txBody>
-      </p:sp>
-    </p:spTree>
-    <p:extLst>
-      <p:ext uri="{BB962C8B-B14F-4D97-AF65-F5344CB8AC3E}">
-        <p14:creationId xmlns:p14="http://schemas.microsoft.com/office/powerpoint/2010/main" val="426719048"/>
       </p:ext>
     </p:extLst>
   </p:cSld>
